--- a/Sprint 2/Front end design.pptx
+++ b/Sprint 2/Front end design.pptx
@@ -5,7 +5,16 @@
     <p:sldMasterId id="2147483648" r:id="rId1"/>
   </p:sldMasterIdLst>
   <p:sldIdLst>
-    <p:sldId id="256" r:id="rId2"/>
+    <p:sldId id="257" r:id="rId2"/>
+    <p:sldId id="258" r:id="rId3"/>
+    <p:sldId id="259" r:id="rId4"/>
+    <p:sldId id="260" r:id="rId5"/>
+    <p:sldId id="261" r:id="rId6"/>
+    <p:sldId id="262" r:id="rId7"/>
+    <p:sldId id="263" r:id="rId8"/>
+    <p:sldId id="264" r:id="rId9"/>
+    <p:sldId id="265" r:id="rId10"/>
+    <p:sldId id="256" r:id="rId11"/>
   </p:sldIdLst>
   <p:sldSz cx="12192000" cy="6858000"/>
   <p:notesSz cx="6858000" cy="9144000"/>
@@ -104,6 +113,11 @@
       </a:defRPr>
     </a:lvl9pPr>
   </p:defaultTextStyle>
+  <p:extLst>
+    <p:ext uri="{EFAFB233-063F-42B5-8137-9DF3F51BA10A}">
+      <p15:sldGuideLst xmlns:p15="http://schemas.microsoft.com/office/powerpoint/2012/main"/>
+    </p:ext>
+  </p:extLst>
 </p:presentation>
 </file>
 
@@ -256,7 +270,7 @@
           <a:p>
             <a:fld id="{ADD9AC0D-AE6A-45D0-B6B6-4FD15139DF30}" type="datetimeFigureOut">
               <a:rPr lang="en-IN" smtClean="0"/>
-              <a:t>26-11-2023</a:t>
+              <a:t>27-11-2023</a:t>
             </a:fld>
             <a:endParaRPr lang="en-IN"/>
           </a:p>
@@ -456,7 +470,7 @@
           <a:p>
             <a:fld id="{ADD9AC0D-AE6A-45D0-B6B6-4FD15139DF30}" type="datetimeFigureOut">
               <a:rPr lang="en-IN" smtClean="0"/>
-              <a:t>26-11-2023</a:t>
+              <a:t>27-11-2023</a:t>
             </a:fld>
             <a:endParaRPr lang="en-IN"/>
           </a:p>
@@ -666,7 +680,7 @@
           <a:p>
             <a:fld id="{ADD9AC0D-AE6A-45D0-B6B6-4FD15139DF30}" type="datetimeFigureOut">
               <a:rPr lang="en-IN" smtClean="0"/>
-              <a:t>26-11-2023</a:t>
+              <a:t>27-11-2023</a:t>
             </a:fld>
             <a:endParaRPr lang="en-IN"/>
           </a:p>
@@ -866,7 +880,7 @@
           <a:p>
             <a:fld id="{ADD9AC0D-AE6A-45D0-B6B6-4FD15139DF30}" type="datetimeFigureOut">
               <a:rPr lang="en-IN" smtClean="0"/>
-              <a:t>26-11-2023</a:t>
+              <a:t>27-11-2023</a:t>
             </a:fld>
             <a:endParaRPr lang="en-IN"/>
           </a:p>
@@ -1142,7 +1156,7 @@
           <a:p>
             <a:fld id="{ADD9AC0D-AE6A-45D0-B6B6-4FD15139DF30}" type="datetimeFigureOut">
               <a:rPr lang="en-IN" smtClean="0"/>
-              <a:t>26-11-2023</a:t>
+              <a:t>27-11-2023</a:t>
             </a:fld>
             <a:endParaRPr lang="en-IN"/>
           </a:p>
@@ -1410,7 +1424,7 @@
           <a:p>
             <a:fld id="{ADD9AC0D-AE6A-45D0-B6B6-4FD15139DF30}" type="datetimeFigureOut">
               <a:rPr lang="en-IN" smtClean="0"/>
-              <a:t>26-11-2023</a:t>
+              <a:t>27-11-2023</a:t>
             </a:fld>
             <a:endParaRPr lang="en-IN"/>
           </a:p>
@@ -1825,7 +1839,7 @@
           <a:p>
             <a:fld id="{ADD9AC0D-AE6A-45D0-B6B6-4FD15139DF30}" type="datetimeFigureOut">
               <a:rPr lang="en-IN" smtClean="0"/>
-              <a:t>26-11-2023</a:t>
+              <a:t>27-11-2023</a:t>
             </a:fld>
             <a:endParaRPr lang="en-IN"/>
           </a:p>
@@ -1967,7 +1981,7 @@
           <a:p>
             <a:fld id="{ADD9AC0D-AE6A-45D0-B6B6-4FD15139DF30}" type="datetimeFigureOut">
               <a:rPr lang="en-IN" smtClean="0"/>
-              <a:t>26-11-2023</a:t>
+              <a:t>27-11-2023</a:t>
             </a:fld>
             <a:endParaRPr lang="en-IN"/>
           </a:p>
@@ -2080,7 +2094,7 @@
           <a:p>
             <a:fld id="{ADD9AC0D-AE6A-45D0-B6B6-4FD15139DF30}" type="datetimeFigureOut">
               <a:rPr lang="en-IN" smtClean="0"/>
-              <a:t>26-11-2023</a:t>
+              <a:t>27-11-2023</a:t>
             </a:fld>
             <a:endParaRPr lang="en-IN"/>
           </a:p>
@@ -2393,7 +2407,7 @@
           <a:p>
             <a:fld id="{ADD9AC0D-AE6A-45D0-B6B6-4FD15139DF30}" type="datetimeFigureOut">
               <a:rPr lang="en-IN" smtClean="0"/>
-              <a:t>26-11-2023</a:t>
+              <a:t>27-11-2023</a:t>
             </a:fld>
             <a:endParaRPr lang="en-IN"/>
           </a:p>
@@ -2682,7 +2696,7 @@
           <a:p>
             <a:fld id="{ADD9AC0D-AE6A-45D0-B6B6-4FD15139DF30}" type="datetimeFigureOut">
               <a:rPr lang="en-IN" smtClean="0"/>
-              <a:t>26-11-2023</a:t>
+              <a:t>27-11-2023</a:t>
             </a:fld>
             <a:endParaRPr lang="en-IN"/>
           </a:p>
@@ -2925,7 +2939,7 @@
           <a:p>
             <a:fld id="{ADD9AC0D-AE6A-45D0-B6B6-4FD15139DF30}" type="datetimeFigureOut">
               <a:rPr lang="en-IN" smtClean="0"/>
-              <a:t>26-11-2023</a:t>
+              <a:t>27-11-2023</a:t>
             </a:fld>
             <a:endParaRPr lang="en-IN"/>
           </a:p>
@@ -3344,6 +3358,954 @@
       </p:grpSpPr>
       <p:sp>
         <p:nvSpPr>
+          <p:cNvPr id="3" name="Rectangle 2">
+            <a:extLst>
+              <a:ext uri="{FF2B5EF4-FFF2-40B4-BE49-F238E27FC236}">
+                <a16:creationId xmlns:a16="http://schemas.microsoft.com/office/drawing/2014/main" id="{581799DD-DB57-E566-DF79-2564636FD320}"/>
+              </a:ext>
+            </a:extLst>
+          </p:cNvPr>
+          <p:cNvSpPr/>
+          <p:nvPr/>
+        </p:nvSpPr>
+        <p:spPr>
+          <a:xfrm>
+            <a:off x="1396181" y="491613"/>
+            <a:ext cx="9360309" cy="5712542"/>
+          </a:xfrm>
+          <a:prstGeom prst="rect">
+            <a:avLst/>
+          </a:prstGeom>
+          <a:noFill/>
+          <a:ln>
+            <a:solidFill>
+              <a:schemeClr val="tx1"/>
+            </a:solidFill>
+          </a:ln>
+        </p:spPr>
+        <p:style>
+          <a:lnRef idx="2">
+            <a:schemeClr val="accent1">
+              <a:shade val="15000"/>
+            </a:schemeClr>
+          </a:lnRef>
+          <a:fillRef idx="1">
+            <a:schemeClr val="accent1"/>
+          </a:fillRef>
+          <a:effectRef idx="0">
+            <a:schemeClr val="accent1"/>
+          </a:effectRef>
+          <a:fontRef idx="minor">
+            <a:schemeClr val="lt1"/>
+          </a:fontRef>
+        </p:style>
+        <p:txBody>
+          <a:bodyPr rtlCol="0" anchor="ctr"/>
+          <a:lstStyle/>
+          <a:p>
+            <a:pPr algn="ctr"/>
+            <a:endParaRPr lang="en-DE" dirty="0">
+              <a:solidFill>
+                <a:schemeClr val="tx1"/>
+              </a:solidFill>
+            </a:endParaRPr>
+          </a:p>
+        </p:txBody>
+      </p:sp>
+      <p:sp>
+        <p:nvSpPr>
+          <p:cNvPr id="4" name="Rectangle 3">
+            <a:extLst>
+              <a:ext uri="{FF2B5EF4-FFF2-40B4-BE49-F238E27FC236}">
+                <a16:creationId xmlns:a16="http://schemas.microsoft.com/office/drawing/2014/main" id="{32B7AE47-A22B-E365-93D9-F6B1D87564AB}"/>
+              </a:ext>
+            </a:extLst>
+          </p:cNvPr>
+          <p:cNvSpPr/>
+          <p:nvPr/>
+        </p:nvSpPr>
+        <p:spPr>
+          <a:xfrm>
+            <a:off x="1396181" y="152400"/>
+            <a:ext cx="3333136" cy="294968"/>
+          </a:xfrm>
+          <a:prstGeom prst="rect">
+            <a:avLst/>
+          </a:prstGeom>
+          <a:noFill/>
+        </p:spPr>
+        <p:style>
+          <a:lnRef idx="2">
+            <a:schemeClr val="accent1">
+              <a:shade val="15000"/>
+            </a:schemeClr>
+          </a:lnRef>
+          <a:fillRef idx="1">
+            <a:schemeClr val="accent1"/>
+          </a:fillRef>
+          <a:effectRef idx="0">
+            <a:schemeClr val="accent1"/>
+          </a:effectRef>
+          <a:fontRef idx="minor">
+            <a:schemeClr val="lt1"/>
+          </a:fontRef>
+        </p:style>
+        <p:txBody>
+          <a:bodyPr rtlCol="0" anchor="ctr"/>
+          <a:lstStyle/>
+          <a:p>
+            <a:pPr algn="ctr"/>
+            <a:r>
+              <a:rPr lang="en-GB" dirty="0">
+                <a:solidFill>
+                  <a:schemeClr val="tx1"/>
+                </a:solidFill>
+              </a:rPr>
+              <a:t>Login Page</a:t>
+            </a:r>
+            <a:endParaRPr lang="en-DE" dirty="0">
+              <a:solidFill>
+                <a:schemeClr val="tx1"/>
+              </a:solidFill>
+            </a:endParaRPr>
+          </a:p>
+        </p:txBody>
+      </p:sp>
+      <p:sp>
+        <p:nvSpPr>
+          <p:cNvPr id="5" name="Rectangle 4">
+            <a:extLst>
+              <a:ext uri="{FF2B5EF4-FFF2-40B4-BE49-F238E27FC236}">
+                <a16:creationId xmlns:a16="http://schemas.microsoft.com/office/drawing/2014/main" id="{71F578EA-16E1-7C85-60C5-ABC91DDD1DB1}"/>
+              </a:ext>
+            </a:extLst>
+          </p:cNvPr>
+          <p:cNvSpPr/>
+          <p:nvPr/>
+        </p:nvSpPr>
+        <p:spPr>
+          <a:xfrm>
+            <a:off x="2944761" y="845574"/>
+            <a:ext cx="6263148" cy="845574"/>
+          </a:xfrm>
+          <a:prstGeom prst="rect">
+            <a:avLst/>
+          </a:prstGeom>
+          <a:noFill/>
+        </p:spPr>
+        <p:style>
+          <a:lnRef idx="2">
+            <a:schemeClr val="accent1">
+              <a:shade val="15000"/>
+            </a:schemeClr>
+          </a:lnRef>
+          <a:fillRef idx="1">
+            <a:schemeClr val="accent1"/>
+          </a:fillRef>
+          <a:effectRef idx="0">
+            <a:schemeClr val="accent1"/>
+          </a:effectRef>
+          <a:fontRef idx="minor">
+            <a:schemeClr val="lt1"/>
+          </a:fontRef>
+        </p:style>
+        <p:txBody>
+          <a:bodyPr rtlCol="0" anchor="ctr"/>
+          <a:lstStyle/>
+          <a:p>
+            <a:pPr algn="ctr"/>
+            <a:r>
+              <a:rPr lang="en-GB" dirty="0">
+                <a:solidFill>
+                  <a:schemeClr val="tx1"/>
+                </a:solidFill>
+              </a:rPr>
+              <a:t>Welcome to Access Platform for Providers (APP)</a:t>
+            </a:r>
+            <a:endParaRPr lang="en-DE" dirty="0">
+              <a:solidFill>
+                <a:schemeClr val="tx1"/>
+              </a:solidFill>
+            </a:endParaRPr>
+          </a:p>
+        </p:txBody>
+      </p:sp>
+      <p:sp>
+        <p:nvSpPr>
+          <p:cNvPr id="6" name="Rectangle 5">
+            <a:extLst>
+              <a:ext uri="{FF2B5EF4-FFF2-40B4-BE49-F238E27FC236}">
+                <a16:creationId xmlns:a16="http://schemas.microsoft.com/office/drawing/2014/main" id="{CFF12197-8EAE-13FE-E097-0F943C60145E}"/>
+              </a:ext>
+            </a:extLst>
+          </p:cNvPr>
+          <p:cNvSpPr/>
+          <p:nvPr/>
+        </p:nvSpPr>
+        <p:spPr>
+          <a:xfrm>
+            <a:off x="2939845" y="1986116"/>
+            <a:ext cx="2172929" cy="717755"/>
+          </a:xfrm>
+          <a:prstGeom prst="rect">
+            <a:avLst/>
+          </a:prstGeom>
+          <a:noFill/>
+          <a:ln>
+            <a:noFill/>
+          </a:ln>
+        </p:spPr>
+        <p:style>
+          <a:lnRef idx="2">
+            <a:schemeClr val="accent1">
+              <a:shade val="15000"/>
+            </a:schemeClr>
+          </a:lnRef>
+          <a:fillRef idx="1">
+            <a:schemeClr val="accent1"/>
+          </a:fillRef>
+          <a:effectRef idx="0">
+            <a:schemeClr val="accent1"/>
+          </a:effectRef>
+          <a:fontRef idx="minor">
+            <a:schemeClr val="lt1"/>
+          </a:fontRef>
+        </p:style>
+        <p:txBody>
+          <a:bodyPr rtlCol="0" anchor="ctr"/>
+          <a:lstStyle/>
+          <a:p>
+            <a:pPr algn="ctr"/>
+            <a:r>
+              <a:rPr lang="en-GB" dirty="0" err="1">
+                <a:solidFill>
+                  <a:schemeClr val="tx1"/>
+                </a:solidFill>
+              </a:rPr>
+              <a:t>UserID</a:t>
+            </a:r>
+            <a:endParaRPr lang="en-DE" dirty="0">
+              <a:solidFill>
+                <a:schemeClr val="tx1"/>
+              </a:solidFill>
+            </a:endParaRPr>
+          </a:p>
+        </p:txBody>
+      </p:sp>
+      <p:sp>
+        <p:nvSpPr>
+          <p:cNvPr id="7" name="Rectangle 6">
+            <a:extLst>
+              <a:ext uri="{FF2B5EF4-FFF2-40B4-BE49-F238E27FC236}">
+                <a16:creationId xmlns:a16="http://schemas.microsoft.com/office/drawing/2014/main" id="{334A7650-7B46-313D-ED88-4E52C630DD09}"/>
+              </a:ext>
+            </a:extLst>
+          </p:cNvPr>
+          <p:cNvSpPr/>
+          <p:nvPr/>
+        </p:nvSpPr>
+        <p:spPr>
+          <a:xfrm>
+            <a:off x="2939845" y="2821859"/>
+            <a:ext cx="2172929" cy="526025"/>
+          </a:xfrm>
+          <a:prstGeom prst="rect">
+            <a:avLst/>
+          </a:prstGeom>
+          <a:noFill/>
+          <a:ln>
+            <a:noFill/>
+          </a:ln>
+        </p:spPr>
+        <p:style>
+          <a:lnRef idx="2">
+            <a:schemeClr val="accent1">
+              <a:shade val="15000"/>
+            </a:schemeClr>
+          </a:lnRef>
+          <a:fillRef idx="1">
+            <a:schemeClr val="accent1"/>
+          </a:fillRef>
+          <a:effectRef idx="0">
+            <a:schemeClr val="accent1"/>
+          </a:effectRef>
+          <a:fontRef idx="minor">
+            <a:schemeClr val="lt1"/>
+          </a:fontRef>
+        </p:style>
+        <p:txBody>
+          <a:bodyPr rtlCol="0" anchor="ctr"/>
+          <a:lstStyle/>
+          <a:p>
+            <a:pPr algn="ctr"/>
+            <a:r>
+              <a:rPr lang="en-GB" dirty="0">
+                <a:solidFill>
+                  <a:schemeClr val="tx1"/>
+                </a:solidFill>
+              </a:rPr>
+              <a:t>Password</a:t>
+            </a:r>
+            <a:endParaRPr lang="en-DE" dirty="0">
+              <a:solidFill>
+                <a:schemeClr val="tx1"/>
+              </a:solidFill>
+            </a:endParaRPr>
+          </a:p>
+        </p:txBody>
+      </p:sp>
+      <p:sp>
+        <p:nvSpPr>
+          <p:cNvPr id="8" name="Rectangle 7">
+            <a:extLst>
+              <a:ext uri="{FF2B5EF4-FFF2-40B4-BE49-F238E27FC236}">
+                <a16:creationId xmlns:a16="http://schemas.microsoft.com/office/drawing/2014/main" id="{6B0DAD85-B80E-5447-28B5-76293CC81B3B}"/>
+              </a:ext>
+            </a:extLst>
+          </p:cNvPr>
+          <p:cNvSpPr/>
+          <p:nvPr/>
+        </p:nvSpPr>
+        <p:spPr>
+          <a:xfrm>
+            <a:off x="5299588" y="1986117"/>
+            <a:ext cx="3903407" cy="422788"/>
+          </a:xfrm>
+          <a:prstGeom prst="rect">
+            <a:avLst/>
+          </a:prstGeom>
+          <a:noFill/>
+        </p:spPr>
+        <p:style>
+          <a:lnRef idx="2">
+            <a:schemeClr val="accent1">
+              <a:shade val="15000"/>
+            </a:schemeClr>
+          </a:lnRef>
+          <a:fillRef idx="1">
+            <a:schemeClr val="accent1"/>
+          </a:fillRef>
+          <a:effectRef idx="0">
+            <a:schemeClr val="accent1"/>
+          </a:effectRef>
+          <a:fontRef idx="minor">
+            <a:schemeClr val="lt1"/>
+          </a:fontRef>
+        </p:style>
+        <p:txBody>
+          <a:bodyPr rtlCol="0" anchor="ctr"/>
+          <a:lstStyle/>
+          <a:p>
+            <a:pPr algn="ctr"/>
+            <a:endParaRPr lang="en-DE"/>
+          </a:p>
+        </p:txBody>
+      </p:sp>
+      <p:sp>
+        <p:nvSpPr>
+          <p:cNvPr id="11" name="Rectangle 10">
+            <a:extLst>
+              <a:ext uri="{FF2B5EF4-FFF2-40B4-BE49-F238E27FC236}">
+                <a16:creationId xmlns:a16="http://schemas.microsoft.com/office/drawing/2014/main" id="{F5C39C69-33D3-5CF2-2A87-9480973AB72C}"/>
+              </a:ext>
+            </a:extLst>
+          </p:cNvPr>
+          <p:cNvSpPr/>
+          <p:nvPr/>
+        </p:nvSpPr>
+        <p:spPr>
+          <a:xfrm>
+            <a:off x="5299588" y="2807108"/>
+            <a:ext cx="3903407" cy="422788"/>
+          </a:xfrm>
+          <a:prstGeom prst="rect">
+            <a:avLst/>
+          </a:prstGeom>
+          <a:noFill/>
+        </p:spPr>
+        <p:style>
+          <a:lnRef idx="2">
+            <a:schemeClr val="accent1">
+              <a:shade val="15000"/>
+            </a:schemeClr>
+          </a:lnRef>
+          <a:fillRef idx="1">
+            <a:schemeClr val="accent1"/>
+          </a:fillRef>
+          <a:effectRef idx="0">
+            <a:schemeClr val="accent1"/>
+          </a:effectRef>
+          <a:fontRef idx="minor">
+            <a:schemeClr val="lt1"/>
+          </a:fontRef>
+        </p:style>
+        <p:txBody>
+          <a:bodyPr rtlCol="0" anchor="ctr"/>
+          <a:lstStyle/>
+          <a:p>
+            <a:pPr algn="ctr"/>
+            <a:endParaRPr lang="en-DE"/>
+          </a:p>
+        </p:txBody>
+      </p:sp>
+      <p:sp>
+        <p:nvSpPr>
+          <p:cNvPr id="12" name="Rectangle 11">
+            <a:extLst>
+              <a:ext uri="{FF2B5EF4-FFF2-40B4-BE49-F238E27FC236}">
+                <a16:creationId xmlns:a16="http://schemas.microsoft.com/office/drawing/2014/main" id="{11955DEE-D223-CFC8-F2A0-64F717936340}"/>
+              </a:ext>
+            </a:extLst>
+          </p:cNvPr>
+          <p:cNvSpPr/>
+          <p:nvPr/>
+        </p:nvSpPr>
+        <p:spPr>
+          <a:xfrm>
+            <a:off x="2939844" y="4640831"/>
+            <a:ext cx="1976285" cy="526025"/>
+          </a:xfrm>
+          <a:prstGeom prst="rect">
+            <a:avLst/>
+          </a:prstGeom>
+          <a:solidFill>
+            <a:srgbClr val="00B0F0"/>
+          </a:solidFill>
+          <a:ln>
+            <a:solidFill>
+              <a:schemeClr val="tx1"/>
+            </a:solidFill>
+          </a:ln>
+        </p:spPr>
+        <p:style>
+          <a:lnRef idx="2">
+            <a:schemeClr val="accent1">
+              <a:shade val="15000"/>
+            </a:schemeClr>
+          </a:lnRef>
+          <a:fillRef idx="1">
+            <a:schemeClr val="accent1"/>
+          </a:fillRef>
+          <a:effectRef idx="0">
+            <a:schemeClr val="accent1"/>
+          </a:effectRef>
+          <a:fontRef idx="minor">
+            <a:schemeClr val="lt1"/>
+          </a:fontRef>
+        </p:style>
+        <p:txBody>
+          <a:bodyPr rtlCol="0" anchor="ctr"/>
+          <a:lstStyle/>
+          <a:p>
+            <a:pPr algn="ctr"/>
+            <a:r>
+              <a:rPr lang="en-GB" dirty="0">
+                <a:solidFill>
+                  <a:schemeClr val="tx1"/>
+                </a:solidFill>
+              </a:rPr>
+              <a:t>Login as an Admin</a:t>
+            </a:r>
+            <a:endParaRPr lang="en-DE" dirty="0">
+              <a:solidFill>
+                <a:schemeClr val="tx1"/>
+              </a:solidFill>
+            </a:endParaRPr>
+          </a:p>
+        </p:txBody>
+      </p:sp>
+      <p:sp>
+        <p:nvSpPr>
+          <p:cNvPr id="13" name="Rectangle 12">
+            <a:extLst>
+              <a:ext uri="{FF2B5EF4-FFF2-40B4-BE49-F238E27FC236}">
+                <a16:creationId xmlns:a16="http://schemas.microsoft.com/office/drawing/2014/main" id="{9F5CC202-48C9-38A6-0078-A0F21AE3F5EB}"/>
+              </a:ext>
+            </a:extLst>
+          </p:cNvPr>
+          <p:cNvSpPr/>
+          <p:nvPr/>
+        </p:nvSpPr>
+        <p:spPr>
+          <a:xfrm>
+            <a:off x="7447934" y="4640830"/>
+            <a:ext cx="1755061" cy="526026"/>
+          </a:xfrm>
+          <a:prstGeom prst="rect">
+            <a:avLst/>
+          </a:prstGeom>
+          <a:solidFill>
+            <a:srgbClr val="00B0F0"/>
+          </a:solidFill>
+          <a:ln>
+            <a:solidFill>
+              <a:schemeClr val="tx1"/>
+            </a:solidFill>
+          </a:ln>
+        </p:spPr>
+        <p:style>
+          <a:lnRef idx="2">
+            <a:schemeClr val="accent1">
+              <a:shade val="15000"/>
+            </a:schemeClr>
+          </a:lnRef>
+          <a:fillRef idx="1">
+            <a:schemeClr val="accent1"/>
+          </a:fillRef>
+          <a:effectRef idx="0">
+            <a:schemeClr val="accent1"/>
+          </a:effectRef>
+          <a:fontRef idx="minor">
+            <a:schemeClr val="lt1"/>
+          </a:fontRef>
+        </p:style>
+        <p:txBody>
+          <a:bodyPr rtlCol="0" anchor="ctr"/>
+          <a:lstStyle/>
+          <a:p>
+            <a:pPr algn="ctr"/>
+            <a:r>
+              <a:rPr lang="en-GB" dirty="0">
+                <a:solidFill>
+                  <a:schemeClr val="tx1"/>
+                </a:solidFill>
+              </a:rPr>
+              <a:t>Login as a User</a:t>
+            </a:r>
+            <a:endParaRPr lang="en-DE" dirty="0">
+              <a:solidFill>
+                <a:schemeClr val="tx1"/>
+              </a:solidFill>
+            </a:endParaRPr>
+          </a:p>
+        </p:txBody>
+      </p:sp>
+      <p:sp>
+        <p:nvSpPr>
+          <p:cNvPr id="15" name="Rectangle 14">
+            <a:extLst>
+              <a:ext uri="{FF2B5EF4-FFF2-40B4-BE49-F238E27FC236}">
+                <a16:creationId xmlns:a16="http://schemas.microsoft.com/office/drawing/2014/main" id="{809950F0-FC58-345B-11E9-31B1487A4C05}"/>
+              </a:ext>
+            </a:extLst>
+          </p:cNvPr>
+          <p:cNvSpPr/>
+          <p:nvPr/>
+        </p:nvSpPr>
+        <p:spPr>
+          <a:xfrm>
+            <a:off x="2546555" y="5771535"/>
+            <a:ext cx="4001729" cy="314633"/>
+          </a:xfrm>
+          <a:prstGeom prst="rect">
+            <a:avLst/>
+          </a:prstGeom>
+          <a:noFill/>
+          <a:ln>
+            <a:noFill/>
+          </a:ln>
+        </p:spPr>
+        <p:style>
+          <a:lnRef idx="2">
+            <a:schemeClr val="accent1">
+              <a:shade val="15000"/>
+            </a:schemeClr>
+          </a:lnRef>
+          <a:fillRef idx="1">
+            <a:schemeClr val="accent1"/>
+          </a:fillRef>
+          <a:effectRef idx="0">
+            <a:schemeClr val="accent1"/>
+          </a:effectRef>
+          <a:fontRef idx="minor">
+            <a:schemeClr val="lt1"/>
+          </a:fontRef>
+        </p:style>
+        <p:txBody>
+          <a:bodyPr rtlCol="0" anchor="ctr"/>
+          <a:lstStyle/>
+          <a:p>
+            <a:pPr algn="ctr"/>
+            <a:r>
+              <a:rPr lang="en-GB" dirty="0">
+                <a:solidFill>
+                  <a:schemeClr val="tx1"/>
+                </a:solidFill>
+              </a:rPr>
+              <a:t>Don’t have an account?</a:t>
+            </a:r>
+            <a:endParaRPr lang="en-DE" dirty="0">
+              <a:solidFill>
+                <a:schemeClr val="tx1"/>
+              </a:solidFill>
+            </a:endParaRPr>
+          </a:p>
+        </p:txBody>
+      </p:sp>
+      <p:sp>
+        <p:nvSpPr>
+          <p:cNvPr id="16" name="Rectangle 15">
+            <a:extLst>
+              <a:ext uri="{FF2B5EF4-FFF2-40B4-BE49-F238E27FC236}">
+                <a16:creationId xmlns:a16="http://schemas.microsoft.com/office/drawing/2014/main" id="{7F1A4BCE-C4DD-9AA3-E51E-078ADDF0ED49}"/>
+              </a:ext>
+            </a:extLst>
+          </p:cNvPr>
+          <p:cNvSpPr/>
+          <p:nvPr/>
+        </p:nvSpPr>
+        <p:spPr>
+          <a:xfrm>
+            <a:off x="6076335" y="5609307"/>
+            <a:ext cx="1543668" cy="476858"/>
+          </a:xfrm>
+          <a:prstGeom prst="rect">
+            <a:avLst/>
+          </a:prstGeom>
+          <a:solidFill>
+            <a:srgbClr val="FFC000"/>
+          </a:solidFill>
+          <a:ln>
+            <a:solidFill>
+              <a:schemeClr val="tx1"/>
+            </a:solidFill>
+          </a:ln>
+        </p:spPr>
+        <p:style>
+          <a:lnRef idx="2">
+            <a:schemeClr val="accent1">
+              <a:shade val="15000"/>
+            </a:schemeClr>
+          </a:lnRef>
+          <a:fillRef idx="1">
+            <a:schemeClr val="accent1"/>
+          </a:fillRef>
+          <a:effectRef idx="0">
+            <a:schemeClr val="accent1"/>
+          </a:effectRef>
+          <a:fontRef idx="minor">
+            <a:schemeClr val="lt1"/>
+          </a:fontRef>
+        </p:style>
+        <p:txBody>
+          <a:bodyPr rtlCol="0" anchor="ctr"/>
+          <a:lstStyle/>
+          <a:p>
+            <a:pPr algn="ctr"/>
+            <a:r>
+              <a:rPr lang="en-GB" dirty="0">
+                <a:solidFill>
+                  <a:schemeClr val="tx1"/>
+                </a:solidFill>
+              </a:rPr>
+              <a:t>Register</a:t>
+            </a:r>
+            <a:endParaRPr lang="en-DE" dirty="0">
+              <a:solidFill>
+                <a:schemeClr val="tx1"/>
+              </a:solidFill>
+            </a:endParaRPr>
+          </a:p>
+        </p:txBody>
+      </p:sp>
+      <p:sp>
+        <p:nvSpPr>
+          <p:cNvPr id="17" name="Rectangle 16">
+            <a:extLst>
+              <a:ext uri="{FF2B5EF4-FFF2-40B4-BE49-F238E27FC236}">
+                <a16:creationId xmlns:a16="http://schemas.microsoft.com/office/drawing/2014/main" id="{201874D5-576E-9301-1A62-09E4C6886C78}"/>
+              </a:ext>
+            </a:extLst>
+          </p:cNvPr>
+          <p:cNvSpPr/>
+          <p:nvPr/>
+        </p:nvSpPr>
+        <p:spPr>
+          <a:xfrm>
+            <a:off x="2939844" y="3760839"/>
+            <a:ext cx="2261421" cy="412955"/>
+          </a:xfrm>
+          <a:prstGeom prst="rect">
+            <a:avLst/>
+          </a:prstGeom>
+          <a:noFill/>
+        </p:spPr>
+        <p:style>
+          <a:lnRef idx="2">
+            <a:schemeClr val="accent1">
+              <a:shade val="15000"/>
+            </a:schemeClr>
+          </a:lnRef>
+          <a:fillRef idx="1">
+            <a:schemeClr val="accent1"/>
+          </a:fillRef>
+          <a:effectRef idx="0">
+            <a:schemeClr val="accent1"/>
+          </a:effectRef>
+          <a:fontRef idx="minor">
+            <a:schemeClr val="lt1"/>
+          </a:fontRef>
+        </p:style>
+        <p:txBody>
+          <a:bodyPr rtlCol="0" anchor="ctr"/>
+          <a:lstStyle/>
+          <a:p>
+            <a:pPr algn="ctr"/>
+            <a:r>
+              <a:rPr lang="en-GB" dirty="0">
+                <a:solidFill>
+                  <a:schemeClr val="tx1"/>
+                </a:solidFill>
+              </a:rPr>
+              <a:t>Choose Your Provider</a:t>
+            </a:r>
+            <a:endParaRPr lang="en-DE" dirty="0">
+              <a:solidFill>
+                <a:schemeClr val="tx1"/>
+              </a:solidFill>
+            </a:endParaRPr>
+          </a:p>
+        </p:txBody>
+      </p:sp>
+      <p:sp>
+        <p:nvSpPr>
+          <p:cNvPr id="18" name="Rectangle 17">
+            <a:extLst>
+              <a:ext uri="{FF2B5EF4-FFF2-40B4-BE49-F238E27FC236}">
+                <a16:creationId xmlns:a16="http://schemas.microsoft.com/office/drawing/2014/main" id="{1B558F89-C260-579E-D2CD-379561C9C564}"/>
+              </a:ext>
+            </a:extLst>
+          </p:cNvPr>
+          <p:cNvSpPr/>
+          <p:nvPr/>
+        </p:nvSpPr>
+        <p:spPr>
+          <a:xfrm>
+            <a:off x="5560142" y="3760836"/>
+            <a:ext cx="1184786" cy="412956"/>
+          </a:xfrm>
+          <a:prstGeom prst="rect">
+            <a:avLst/>
+          </a:prstGeom>
+          <a:solidFill>
+            <a:schemeClr val="accent2">
+              <a:lumMod val="40000"/>
+              <a:lumOff val="60000"/>
+            </a:schemeClr>
+          </a:solidFill>
+          <a:ln>
+            <a:solidFill>
+              <a:schemeClr val="tx1"/>
+            </a:solidFill>
+          </a:ln>
+        </p:spPr>
+        <p:style>
+          <a:lnRef idx="2">
+            <a:schemeClr val="accent1">
+              <a:shade val="15000"/>
+            </a:schemeClr>
+          </a:lnRef>
+          <a:fillRef idx="1">
+            <a:schemeClr val="accent1"/>
+          </a:fillRef>
+          <a:effectRef idx="0">
+            <a:schemeClr val="accent1"/>
+          </a:effectRef>
+          <a:fontRef idx="minor">
+            <a:schemeClr val="lt1"/>
+          </a:fontRef>
+        </p:style>
+        <p:txBody>
+          <a:bodyPr rtlCol="0" anchor="ctr"/>
+          <a:lstStyle/>
+          <a:p>
+            <a:pPr algn="ctr"/>
+            <a:r>
+              <a:rPr lang="en-GB" dirty="0">
+                <a:solidFill>
+                  <a:schemeClr val="tx1"/>
+                </a:solidFill>
+              </a:rPr>
+              <a:t>Provider A</a:t>
+            </a:r>
+            <a:endParaRPr lang="en-DE" dirty="0">
+              <a:solidFill>
+                <a:schemeClr val="tx1"/>
+              </a:solidFill>
+            </a:endParaRPr>
+          </a:p>
+        </p:txBody>
+      </p:sp>
+      <p:sp>
+        <p:nvSpPr>
+          <p:cNvPr id="19" name="Rectangle 18">
+            <a:extLst>
+              <a:ext uri="{FF2B5EF4-FFF2-40B4-BE49-F238E27FC236}">
+                <a16:creationId xmlns:a16="http://schemas.microsoft.com/office/drawing/2014/main" id="{4FD5222C-D473-4765-07F8-D35E32B52C7C}"/>
+              </a:ext>
+            </a:extLst>
+          </p:cNvPr>
+          <p:cNvSpPr/>
+          <p:nvPr/>
+        </p:nvSpPr>
+        <p:spPr>
+          <a:xfrm>
+            <a:off x="6855541" y="3755928"/>
+            <a:ext cx="1184786" cy="412956"/>
+          </a:xfrm>
+          <a:prstGeom prst="rect">
+            <a:avLst/>
+          </a:prstGeom>
+          <a:solidFill>
+            <a:schemeClr val="accent2">
+              <a:lumMod val="40000"/>
+              <a:lumOff val="60000"/>
+            </a:schemeClr>
+          </a:solidFill>
+          <a:ln>
+            <a:solidFill>
+              <a:schemeClr val="tx1"/>
+            </a:solidFill>
+          </a:ln>
+        </p:spPr>
+        <p:style>
+          <a:lnRef idx="2">
+            <a:schemeClr val="accent1">
+              <a:shade val="15000"/>
+            </a:schemeClr>
+          </a:lnRef>
+          <a:fillRef idx="1">
+            <a:schemeClr val="accent1"/>
+          </a:fillRef>
+          <a:effectRef idx="0">
+            <a:schemeClr val="accent1"/>
+          </a:effectRef>
+          <a:fontRef idx="minor">
+            <a:schemeClr val="lt1"/>
+          </a:fontRef>
+        </p:style>
+        <p:txBody>
+          <a:bodyPr rtlCol="0" anchor="ctr"/>
+          <a:lstStyle/>
+          <a:p>
+            <a:pPr algn="ctr"/>
+            <a:r>
+              <a:rPr lang="en-GB" dirty="0">
+                <a:solidFill>
+                  <a:schemeClr val="tx1"/>
+                </a:solidFill>
+              </a:rPr>
+              <a:t>Provider B</a:t>
+            </a:r>
+            <a:endParaRPr lang="en-DE" dirty="0">
+              <a:solidFill>
+                <a:schemeClr val="tx1"/>
+              </a:solidFill>
+            </a:endParaRPr>
+          </a:p>
+        </p:txBody>
+      </p:sp>
+      <p:sp>
+        <p:nvSpPr>
+          <p:cNvPr id="20" name="Rectangle 19">
+            <a:extLst>
+              <a:ext uri="{FF2B5EF4-FFF2-40B4-BE49-F238E27FC236}">
+                <a16:creationId xmlns:a16="http://schemas.microsoft.com/office/drawing/2014/main" id="{D4610C8F-998C-21BF-86C1-FA81AF2903C2}"/>
+              </a:ext>
+            </a:extLst>
+          </p:cNvPr>
+          <p:cNvSpPr/>
+          <p:nvPr/>
+        </p:nvSpPr>
+        <p:spPr>
+          <a:xfrm>
+            <a:off x="8141105" y="3755928"/>
+            <a:ext cx="1184786" cy="412956"/>
+          </a:xfrm>
+          <a:prstGeom prst="rect">
+            <a:avLst/>
+          </a:prstGeom>
+          <a:solidFill>
+            <a:schemeClr val="accent2">
+              <a:lumMod val="40000"/>
+              <a:lumOff val="60000"/>
+            </a:schemeClr>
+          </a:solidFill>
+          <a:ln>
+            <a:solidFill>
+              <a:schemeClr val="tx1"/>
+            </a:solidFill>
+          </a:ln>
+        </p:spPr>
+        <p:style>
+          <a:lnRef idx="2">
+            <a:schemeClr val="accent1">
+              <a:shade val="15000"/>
+            </a:schemeClr>
+          </a:lnRef>
+          <a:fillRef idx="1">
+            <a:schemeClr val="accent1"/>
+          </a:fillRef>
+          <a:effectRef idx="0">
+            <a:schemeClr val="accent1"/>
+          </a:effectRef>
+          <a:fontRef idx="minor">
+            <a:schemeClr val="lt1"/>
+          </a:fontRef>
+        </p:style>
+        <p:txBody>
+          <a:bodyPr rtlCol="0" anchor="ctr"/>
+          <a:lstStyle/>
+          <a:p>
+            <a:pPr algn="ctr"/>
+            <a:r>
+              <a:rPr lang="en-GB" dirty="0">
+                <a:solidFill>
+                  <a:schemeClr val="tx1"/>
+                </a:solidFill>
+              </a:rPr>
+              <a:t>Provider C</a:t>
+            </a:r>
+            <a:endParaRPr lang="en-DE" dirty="0">
+              <a:solidFill>
+                <a:schemeClr val="tx1"/>
+              </a:solidFill>
+            </a:endParaRPr>
+          </a:p>
+        </p:txBody>
+      </p:sp>
+    </p:spTree>
+    <p:extLst>
+      <p:ext uri="{BB962C8B-B14F-4D97-AF65-F5344CB8AC3E}">
+        <p14:creationId xmlns:p14="http://schemas.microsoft.com/office/powerpoint/2010/main" val="3323979195"/>
+      </p:ext>
+    </p:extLst>
+  </p:cSld>
+  <p:clrMapOvr>
+    <a:masterClrMapping/>
+  </p:clrMapOvr>
+</p:sld>
+</file>
+
+<file path=ppt/slides/slide10.xml><?xml version="1.0" encoding="utf-8"?>
+<p:sld xmlns:a="http://schemas.openxmlformats.org/drawingml/2006/main" xmlns:r="http://schemas.openxmlformats.org/officeDocument/2006/relationships" xmlns:p="http://schemas.openxmlformats.org/presentationml/2006/main">
+  <p:cSld>
+    <p:spTree>
+      <p:nvGrpSpPr>
+        <p:cNvPr id="1" name=""/>
+        <p:cNvGrpSpPr/>
+        <p:nvPr/>
+      </p:nvGrpSpPr>
+      <p:grpSpPr>
+        <a:xfrm>
+          <a:off x="0" y="0"/>
+          <a:ext cx="0" cy="0"/>
+          <a:chOff x="0" y="0"/>
+          <a:chExt cx="0" cy="0"/>
+        </a:xfrm>
+      </p:grpSpPr>
+      <p:sp>
+        <p:nvSpPr>
           <p:cNvPr id="2" name="Title 1">
             <a:extLst>
               <a:ext uri="{FF2B5EF4-FFF2-40B4-BE49-F238E27FC236}">
@@ -3798,6 +4760,3911 @@
     <p:extLst>
       <p:ext uri="{BB962C8B-B14F-4D97-AF65-F5344CB8AC3E}">
         <p14:creationId xmlns:p14="http://schemas.microsoft.com/office/powerpoint/2010/main" val="1059492511"/>
+      </p:ext>
+    </p:extLst>
+  </p:cSld>
+  <p:clrMapOvr>
+    <a:masterClrMapping/>
+  </p:clrMapOvr>
+</p:sld>
+</file>
+
+<file path=ppt/slides/slide2.xml><?xml version="1.0" encoding="utf-8"?>
+<p:sld xmlns:a="http://schemas.openxmlformats.org/drawingml/2006/main" xmlns:r="http://schemas.openxmlformats.org/officeDocument/2006/relationships" xmlns:p="http://schemas.openxmlformats.org/presentationml/2006/main">
+  <p:cSld>
+    <p:spTree>
+      <p:nvGrpSpPr>
+        <p:cNvPr id="1" name=""/>
+        <p:cNvGrpSpPr/>
+        <p:nvPr/>
+      </p:nvGrpSpPr>
+      <p:grpSpPr>
+        <a:xfrm>
+          <a:off x="0" y="0"/>
+          <a:ext cx="0" cy="0"/>
+          <a:chOff x="0" y="0"/>
+          <a:chExt cx="0" cy="0"/>
+        </a:xfrm>
+      </p:grpSpPr>
+      <p:sp>
+        <p:nvSpPr>
+          <p:cNvPr id="3" name="Rectangle 2">
+            <a:extLst>
+              <a:ext uri="{FF2B5EF4-FFF2-40B4-BE49-F238E27FC236}">
+                <a16:creationId xmlns:a16="http://schemas.microsoft.com/office/drawing/2014/main" id="{581799DD-DB57-E566-DF79-2564636FD320}"/>
+              </a:ext>
+            </a:extLst>
+          </p:cNvPr>
+          <p:cNvSpPr/>
+          <p:nvPr/>
+        </p:nvSpPr>
+        <p:spPr>
+          <a:xfrm>
+            <a:off x="1396181" y="491613"/>
+            <a:ext cx="9360309" cy="5712542"/>
+          </a:xfrm>
+          <a:prstGeom prst="rect">
+            <a:avLst/>
+          </a:prstGeom>
+          <a:noFill/>
+          <a:ln>
+            <a:solidFill>
+              <a:schemeClr val="tx1"/>
+            </a:solidFill>
+          </a:ln>
+        </p:spPr>
+        <p:style>
+          <a:lnRef idx="2">
+            <a:schemeClr val="accent1">
+              <a:shade val="15000"/>
+            </a:schemeClr>
+          </a:lnRef>
+          <a:fillRef idx="1">
+            <a:schemeClr val="accent1"/>
+          </a:fillRef>
+          <a:effectRef idx="0">
+            <a:schemeClr val="accent1"/>
+          </a:effectRef>
+          <a:fontRef idx="minor">
+            <a:schemeClr val="lt1"/>
+          </a:fontRef>
+        </p:style>
+        <p:txBody>
+          <a:bodyPr rtlCol="0" anchor="ctr"/>
+          <a:lstStyle/>
+          <a:p>
+            <a:pPr algn="ctr"/>
+            <a:endParaRPr lang="en-DE" dirty="0">
+              <a:solidFill>
+                <a:schemeClr val="tx1"/>
+              </a:solidFill>
+            </a:endParaRPr>
+          </a:p>
+        </p:txBody>
+      </p:sp>
+      <p:sp>
+        <p:nvSpPr>
+          <p:cNvPr id="5" name="Rectangle 4">
+            <a:extLst>
+              <a:ext uri="{FF2B5EF4-FFF2-40B4-BE49-F238E27FC236}">
+                <a16:creationId xmlns:a16="http://schemas.microsoft.com/office/drawing/2014/main" id="{71F578EA-16E1-7C85-60C5-ABC91DDD1DB1}"/>
+              </a:ext>
+            </a:extLst>
+          </p:cNvPr>
+          <p:cNvSpPr/>
+          <p:nvPr/>
+        </p:nvSpPr>
+        <p:spPr>
+          <a:xfrm>
+            <a:off x="1435510" y="535862"/>
+            <a:ext cx="6263148" cy="845574"/>
+          </a:xfrm>
+          <a:prstGeom prst="rect">
+            <a:avLst/>
+          </a:prstGeom>
+          <a:noFill/>
+        </p:spPr>
+        <p:style>
+          <a:lnRef idx="2">
+            <a:schemeClr val="accent1">
+              <a:shade val="15000"/>
+            </a:schemeClr>
+          </a:lnRef>
+          <a:fillRef idx="1">
+            <a:schemeClr val="accent1"/>
+          </a:fillRef>
+          <a:effectRef idx="0">
+            <a:schemeClr val="accent1"/>
+          </a:effectRef>
+          <a:fontRef idx="minor">
+            <a:schemeClr val="lt1"/>
+          </a:fontRef>
+        </p:style>
+        <p:txBody>
+          <a:bodyPr rtlCol="0" anchor="ctr"/>
+          <a:lstStyle/>
+          <a:p>
+            <a:pPr algn="ctr"/>
+            <a:r>
+              <a:rPr lang="en-GB" dirty="0">
+                <a:solidFill>
+                  <a:schemeClr val="tx1"/>
+                </a:solidFill>
+              </a:rPr>
+              <a:t>Welcome to Access Platform for Providers (APP)</a:t>
+            </a:r>
+            <a:endParaRPr lang="en-DE" dirty="0">
+              <a:solidFill>
+                <a:schemeClr val="tx1"/>
+              </a:solidFill>
+            </a:endParaRPr>
+          </a:p>
+        </p:txBody>
+      </p:sp>
+      <p:sp>
+        <p:nvSpPr>
+          <p:cNvPr id="6" name="Rectangle 5">
+            <a:extLst>
+              <a:ext uri="{FF2B5EF4-FFF2-40B4-BE49-F238E27FC236}">
+                <a16:creationId xmlns:a16="http://schemas.microsoft.com/office/drawing/2014/main" id="{CFF12197-8EAE-13FE-E097-0F943C60145E}"/>
+              </a:ext>
+            </a:extLst>
+          </p:cNvPr>
+          <p:cNvSpPr/>
+          <p:nvPr/>
+        </p:nvSpPr>
+        <p:spPr>
+          <a:xfrm>
+            <a:off x="2939845" y="1986116"/>
+            <a:ext cx="5879690" cy="717755"/>
+          </a:xfrm>
+          <a:prstGeom prst="rect">
+            <a:avLst/>
+          </a:prstGeom>
+          <a:noFill/>
+          <a:ln>
+            <a:noFill/>
+          </a:ln>
+        </p:spPr>
+        <p:style>
+          <a:lnRef idx="2">
+            <a:schemeClr val="accent1">
+              <a:shade val="15000"/>
+            </a:schemeClr>
+          </a:lnRef>
+          <a:fillRef idx="1">
+            <a:schemeClr val="accent1"/>
+          </a:fillRef>
+          <a:effectRef idx="0">
+            <a:schemeClr val="accent1"/>
+          </a:effectRef>
+          <a:fontRef idx="minor">
+            <a:schemeClr val="lt1"/>
+          </a:fontRef>
+        </p:style>
+        <p:txBody>
+          <a:bodyPr rtlCol="0" anchor="ctr"/>
+          <a:lstStyle/>
+          <a:p>
+            <a:pPr algn="ctr"/>
+            <a:r>
+              <a:rPr lang="en-GB" dirty="0">
+                <a:solidFill>
+                  <a:schemeClr val="tx1"/>
+                </a:solidFill>
+              </a:rPr>
+              <a:t>Select Category of Profile</a:t>
+            </a:r>
+            <a:endParaRPr lang="en-DE" dirty="0">
+              <a:solidFill>
+                <a:schemeClr val="tx1"/>
+              </a:solidFill>
+            </a:endParaRPr>
+          </a:p>
+        </p:txBody>
+      </p:sp>
+      <p:sp>
+        <p:nvSpPr>
+          <p:cNvPr id="18" name="Rectangle 17">
+            <a:extLst>
+              <a:ext uri="{FF2B5EF4-FFF2-40B4-BE49-F238E27FC236}">
+                <a16:creationId xmlns:a16="http://schemas.microsoft.com/office/drawing/2014/main" id="{1B558F89-C260-579E-D2CD-379561C9C564}"/>
+              </a:ext>
+            </a:extLst>
+          </p:cNvPr>
+          <p:cNvSpPr/>
+          <p:nvPr/>
+        </p:nvSpPr>
+        <p:spPr>
+          <a:xfrm>
+            <a:off x="3967316" y="3023421"/>
+            <a:ext cx="4218038" cy="1130709"/>
+          </a:xfrm>
+          <a:prstGeom prst="rect">
+            <a:avLst/>
+          </a:prstGeom>
+          <a:solidFill>
+            <a:schemeClr val="accent2">
+              <a:lumMod val="40000"/>
+              <a:lumOff val="60000"/>
+            </a:schemeClr>
+          </a:solidFill>
+          <a:ln>
+            <a:solidFill>
+              <a:schemeClr val="tx1"/>
+            </a:solidFill>
+          </a:ln>
+        </p:spPr>
+        <p:style>
+          <a:lnRef idx="2">
+            <a:schemeClr val="accent1">
+              <a:shade val="15000"/>
+            </a:schemeClr>
+          </a:lnRef>
+          <a:fillRef idx="1">
+            <a:schemeClr val="accent1"/>
+          </a:fillRef>
+          <a:effectRef idx="0">
+            <a:schemeClr val="accent1"/>
+          </a:effectRef>
+          <a:fontRef idx="minor">
+            <a:schemeClr val="lt1"/>
+          </a:fontRef>
+        </p:style>
+        <p:txBody>
+          <a:bodyPr rtlCol="0" anchor="ctr"/>
+          <a:lstStyle/>
+          <a:p>
+            <a:pPr algn="ctr"/>
+            <a:r>
+              <a:rPr lang="en-GB" dirty="0">
+                <a:solidFill>
+                  <a:schemeClr val="tx1"/>
+                </a:solidFill>
+              </a:rPr>
+              <a:t>Employee Profile</a:t>
+            </a:r>
+            <a:endParaRPr lang="en-DE" dirty="0">
+              <a:solidFill>
+                <a:schemeClr val="tx1"/>
+              </a:solidFill>
+            </a:endParaRPr>
+          </a:p>
+        </p:txBody>
+      </p:sp>
+      <p:sp>
+        <p:nvSpPr>
+          <p:cNvPr id="2" name="Oval 1">
+            <a:extLst>
+              <a:ext uri="{FF2B5EF4-FFF2-40B4-BE49-F238E27FC236}">
+                <a16:creationId xmlns:a16="http://schemas.microsoft.com/office/drawing/2014/main" id="{F9340B88-C887-8428-3433-24CAB9ADF8D9}"/>
+              </a:ext>
+            </a:extLst>
+          </p:cNvPr>
+          <p:cNvSpPr/>
+          <p:nvPr/>
+        </p:nvSpPr>
+        <p:spPr>
+          <a:xfrm>
+            <a:off x="9969910" y="575182"/>
+            <a:ext cx="698090" cy="693179"/>
+          </a:xfrm>
+          <a:prstGeom prst="ellipse">
+            <a:avLst/>
+          </a:prstGeom>
+          <a:noFill/>
+          <a:ln>
+            <a:solidFill>
+              <a:schemeClr val="tx1"/>
+            </a:solidFill>
+          </a:ln>
+        </p:spPr>
+        <p:style>
+          <a:lnRef idx="2">
+            <a:schemeClr val="accent1">
+              <a:shade val="15000"/>
+            </a:schemeClr>
+          </a:lnRef>
+          <a:fillRef idx="1">
+            <a:schemeClr val="accent1"/>
+          </a:fillRef>
+          <a:effectRef idx="0">
+            <a:schemeClr val="accent1"/>
+          </a:effectRef>
+          <a:fontRef idx="minor">
+            <a:schemeClr val="lt1"/>
+          </a:fontRef>
+        </p:style>
+        <p:txBody>
+          <a:bodyPr rtlCol="0" anchor="ctr"/>
+          <a:lstStyle/>
+          <a:p>
+            <a:pPr algn="ctr"/>
+            <a:r>
+              <a:rPr lang="en-GB" dirty="0">
+                <a:solidFill>
+                  <a:schemeClr val="tx1"/>
+                </a:solidFill>
+              </a:rPr>
+              <a:t>A2</a:t>
+            </a:r>
+            <a:endParaRPr lang="en-DE" dirty="0">
+              <a:solidFill>
+                <a:schemeClr val="tx1"/>
+              </a:solidFill>
+            </a:endParaRPr>
+          </a:p>
+        </p:txBody>
+      </p:sp>
+      <p:sp>
+        <p:nvSpPr>
+          <p:cNvPr id="9" name="Rectangle 8">
+            <a:extLst>
+              <a:ext uri="{FF2B5EF4-FFF2-40B4-BE49-F238E27FC236}">
+                <a16:creationId xmlns:a16="http://schemas.microsoft.com/office/drawing/2014/main" id="{721773A4-995D-1449-6CB9-0BF94696DF80}"/>
+              </a:ext>
+            </a:extLst>
+          </p:cNvPr>
+          <p:cNvSpPr/>
+          <p:nvPr/>
+        </p:nvSpPr>
+        <p:spPr>
+          <a:xfrm>
+            <a:off x="3986981" y="4613788"/>
+            <a:ext cx="4218038" cy="1130709"/>
+          </a:xfrm>
+          <a:prstGeom prst="rect">
+            <a:avLst/>
+          </a:prstGeom>
+          <a:solidFill>
+            <a:schemeClr val="accent2">
+              <a:lumMod val="40000"/>
+              <a:lumOff val="60000"/>
+            </a:schemeClr>
+          </a:solidFill>
+          <a:ln>
+            <a:solidFill>
+              <a:schemeClr val="tx1"/>
+            </a:solidFill>
+          </a:ln>
+        </p:spPr>
+        <p:style>
+          <a:lnRef idx="2">
+            <a:schemeClr val="accent1">
+              <a:shade val="15000"/>
+            </a:schemeClr>
+          </a:lnRef>
+          <a:fillRef idx="1">
+            <a:schemeClr val="accent1"/>
+          </a:fillRef>
+          <a:effectRef idx="0">
+            <a:schemeClr val="accent1"/>
+          </a:effectRef>
+          <a:fontRef idx="minor">
+            <a:schemeClr val="lt1"/>
+          </a:fontRef>
+        </p:style>
+        <p:txBody>
+          <a:bodyPr rtlCol="0" anchor="ctr"/>
+          <a:lstStyle/>
+          <a:p>
+            <a:pPr algn="ctr"/>
+            <a:r>
+              <a:rPr lang="en-GB" dirty="0">
+                <a:solidFill>
+                  <a:schemeClr val="tx1"/>
+                </a:solidFill>
+              </a:rPr>
+              <a:t>Material Profile</a:t>
+            </a:r>
+            <a:endParaRPr lang="en-DE" dirty="0">
+              <a:solidFill>
+                <a:schemeClr val="tx1"/>
+              </a:solidFill>
+            </a:endParaRPr>
+          </a:p>
+        </p:txBody>
+      </p:sp>
+      <p:sp>
+        <p:nvSpPr>
+          <p:cNvPr id="10" name="Rectangle: Rounded Corners 9">
+            <a:extLst>
+              <a:ext uri="{FF2B5EF4-FFF2-40B4-BE49-F238E27FC236}">
+                <a16:creationId xmlns:a16="http://schemas.microsoft.com/office/drawing/2014/main" id="{490D5FEA-81B2-2575-2E13-7286B01ABBD7}"/>
+              </a:ext>
+            </a:extLst>
+          </p:cNvPr>
+          <p:cNvSpPr/>
+          <p:nvPr/>
+        </p:nvSpPr>
+        <p:spPr>
+          <a:xfrm>
+            <a:off x="9144000" y="5673213"/>
+            <a:ext cx="1524000" cy="452284"/>
+          </a:xfrm>
+          <a:prstGeom prst="roundRect">
+            <a:avLst/>
+          </a:prstGeom>
+          <a:solidFill>
+            <a:schemeClr val="tx2">
+              <a:lumMod val="20000"/>
+              <a:lumOff val="80000"/>
+            </a:schemeClr>
+          </a:solidFill>
+        </p:spPr>
+        <p:style>
+          <a:lnRef idx="2">
+            <a:schemeClr val="accent1">
+              <a:shade val="15000"/>
+            </a:schemeClr>
+          </a:lnRef>
+          <a:fillRef idx="1">
+            <a:schemeClr val="accent1"/>
+          </a:fillRef>
+          <a:effectRef idx="0">
+            <a:schemeClr val="accent1"/>
+          </a:effectRef>
+          <a:fontRef idx="minor">
+            <a:schemeClr val="lt1"/>
+          </a:fontRef>
+        </p:style>
+        <p:txBody>
+          <a:bodyPr rtlCol="0" anchor="ctr"/>
+          <a:lstStyle/>
+          <a:p>
+            <a:pPr algn="ctr"/>
+            <a:r>
+              <a:rPr lang="en-GB" dirty="0">
+                <a:solidFill>
+                  <a:schemeClr val="tx1"/>
+                </a:solidFill>
+                <a:highlight>
+                  <a:srgbClr val="00FF00"/>
+                </a:highlight>
+              </a:rPr>
+              <a:t>Future-X</a:t>
+            </a:r>
+            <a:endParaRPr lang="en-DE" dirty="0">
+              <a:solidFill>
+                <a:schemeClr val="tx1"/>
+              </a:solidFill>
+              <a:highlight>
+                <a:srgbClr val="00FF00"/>
+              </a:highlight>
+            </a:endParaRPr>
+          </a:p>
+        </p:txBody>
+      </p:sp>
+    </p:spTree>
+    <p:extLst>
+      <p:ext uri="{BB962C8B-B14F-4D97-AF65-F5344CB8AC3E}">
+        <p14:creationId xmlns:p14="http://schemas.microsoft.com/office/powerpoint/2010/main" val="326969845"/>
+      </p:ext>
+    </p:extLst>
+  </p:cSld>
+  <p:clrMapOvr>
+    <a:masterClrMapping/>
+  </p:clrMapOvr>
+</p:sld>
+</file>
+
+<file path=ppt/slides/slide3.xml><?xml version="1.0" encoding="utf-8"?>
+<p:sld xmlns:a="http://schemas.openxmlformats.org/drawingml/2006/main" xmlns:r="http://schemas.openxmlformats.org/officeDocument/2006/relationships" xmlns:p="http://schemas.openxmlformats.org/presentationml/2006/main">
+  <p:cSld>
+    <p:spTree>
+      <p:nvGrpSpPr>
+        <p:cNvPr id="1" name=""/>
+        <p:cNvGrpSpPr/>
+        <p:nvPr/>
+      </p:nvGrpSpPr>
+      <p:grpSpPr>
+        <a:xfrm>
+          <a:off x="0" y="0"/>
+          <a:ext cx="0" cy="0"/>
+          <a:chOff x="0" y="0"/>
+          <a:chExt cx="0" cy="0"/>
+        </a:xfrm>
+      </p:grpSpPr>
+      <p:sp>
+        <p:nvSpPr>
+          <p:cNvPr id="3" name="Rectangle 2">
+            <a:extLst>
+              <a:ext uri="{FF2B5EF4-FFF2-40B4-BE49-F238E27FC236}">
+                <a16:creationId xmlns:a16="http://schemas.microsoft.com/office/drawing/2014/main" id="{581799DD-DB57-E566-DF79-2564636FD320}"/>
+              </a:ext>
+            </a:extLst>
+          </p:cNvPr>
+          <p:cNvSpPr/>
+          <p:nvPr/>
+        </p:nvSpPr>
+        <p:spPr>
+          <a:xfrm>
+            <a:off x="1396181" y="491613"/>
+            <a:ext cx="9360309" cy="5712542"/>
+          </a:xfrm>
+          <a:prstGeom prst="rect">
+            <a:avLst/>
+          </a:prstGeom>
+          <a:noFill/>
+          <a:ln>
+            <a:solidFill>
+              <a:schemeClr val="tx1"/>
+            </a:solidFill>
+          </a:ln>
+        </p:spPr>
+        <p:style>
+          <a:lnRef idx="2">
+            <a:schemeClr val="accent1">
+              <a:shade val="15000"/>
+            </a:schemeClr>
+          </a:lnRef>
+          <a:fillRef idx="1">
+            <a:schemeClr val="accent1"/>
+          </a:fillRef>
+          <a:effectRef idx="0">
+            <a:schemeClr val="accent1"/>
+          </a:effectRef>
+          <a:fontRef idx="minor">
+            <a:schemeClr val="lt1"/>
+          </a:fontRef>
+        </p:style>
+        <p:txBody>
+          <a:bodyPr rtlCol="0" anchor="ctr"/>
+          <a:lstStyle/>
+          <a:p>
+            <a:pPr algn="ctr"/>
+            <a:endParaRPr lang="en-DE" dirty="0">
+              <a:solidFill>
+                <a:schemeClr val="tx1"/>
+              </a:solidFill>
+            </a:endParaRPr>
+          </a:p>
+        </p:txBody>
+      </p:sp>
+      <p:sp>
+        <p:nvSpPr>
+          <p:cNvPr id="5" name="Rectangle 4">
+            <a:extLst>
+              <a:ext uri="{FF2B5EF4-FFF2-40B4-BE49-F238E27FC236}">
+                <a16:creationId xmlns:a16="http://schemas.microsoft.com/office/drawing/2014/main" id="{71F578EA-16E1-7C85-60C5-ABC91DDD1DB1}"/>
+              </a:ext>
+            </a:extLst>
+          </p:cNvPr>
+          <p:cNvSpPr/>
+          <p:nvPr/>
+        </p:nvSpPr>
+        <p:spPr>
+          <a:xfrm>
+            <a:off x="1435510" y="535862"/>
+            <a:ext cx="6263148" cy="845574"/>
+          </a:xfrm>
+          <a:prstGeom prst="rect">
+            <a:avLst/>
+          </a:prstGeom>
+          <a:noFill/>
+        </p:spPr>
+        <p:style>
+          <a:lnRef idx="2">
+            <a:schemeClr val="accent1">
+              <a:shade val="15000"/>
+            </a:schemeClr>
+          </a:lnRef>
+          <a:fillRef idx="1">
+            <a:schemeClr val="accent1"/>
+          </a:fillRef>
+          <a:effectRef idx="0">
+            <a:schemeClr val="accent1"/>
+          </a:effectRef>
+          <a:fontRef idx="minor">
+            <a:schemeClr val="lt1"/>
+          </a:fontRef>
+        </p:style>
+        <p:txBody>
+          <a:bodyPr rtlCol="0" anchor="ctr"/>
+          <a:lstStyle/>
+          <a:p>
+            <a:pPr algn="ctr"/>
+            <a:r>
+              <a:rPr lang="en-GB" dirty="0">
+                <a:solidFill>
+                  <a:schemeClr val="tx1"/>
+                </a:solidFill>
+              </a:rPr>
+              <a:t>Access Platform for Providers (APP)</a:t>
+            </a:r>
+            <a:endParaRPr lang="en-DE" dirty="0">
+              <a:solidFill>
+                <a:schemeClr val="tx1"/>
+              </a:solidFill>
+            </a:endParaRPr>
+          </a:p>
+        </p:txBody>
+      </p:sp>
+      <p:sp>
+        <p:nvSpPr>
+          <p:cNvPr id="6" name="Rectangle 5">
+            <a:extLst>
+              <a:ext uri="{FF2B5EF4-FFF2-40B4-BE49-F238E27FC236}">
+                <a16:creationId xmlns:a16="http://schemas.microsoft.com/office/drawing/2014/main" id="{CFF12197-8EAE-13FE-E097-0F943C60145E}"/>
+              </a:ext>
+            </a:extLst>
+          </p:cNvPr>
+          <p:cNvSpPr/>
+          <p:nvPr/>
+        </p:nvSpPr>
+        <p:spPr>
+          <a:xfrm>
+            <a:off x="2939845" y="1986116"/>
+            <a:ext cx="5879690" cy="717755"/>
+          </a:xfrm>
+          <a:prstGeom prst="rect">
+            <a:avLst/>
+          </a:prstGeom>
+          <a:noFill/>
+          <a:ln>
+            <a:noFill/>
+          </a:ln>
+        </p:spPr>
+        <p:style>
+          <a:lnRef idx="2">
+            <a:schemeClr val="accent1">
+              <a:shade val="15000"/>
+            </a:schemeClr>
+          </a:lnRef>
+          <a:fillRef idx="1">
+            <a:schemeClr val="accent1"/>
+          </a:fillRef>
+          <a:effectRef idx="0">
+            <a:schemeClr val="accent1"/>
+          </a:effectRef>
+          <a:fontRef idx="minor">
+            <a:schemeClr val="lt1"/>
+          </a:fontRef>
+        </p:style>
+        <p:txBody>
+          <a:bodyPr rtlCol="0" anchor="ctr"/>
+          <a:lstStyle/>
+          <a:p>
+            <a:pPr algn="ctr"/>
+            <a:r>
+              <a:rPr lang="en-GB" dirty="0">
+                <a:solidFill>
+                  <a:schemeClr val="tx1"/>
+                </a:solidFill>
+              </a:rPr>
+              <a:t>Select category of services</a:t>
+            </a:r>
+            <a:endParaRPr lang="en-DE" dirty="0">
+              <a:solidFill>
+                <a:schemeClr val="tx1"/>
+              </a:solidFill>
+            </a:endParaRPr>
+          </a:p>
+        </p:txBody>
+      </p:sp>
+      <p:sp>
+        <p:nvSpPr>
+          <p:cNvPr id="18" name="Rectangle 17">
+            <a:extLst>
+              <a:ext uri="{FF2B5EF4-FFF2-40B4-BE49-F238E27FC236}">
+                <a16:creationId xmlns:a16="http://schemas.microsoft.com/office/drawing/2014/main" id="{1B558F89-C260-579E-D2CD-379561C9C564}"/>
+              </a:ext>
+            </a:extLst>
+          </p:cNvPr>
+          <p:cNvSpPr/>
+          <p:nvPr/>
+        </p:nvSpPr>
+        <p:spPr>
+          <a:xfrm>
+            <a:off x="2403988" y="3593691"/>
+            <a:ext cx="2364658" cy="860321"/>
+          </a:xfrm>
+          <a:prstGeom prst="rect">
+            <a:avLst/>
+          </a:prstGeom>
+          <a:solidFill>
+            <a:schemeClr val="accent2">
+              <a:lumMod val="40000"/>
+              <a:lumOff val="60000"/>
+            </a:schemeClr>
+          </a:solidFill>
+          <a:ln>
+            <a:solidFill>
+              <a:schemeClr val="tx1"/>
+            </a:solidFill>
+          </a:ln>
+        </p:spPr>
+        <p:style>
+          <a:lnRef idx="2">
+            <a:schemeClr val="accent1">
+              <a:shade val="15000"/>
+            </a:schemeClr>
+          </a:lnRef>
+          <a:fillRef idx="1">
+            <a:schemeClr val="accent1"/>
+          </a:fillRef>
+          <a:effectRef idx="0">
+            <a:schemeClr val="accent1"/>
+          </a:effectRef>
+          <a:fontRef idx="minor">
+            <a:schemeClr val="lt1"/>
+          </a:fontRef>
+        </p:style>
+        <p:txBody>
+          <a:bodyPr rtlCol="0" anchor="ctr"/>
+          <a:lstStyle/>
+          <a:p>
+            <a:pPr algn="ctr"/>
+            <a:r>
+              <a:rPr lang="en-GB" dirty="0">
+                <a:solidFill>
+                  <a:schemeClr val="tx1"/>
+                </a:solidFill>
+              </a:rPr>
+              <a:t>Data</a:t>
+            </a:r>
+            <a:endParaRPr lang="en-DE" dirty="0">
+              <a:solidFill>
+                <a:schemeClr val="tx1"/>
+              </a:solidFill>
+            </a:endParaRPr>
+          </a:p>
+        </p:txBody>
+      </p:sp>
+      <p:sp>
+        <p:nvSpPr>
+          <p:cNvPr id="2" name="Oval 1">
+            <a:extLst>
+              <a:ext uri="{FF2B5EF4-FFF2-40B4-BE49-F238E27FC236}">
+                <a16:creationId xmlns:a16="http://schemas.microsoft.com/office/drawing/2014/main" id="{F9340B88-C887-8428-3433-24CAB9ADF8D9}"/>
+              </a:ext>
+            </a:extLst>
+          </p:cNvPr>
+          <p:cNvSpPr/>
+          <p:nvPr/>
+        </p:nvSpPr>
+        <p:spPr>
+          <a:xfrm>
+            <a:off x="9969910" y="575182"/>
+            <a:ext cx="698090" cy="693179"/>
+          </a:xfrm>
+          <a:prstGeom prst="ellipse">
+            <a:avLst/>
+          </a:prstGeom>
+          <a:noFill/>
+          <a:ln>
+            <a:solidFill>
+              <a:schemeClr val="tx1"/>
+            </a:solidFill>
+          </a:ln>
+        </p:spPr>
+        <p:style>
+          <a:lnRef idx="2">
+            <a:schemeClr val="accent1">
+              <a:shade val="15000"/>
+            </a:schemeClr>
+          </a:lnRef>
+          <a:fillRef idx="1">
+            <a:schemeClr val="accent1"/>
+          </a:fillRef>
+          <a:effectRef idx="0">
+            <a:schemeClr val="accent1"/>
+          </a:effectRef>
+          <a:fontRef idx="minor">
+            <a:schemeClr val="lt1"/>
+          </a:fontRef>
+        </p:style>
+        <p:txBody>
+          <a:bodyPr rtlCol="0" anchor="ctr"/>
+          <a:lstStyle/>
+          <a:p>
+            <a:pPr algn="ctr"/>
+            <a:r>
+              <a:rPr lang="en-GB" dirty="0">
+                <a:solidFill>
+                  <a:schemeClr val="tx1"/>
+                </a:solidFill>
+              </a:rPr>
+              <a:t>A2</a:t>
+            </a:r>
+            <a:endParaRPr lang="en-DE" dirty="0">
+              <a:solidFill>
+                <a:schemeClr val="tx1"/>
+              </a:solidFill>
+            </a:endParaRPr>
+          </a:p>
+        </p:txBody>
+      </p:sp>
+      <p:sp>
+        <p:nvSpPr>
+          <p:cNvPr id="4" name="Rectangle 3">
+            <a:extLst>
+              <a:ext uri="{FF2B5EF4-FFF2-40B4-BE49-F238E27FC236}">
+                <a16:creationId xmlns:a16="http://schemas.microsoft.com/office/drawing/2014/main" id="{679A014D-D311-5EA5-6706-8E05B59DD096}"/>
+              </a:ext>
+            </a:extLst>
+          </p:cNvPr>
+          <p:cNvSpPr/>
+          <p:nvPr/>
+        </p:nvSpPr>
+        <p:spPr>
+          <a:xfrm>
+            <a:off x="4913672" y="3588775"/>
+            <a:ext cx="2364658" cy="860321"/>
+          </a:xfrm>
+          <a:prstGeom prst="rect">
+            <a:avLst/>
+          </a:prstGeom>
+          <a:solidFill>
+            <a:schemeClr val="accent2">
+              <a:lumMod val="40000"/>
+              <a:lumOff val="60000"/>
+            </a:schemeClr>
+          </a:solidFill>
+          <a:ln>
+            <a:solidFill>
+              <a:schemeClr val="tx1"/>
+            </a:solidFill>
+          </a:ln>
+        </p:spPr>
+        <p:style>
+          <a:lnRef idx="2">
+            <a:schemeClr val="accent1">
+              <a:shade val="15000"/>
+            </a:schemeClr>
+          </a:lnRef>
+          <a:fillRef idx="1">
+            <a:schemeClr val="accent1"/>
+          </a:fillRef>
+          <a:effectRef idx="0">
+            <a:schemeClr val="accent1"/>
+          </a:effectRef>
+          <a:fontRef idx="minor">
+            <a:schemeClr val="lt1"/>
+          </a:fontRef>
+        </p:style>
+        <p:txBody>
+          <a:bodyPr rtlCol="0" anchor="ctr"/>
+          <a:lstStyle/>
+          <a:p>
+            <a:pPr algn="ctr"/>
+            <a:r>
+              <a:rPr lang="en-GB" dirty="0">
+                <a:solidFill>
+                  <a:schemeClr val="tx1"/>
+                </a:solidFill>
+              </a:rPr>
+              <a:t>Security</a:t>
+            </a:r>
+            <a:endParaRPr lang="en-DE" dirty="0">
+              <a:solidFill>
+                <a:schemeClr val="tx1"/>
+              </a:solidFill>
+            </a:endParaRPr>
+          </a:p>
+        </p:txBody>
+      </p:sp>
+      <p:sp>
+        <p:nvSpPr>
+          <p:cNvPr id="7" name="Rectangle 6">
+            <a:extLst>
+              <a:ext uri="{FF2B5EF4-FFF2-40B4-BE49-F238E27FC236}">
+                <a16:creationId xmlns:a16="http://schemas.microsoft.com/office/drawing/2014/main" id="{91381117-529C-9769-C6E9-40FAFE633073}"/>
+              </a:ext>
+            </a:extLst>
+          </p:cNvPr>
+          <p:cNvSpPr/>
+          <p:nvPr/>
+        </p:nvSpPr>
+        <p:spPr>
+          <a:xfrm>
+            <a:off x="7423356" y="3593690"/>
+            <a:ext cx="2364658" cy="860321"/>
+          </a:xfrm>
+          <a:prstGeom prst="rect">
+            <a:avLst/>
+          </a:prstGeom>
+          <a:solidFill>
+            <a:schemeClr val="accent2">
+              <a:lumMod val="40000"/>
+              <a:lumOff val="60000"/>
+            </a:schemeClr>
+          </a:solidFill>
+          <a:ln>
+            <a:solidFill>
+              <a:schemeClr val="tx1"/>
+            </a:solidFill>
+          </a:ln>
+        </p:spPr>
+        <p:style>
+          <a:lnRef idx="2">
+            <a:schemeClr val="accent1">
+              <a:shade val="15000"/>
+            </a:schemeClr>
+          </a:lnRef>
+          <a:fillRef idx="1">
+            <a:schemeClr val="accent1"/>
+          </a:fillRef>
+          <a:effectRef idx="0">
+            <a:schemeClr val="accent1"/>
+          </a:effectRef>
+          <a:fontRef idx="minor">
+            <a:schemeClr val="lt1"/>
+          </a:fontRef>
+        </p:style>
+        <p:txBody>
+          <a:bodyPr rtlCol="0" anchor="ctr"/>
+          <a:lstStyle/>
+          <a:p>
+            <a:pPr algn="ctr"/>
+            <a:r>
+              <a:rPr lang="en-GB" dirty="0">
+                <a:solidFill>
+                  <a:schemeClr val="tx1"/>
+                </a:solidFill>
+              </a:rPr>
+              <a:t>Developer</a:t>
+            </a:r>
+            <a:endParaRPr lang="en-DE" dirty="0">
+              <a:solidFill>
+                <a:schemeClr val="tx1"/>
+              </a:solidFill>
+            </a:endParaRPr>
+          </a:p>
+        </p:txBody>
+      </p:sp>
+      <p:sp>
+        <p:nvSpPr>
+          <p:cNvPr id="8" name="Rectangle: Rounded Corners 7">
+            <a:extLst>
+              <a:ext uri="{FF2B5EF4-FFF2-40B4-BE49-F238E27FC236}">
+                <a16:creationId xmlns:a16="http://schemas.microsoft.com/office/drawing/2014/main" id="{D1032491-0D62-2448-AD5C-D682F2F7767B}"/>
+              </a:ext>
+            </a:extLst>
+          </p:cNvPr>
+          <p:cNvSpPr/>
+          <p:nvPr/>
+        </p:nvSpPr>
+        <p:spPr>
+          <a:xfrm>
+            <a:off x="9144000" y="5673213"/>
+            <a:ext cx="1524000" cy="452284"/>
+          </a:xfrm>
+          <a:prstGeom prst="roundRect">
+            <a:avLst/>
+          </a:prstGeom>
+          <a:solidFill>
+            <a:schemeClr val="tx2">
+              <a:lumMod val="20000"/>
+              <a:lumOff val="80000"/>
+            </a:schemeClr>
+          </a:solidFill>
+        </p:spPr>
+        <p:style>
+          <a:lnRef idx="2">
+            <a:schemeClr val="accent1">
+              <a:shade val="15000"/>
+            </a:schemeClr>
+          </a:lnRef>
+          <a:fillRef idx="1">
+            <a:schemeClr val="accent1"/>
+          </a:fillRef>
+          <a:effectRef idx="0">
+            <a:schemeClr val="accent1"/>
+          </a:effectRef>
+          <a:fontRef idx="minor">
+            <a:schemeClr val="lt1"/>
+          </a:fontRef>
+        </p:style>
+        <p:txBody>
+          <a:bodyPr rtlCol="0" anchor="ctr"/>
+          <a:lstStyle/>
+          <a:p>
+            <a:pPr algn="ctr"/>
+            <a:r>
+              <a:rPr lang="en-GB" dirty="0">
+                <a:solidFill>
+                  <a:schemeClr val="tx1"/>
+                </a:solidFill>
+                <a:highlight>
+                  <a:srgbClr val="00FF00"/>
+                </a:highlight>
+              </a:rPr>
+              <a:t>Future-X</a:t>
+            </a:r>
+            <a:endParaRPr lang="en-DE" dirty="0">
+              <a:solidFill>
+                <a:schemeClr val="tx1"/>
+              </a:solidFill>
+              <a:highlight>
+                <a:srgbClr val="00FF00"/>
+              </a:highlight>
+            </a:endParaRPr>
+          </a:p>
+        </p:txBody>
+      </p:sp>
+    </p:spTree>
+    <p:extLst>
+      <p:ext uri="{BB962C8B-B14F-4D97-AF65-F5344CB8AC3E}">
+        <p14:creationId xmlns:p14="http://schemas.microsoft.com/office/powerpoint/2010/main" val="1356481625"/>
+      </p:ext>
+    </p:extLst>
+  </p:cSld>
+  <p:clrMapOvr>
+    <a:masterClrMapping/>
+  </p:clrMapOvr>
+</p:sld>
+</file>
+
+<file path=ppt/slides/slide4.xml><?xml version="1.0" encoding="utf-8"?>
+<p:sld xmlns:a="http://schemas.openxmlformats.org/drawingml/2006/main" xmlns:r="http://schemas.openxmlformats.org/officeDocument/2006/relationships" xmlns:p="http://schemas.openxmlformats.org/presentationml/2006/main">
+  <p:cSld>
+    <p:spTree>
+      <p:nvGrpSpPr>
+        <p:cNvPr id="1" name=""/>
+        <p:cNvGrpSpPr/>
+        <p:nvPr/>
+      </p:nvGrpSpPr>
+      <p:grpSpPr>
+        <a:xfrm>
+          <a:off x="0" y="0"/>
+          <a:ext cx="0" cy="0"/>
+          <a:chOff x="0" y="0"/>
+          <a:chExt cx="0" cy="0"/>
+        </a:xfrm>
+      </p:grpSpPr>
+      <p:sp>
+        <p:nvSpPr>
+          <p:cNvPr id="3" name="Rectangle 2">
+            <a:extLst>
+              <a:ext uri="{FF2B5EF4-FFF2-40B4-BE49-F238E27FC236}">
+                <a16:creationId xmlns:a16="http://schemas.microsoft.com/office/drawing/2014/main" id="{581799DD-DB57-E566-DF79-2564636FD320}"/>
+              </a:ext>
+            </a:extLst>
+          </p:cNvPr>
+          <p:cNvSpPr/>
+          <p:nvPr/>
+        </p:nvSpPr>
+        <p:spPr>
+          <a:xfrm>
+            <a:off x="1396181" y="491613"/>
+            <a:ext cx="9360309" cy="5712542"/>
+          </a:xfrm>
+          <a:prstGeom prst="rect">
+            <a:avLst/>
+          </a:prstGeom>
+          <a:noFill/>
+          <a:ln>
+            <a:solidFill>
+              <a:schemeClr val="tx1"/>
+            </a:solidFill>
+          </a:ln>
+        </p:spPr>
+        <p:style>
+          <a:lnRef idx="2">
+            <a:schemeClr val="accent1">
+              <a:shade val="15000"/>
+            </a:schemeClr>
+          </a:lnRef>
+          <a:fillRef idx="1">
+            <a:schemeClr val="accent1"/>
+          </a:fillRef>
+          <a:effectRef idx="0">
+            <a:schemeClr val="accent1"/>
+          </a:effectRef>
+          <a:fontRef idx="minor">
+            <a:schemeClr val="lt1"/>
+          </a:fontRef>
+        </p:style>
+        <p:txBody>
+          <a:bodyPr rtlCol="0" anchor="ctr"/>
+          <a:lstStyle/>
+          <a:p>
+            <a:pPr algn="ctr"/>
+            <a:endParaRPr lang="en-DE" dirty="0">
+              <a:solidFill>
+                <a:schemeClr val="tx1"/>
+              </a:solidFill>
+            </a:endParaRPr>
+          </a:p>
+        </p:txBody>
+      </p:sp>
+      <p:sp>
+        <p:nvSpPr>
+          <p:cNvPr id="5" name="Rectangle 4">
+            <a:extLst>
+              <a:ext uri="{FF2B5EF4-FFF2-40B4-BE49-F238E27FC236}">
+                <a16:creationId xmlns:a16="http://schemas.microsoft.com/office/drawing/2014/main" id="{71F578EA-16E1-7C85-60C5-ABC91DDD1DB1}"/>
+              </a:ext>
+            </a:extLst>
+          </p:cNvPr>
+          <p:cNvSpPr/>
+          <p:nvPr/>
+        </p:nvSpPr>
+        <p:spPr>
+          <a:xfrm>
+            <a:off x="1435510" y="535862"/>
+            <a:ext cx="6263148" cy="845574"/>
+          </a:xfrm>
+          <a:prstGeom prst="rect">
+            <a:avLst/>
+          </a:prstGeom>
+          <a:noFill/>
+        </p:spPr>
+        <p:style>
+          <a:lnRef idx="2">
+            <a:schemeClr val="accent1">
+              <a:shade val="15000"/>
+            </a:schemeClr>
+          </a:lnRef>
+          <a:fillRef idx="1">
+            <a:schemeClr val="accent1"/>
+          </a:fillRef>
+          <a:effectRef idx="0">
+            <a:schemeClr val="accent1"/>
+          </a:effectRef>
+          <a:fontRef idx="minor">
+            <a:schemeClr val="lt1"/>
+          </a:fontRef>
+        </p:style>
+        <p:txBody>
+          <a:bodyPr rtlCol="0" anchor="ctr"/>
+          <a:lstStyle/>
+          <a:p>
+            <a:pPr algn="ctr"/>
+            <a:r>
+              <a:rPr lang="en-GB" dirty="0">
+                <a:solidFill>
+                  <a:schemeClr val="tx1"/>
+                </a:solidFill>
+              </a:rPr>
+              <a:t>Access Platform for Providers (APP)</a:t>
+            </a:r>
+            <a:endParaRPr lang="en-DE" dirty="0">
+              <a:solidFill>
+                <a:schemeClr val="tx1"/>
+              </a:solidFill>
+            </a:endParaRPr>
+          </a:p>
+        </p:txBody>
+      </p:sp>
+      <p:sp>
+        <p:nvSpPr>
+          <p:cNvPr id="6" name="Rectangle 5">
+            <a:extLst>
+              <a:ext uri="{FF2B5EF4-FFF2-40B4-BE49-F238E27FC236}">
+                <a16:creationId xmlns:a16="http://schemas.microsoft.com/office/drawing/2014/main" id="{CFF12197-8EAE-13FE-E097-0F943C60145E}"/>
+              </a:ext>
+            </a:extLst>
+          </p:cNvPr>
+          <p:cNvSpPr/>
+          <p:nvPr/>
+        </p:nvSpPr>
+        <p:spPr>
+          <a:xfrm>
+            <a:off x="2939845" y="1986116"/>
+            <a:ext cx="5879690" cy="717755"/>
+          </a:xfrm>
+          <a:prstGeom prst="rect">
+            <a:avLst/>
+          </a:prstGeom>
+          <a:noFill/>
+          <a:ln>
+            <a:noFill/>
+          </a:ln>
+        </p:spPr>
+        <p:style>
+          <a:lnRef idx="2">
+            <a:schemeClr val="accent1">
+              <a:shade val="15000"/>
+            </a:schemeClr>
+          </a:lnRef>
+          <a:fillRef idx="1">
+            <a:schemeClr val="accent1"/>
+          </a:fillRef>
+          <a:effectRef idx="0">
+            <a:schemeClr val="accent1"/>
+          </a:effectRef>
+          <a:fontRef idx="minor">
+            <a:schemeClr val="lt1"/>
+          </a:fontRef>
+        </p:style>
+        <p:txBody>
+          <a:bodyPr rtlCol="0" anchor="ctr"/>
+          <a:lstStyle/>
+          <a:p>
+            <a:pPr algn="ctr"/>
+            <a:r>
+              <a:rPr lang="en-GB" dirty="0">
+                <a:solidFill>
+                  <a:schemeClr val="tx1"/>
+                </a:solidFill>
+              </a:rPr>
+              <a:t>Select sub-category of services</a:t>
+            </a:r>
+            <a:endParaRPr lang="en-DE" dirty="0">
+              <a:solidFill>
+                <a:schemeClr val="tx1"/>
+              </a:solidFill>
+            </a:endParaRPr>
+          </a:p>
+        </p:txBody>
+      </p:sp>
+      <p:sp>
+        <p:nvSpPr>
+          <p:cNvPr id="18" name="Rectangle 17">
+            <a:extLst>
+              <a:ext uri="{FF2B5EF4-FFF2-40B4-BE49-F238E27FC236}">
+                <a16:creationId xmlns:a16="http://schemas.microsoft.com/office/drawing/2014/main" id="{1B558F89-C260-579E-D2CD-379561C9C564}"/>
+              </a:ext>
+            </a:extLst>
+          </p:cNvPr>
+          <p:cNvSpPr/>
+          <p:nvPr/>
+        </p:nvSpPr>
+        <p:spPr>
+          <a:xfrm>
+            <a:off x="2403988" y="3593691"/>
+            <a:ext cx="2364658" cy="860321"/>
+          </a:xfrm>
+          <a:prstGeom prst="rect">
+            <a:avLst/>
+          </a:prstGeom>
+          <a:solidFill>
+            <a:schemeClr val="accent2">
+              <a:lumMod val="40000"/>
+              <a:lumOff val="60000"/>
+            </a:schemeClr>
+          </a:solidFill>
+          <a:ln>
+            <a:solidFill>
+              <a:schemeClr val="tx1"/>
+            </a:solidFill>
+          </a:ln>
+        </p:spPr>
+        <p:style>
+          <a:lnRef idx="2">
+            <a:schemeClr val="accent1">
+              <a:shade val="15000"/>
+            </a:schemeClr>
+          </a:lnRef>
+          <a:fillRef idx="1">
+            <a:schemeClr val="accent1"/>
+          </a:fillRef>
+          <a:effectRef idx="0">
+            <a:schemeClr val="accent1"/>
+          </a:effectRef>
+          <a:fontRef idx="minor">
+            <a:schemeClr val="lt1"/>
+          </a:fontRef>
+        </p:style>
+        <p:txBody>
+          <a:bodyPr rtlCol="0" anchor="ctr"/>
+          <a:lstStyle/>
+          <a:p>
+            <a:pPr algn="ctr"/>
+            <a:r>
+              <a:rPr lang="en-GB" dirty="0">
+                <a:solidFill>
+                  <a:schemeClr val="tx1"/>
+                </a:solidFill>
+              </a:rPr>
+              <a:t>Data Engineer</a:t>
+            </a:r>
+            <a:endParaRPr lang="en-DE" dirty="0">
+              <a:solidFill>
+                <a:schemeClr val="tx1"/>
+              </a:solidFill>
+            </a:endParaRPr>
+          </a:p>
+        </p:txBody>
+      </p:sp>
+      <p:sp>
+        <p:nvSpPr>
+          <p:cNvPr id="2" name="Oval 1">
+            <a:extLst>
+              <a:ext uri="{FF2B5EF4-FFF2-40B4-BE49-F238E27FC236}">
+                <a16:creationId xmlns:a16="http://schemas.microsoft.com/office/drawing/2014/main" id="{F9340B88-C887-8428-3433-24CAB9ADF8D9}"/>
+              </a:ext>
+            </a:extLst>
+          </p:cNvPr>
+          <p:cNvSpPr/>
+          <p:nvPr/>
+        </p:nvSpPr>
+        <p:spPr>
+          <a:xfrm>
+            <a:off x="9969910" y="575182"/>
+            <a:ext cx="698090" cy="693179"/>
+          </a:xfrm>
+          <a:prstGeom prst="ellipse">
+            <a:avLst/>
+          </a:prstGeom>
+          <a:noFill/>
+          <a:ln>
+            <a:solidFill>
+              <a:schemeClr val="tx1"/>
+            </a:solidFill>
+          </a:ln>
+        </p:spPr>
+        <p:style>
+          <a:lnRef idx="2">
+            <a:schemeClr val="accent1">
+              <a:shade val="15000"/>
+            </a:schemeClr>
+          </a:lnRef>
+          <a:fillRef idx="1">
+            <a:schemeClr val="accent1"/>
+          </a:fillRef>
+          <a:effectRef idx="0">
+            <a:schemeClr val="accent1"/>
+          </a:effectRef>
+          <a:fontRef idx="minor">
+            <a:schemeClr val="lt1"/>
+          </a:fontRef>
+        </p:style>
+        <p:txBody>
+          <a:bodyPr rtlCol="0" anchor="ctr"/>
+          <a:lstStyle/>
+          <a:p>
+            <a:pPr algn="ctr"/>
+            <a:r>
+              <a:rPr lang="en-GB" dirty="0">
+                <a:solidFill>
+                  <a:schemeClr val="tx1"/>
+                </a:solidFill>
+              </a:rPr>
+              <a:t>A2</a:t>
+            </a:r>
+            <a:endParaRPr lang="en-DE" dirty="0">
+              <a:solidFill>
+                <a:schemeClr val="tx1"/>
+              </a:solidFill>
+            </a:endParaRPr>
+          </a:p>
+        </p:txBody>
+      </p:sp>
+      <p:sp>
+        <p:nvSpPr>
+          <p:cNvPr id="4" name="Rectangle 3">
+            <a:extLst>
+              <a:ext uri="{FF2B5EF4-FFF2-40B4-BE49-F238E27FC236}">
+                <a16:creationId xmlns:a16="http://schemas.microsoft.com/office/drawing/2014/main" id="{679A014D-D311-5EA5-6706-8E05B59DD096}"/>
+              </a:ext>
+            </a:extLst>
+          </p:cNvPr>
+          <p:cNvSpPr/>
+          <p:nvPr/>
+        </p:nvSpPr>
+        <p:spPr>
+          <a:xfrm>
+            <a:off x="4913672" y="3588775"/>
+            <a:ext cx="2364658" cy="860321"/>
+          </a:xfrm>
+          <a:prstGeom prst="rect">
+            <a:avLst/>
+          </a:prstGeom>
+          <a:solidFill>
+            <a:schemeClr val="accent2">
+              <a:lumMod val="40000"/>
+              <a:lumOff val="60000"/>
+            </a:schemeClr>
+          </a:solidFill>
+          <a:ln>
+            <a:solidFill>
+              <a:schemeClr val="tx1"/>
+            </a:solidFill>
+          </a:ln>
+        </p:spPr>
+        <p:style>
+          <a:lnRef idx="2">
+            <a:schemeClr val="accent1">
+              <a:shade val="15000"/>
+            </a:schemeClr>
+          </a:lnRef>
+          <a:fillRef idx="1">
+            <a:schemeClr val="accent1"/>
+          </a:fillRef>
+          <a:effectRef idx="0">
+            <a:schemeClr val="accent1"/>
+          </a:effectRef>
+          <a:fontRef idx="minor">
+            <a:schemeClr val="lt1"/>
+          </a:fontRef>
+        </p:style>
+        <p:txBody>
+          <a:bodyPr rtlCol="0" anchor="ctr"/>
+          <a:lstStyle/>
+          <a:p>
+            <a:pPr algn="ctr"/>
+            <a:r>
+              <a:rPr lang="en-GB" dirty="0">
+                <a:solidFill>
+                  <a:schemeClr val="tx1"/>
+                </a:solidFill>
+              </a:rPr>
+              <a:t>Data Analyst</a:t>
+            </a:r>
+            <a:endParaRPr lang="en-DE" dirty="0">
+              <a:solidFill>
+                <a:schemeClr val="tx1"/>
+              </a:solidFill>
+            </a:endParaRPr>
+          </a:p>
+        </p:txBody>
+      </p:sp>
+      <p:sp>
+        <p:nvSpPr>
+          <p:cNvPr id="7" name="Rectangle 6">
+            <a:extLst>
+              <a:ext uri="{FF2B5EF4-FFF2-40B4-BE49-F238E27FC236}">
+                <a16:creationId xmlns:a16="http://schemas.microsoft.com/office/drawing/2014/main" id="{91381117-529C-9769-C6E9-40FAFE633073}"/>
+              </a:ext>
+            </a:extLst>
+          </p:cNvPr>
+          <p:cNvSpPr/>
+          <p:nvPr/>
+        </p:nvSpPr>
+        <p:spPr>
+          <a:xfrm>
+            <a:off x="7423356" y="3593690"/>
+            <a:ext cx="2364658" cy="860321"/>
+          </a:xfrm>
+          <a:prstGeom prst="rect">
+            <a:avLst/>
+          </a:prstGeom>
+          <a:solidFill>
+            <a:schemeClr val="accent2">
+              <a:lumMod val="40000"/>
+              <a:lumOff val="60000"/>
+            </a:schemeClr>
+          </a:solidFill>
+          <a:ln>
+            <a:solidFill>
+              <a:schemeClr val="tx1"/>
+            </a:solidFill>
+          </a:ln>
+        </p:spPr>
+        <p:style>
+          <a:lnRef idx="2">
+            <a:schemeClr val="accent1">
+              <a:shade val="15000"/>
+            </a:schemeClr>
+          </a:lnRef>
+          <a:fillRef idx="1">
+            <a:schemeClr val="accent1"/>
+          </a:fillRef>
+          <a:effectRef idx="0">
+            <a:schemeClr val="accent1"/>
+          </a:effectRef>
+          <a:fontRef idx="minor">
+            <a:schemeClr val="lt1"/>
+          </a:fontRef>
+        </p:style>
+        <p:txBody>
+          <a:bodyPr rtlCol="0" anchor="ctr"/>
+          <a:lstStyle/>
+          <a:p>
+            <a:pPr algn="ctr"/>
+            <a:r>
+              <a:rPr lang="en-GB" dirty="0">
+                <a:solidFill>
+                  <a:schemeClr val="tx1"/>
+                </a:solidFill>
+              </a:rPr>
+              <a:t>Data Scientist</a:t>
+            </a:r>
+            <a:endParaRPr lang="en-DE" dirty="0">
+              <a:solidFill>
+                <a:schemeClr val="tx1"/>
+              </a:solidFill>
+            </a:endParaRPr>
+          </a:p>
+        </p:txBody>
+      </p:sp>
+      <p:sp>
+        <p:nvSpPr>
+          <p:cNvPr id="8" name="Rectangle: Rounded Corners 7">
+            <a:extLst>
+              <a:ext uri="{FF2B5EF4-FFF2-40B4-BE49-F238E27FC236}">
+                <a16:creationId xmlns:a16="http://schemas.microsoft.com/office/drawing/2014/main" id="{647A3B3D-3D76-E426-C233-EBF998984948}"/>
+              </a:ext>
+            </a:extLst>
+          </p:cNvPr>
+          <p:cNvSpPr/>
+          <p:nvPr/>
+        </p:nvSpPr>
+        <p:spPr>
+          <a:xfrm>
+            <a:off x="9144000" y="5673213"/>
+            <a:ext cx="1524000" cy="452284"/>
+          </a:xfrm>
+          <a:prstGeom prst="roundRect">
+            <a:avLst/>
+          </a:prstGeom>
+          <a:solidFill>
+            <a:schemeClr val="tx2">
+              <a:lumMod val="20000"/>
+              <a:lumOff val="80000"/>
+            </a:schemeClr>
+          </a:solidFill>
+        </p:spPr>
+        <p:style>
+          <a:lnRef idx="2">
+            <a:schemeClr val="accent1">
+              <a:shade val="15000"/>
+            </a:schemeClr>
+          </a:lnRef>
+          <a:fillRef idx="1">
+            <a:schemeClr val="accent1"/>
+          </a:fillRef>
+          <a:effectRef idx="0">
+            <a:schemeClr val="accent1"/>
+          </a:effectRef>
+          <a:fontRef idx="minor">
+            <a:schemeClr val="lt1"/>
+          </a:fontRef>
+        </p:style>
+        <p:txBody>
+          <a:bodyPr rtlCol="0" anchor="ctr"/>
+          <a:lstStyle/>
+          <a:p>
+            <a:pPr algn="ctr"/>
+            <a:r>
+              <a:rPr lang="en-GB" dirty="0">
+                <a:solidFill>
+                  <a:schemeClr val="tx1"/>
+                </a:solidFill>
+                <a:highlight>
+                  <a:srgbClr val="00FF00"/>
+                </a:highlight>
+              </a:rPr>
+              <a:t>Future-X</a:t>
+            </a:r>
+            <a:endParaRPr lang="en-DE" dirty="0">
+              <a:solidFill>
+                <a:schemeClr val="tx1"/>
+              </a:solidFill>
+              <a:highlight>
+                <a:srgbClr val="00FF00"/>
+              </a:highlight>
+            </a:endParaRPr>
+          </a:p>
+        </p:txBody>
+      </p:sp>
+    </p:spTree>
+    <p:extLst>
+      <p:ext uri="{BB962C8B-B14F-4D97-AF65-F5344CB8AC3E}">
+        <p14:creationId xmlns:p14="http://schemas.microsoft.com/office/powerpoint/2010/main" val="2834426006"/>
+      </p:ext>
+    </p:extLst>
+  </p:cSld>
+  <p:clrMapOvr>
+    <a:masterClrMapping/>
+  </p:clrMapOvr>
+</p:sld>
+</file>
+
+<file path=ppt/slides/slide5.xml><?xml version="1.0" encoding="utf-8"?>
+<p:sld xmlns:a="http://schemas.openxmlformats.org/drawingml/2006/main" xmlns:r="http://schemas.openxmlformats.org/officeDocument/2006/relationships" xmlns:p="http://schemas.openxmlformats.org/presentationml/2006/main">
+  <p:cSld>
+    <p:spTree>
+      <p:nvGrpSpPr>
+        <p:cNvPr id="1" name=""/>
+        <p:cNvGrpSpPr/>
+        <p:nvPr/>
+      </p:nvGrpSpPr>
+      <p:grpSpPr>
+        <a:xfrm>
+          <a:off x="0" y="0"/>
+          <a:ext cx="0" cy="0"/>
+          <a:chOff x="0" y="0"/>
+          <a:chExt cx="0" cy="0"/>
+        </a:xfrm>
+      </p:grpSpPr>
+      <p:sp>
+        <p:nvSpPr>
+          <p:cNvPr id="3" name="Rectangle 2">
+            <a:extLst>
+              <a:ext uri="{FF2B5EF4-FFF2-40B4-BE49-F238E27FC236}">
+                <a16:creationId xmlns:a16="http://schemas.microsoft.com/office/drawing/2014/main" id="{581799DD-DB57-E566-DF79-2564636FD320}"/>
+              </a:ext>
+            </a:extLst>
+          </p:cNvPr>
+          <p:cNvSpPr/>
+          <p:nvPr/>
+        </p:nvSpPr>
+        <p:spPr>
+          <a:xfrm>
+            <a:off x="1396181" y="491613"/>
+            <a:ext cx="9360309" cy="5712542"/>
+          </a:xfrm>
+          <a:prstGeom prst="rect">
+            <a:avLst/>
+          </a:prstGeom>
+          <a:noFill/>
+          <a:ln>
+            <a:solidFill>
+              <a:schemeClr val="tx1"/>
+            </a:solidFill>
+          </a:ln>
+        </p:spPr>
+        <p:style>
+          <a:lnRef idx="2">
+            <a:schemeClr val="accent1">
+              <a:shade val="15000"/>
+            </a:schemeClr>
+          </a:lnRef>
+          <a:fillRef idx="1">
+            <a:schemeClr val="accent1"/>
+          </a:fillRef>
+          <a:effectRef idx="0">
+            <a:schemeClr val="accent1"/>
+          </a:effectRef>
+          <a:fontRef idx="minor">
+            <a:schemeClr val="lt1"/>
+          </a:fontRef>
+        </p:style>
+        <p:txBody>
+          <a:bodyPr rtlCol="0" anchor="ctr"/>
+          <a:lstStyle/>
+          <a:p>
+            <a:pPr algn="ctr"/>
+            <a:endParaRPr lang="en-DE" dirty="0">
+              <a:solidFill>
+                <a:schemeClr val="tx1"/>
+              </a:solidFill>
+            </a:endParaRPr>
+          </a:p>
+        </p:txBody>
+      </p:sp>
+      <p:sp>
+        <p:nvSpPr>
+          <p:cNvPr id="5" name="Rectangle 4">
+            <a:extLst>
+              <a:ext uri="{FF2B5EF4-FFF2-40B4-BE49-F238E27FC236}">
+                <a16:creationId xmlns:a16="http://schemas.microsoft.com/office/drawing/2014/main" id="{71F578EA-16E1-7C85-60C5-ABC91DDD1DB1}"/>
+              </a:ext>
+            </a:extLst>
+          </p:cNvPr>
+          <p:cNvSpPr/>
+          <p:nvPr/>
+        </p:nvSpPr>
+        <p:spPr>
+          <a:xfrm>
+            <a:off x="1435510" y="535862"/>
+            <a:ext cx="6263148" cy="845574"/>
+          </a:xfrm>
+          <a:prstGeom prst="rect">
+            <a:avLst/>
+          </a:prstGeom>
+          <a:noFill/>
+        </p:spPr>
+        <p:style>
+          <a:lnRef idx="2">
+            <a:schemeClr val="accent1">
+              <a:shade val="15000"/>
+            </a:schemeClr>
+          </a:lnRef>
+          <a:fillRef idx="1">
+            <a:schemeClr val="accent1"/>
+          </a:fillRef>
+          <a:effectRef idx="0">
+            <a:schemeClr val="accent1"/>
+          </a:effectRef>
+          <a:fontRef idx="minor">
+            <a:schemeClr val="lt1"/>
+          </a:fontRef>
+        </p:style>
+        <p:txBody>
+          <a:bodyPr rtlCol="0" anchor="ctr"/>
+          <a:lstStyle/>
+          <a:p>
+            <a:pPr algn="ctr"/>
+            <a:r>
+              <a:rPr lang="en-GB" dirty="0">
+                <a:solidFill>
+                  <a:schemeClr val="tx1"/>
+                </a:solidFill>
+              </a:rPr>
+              <a:t>Access Platform for Providers (APP)</a:t>
+            </a:r>
+            <a:endParaRPr lang="en-DE" dirty="0">
+              <a:solidFill>
+                <a:schemeClr val="tx1"/>
+              </a:solidFill>
+            </a:endParaRPr>
+          </a:p>
+        </p:txBody>
+      </p:sp>
+      <p:sp>
+        <p:nvSpPr>
+          <p:cNvPr id="6" name="Rectangle 5">
+            <a:extLst>
+              <a:ext uri="{FF2B5EF4-FFF2-40B4-BE49-F238E27FC236}">
+                <a16:creationId xmlns:a16="http://schemas.microsoft.com/office/drawing/2014/main" id="{CFF12197-8EAE-13FE-E097-0F943C60145E}"/>
+              </a:ext>
+            </a:extLst>
+          </p:cNvPr>
+          <p:cNvSpPr/>
+          <p:nvPr/>
+        </p:nvSpPr>
+        <p:spPr>
+          <a:xfrm>
+            <a:off x="2910349" y="1678859"/>
+            <a:ext cx="5879690" cy="717755"/>
+          </a:xfrm>
+          <a:prstGeom prst="rect">
+            <a:avLst/>
+          </a:prstGeom>
+          <a:noFill/>
+          <a:ln>
+            <a:noFill/>
+          </a:ln>
+        </p:spPr>
+        <p:style>
+          <a:lnRef idx="2">
+            <a:schemeClr val="accent1">
+              <a:shade val="15000"/>
+            </a:schemeClr>
+          </a:lnRef>
+          <a:fillRef idx="1">
+            <a:schemeClr val="accent1"/>
+          </a:fillRef>
+          <a:effectRef idx="0">
+            <a:schemeClr val="accent1"/>
+          </a:effectRef>
+          <a:fontRef idx="minor">
+            <a:schemeClr val="lt1"/>
+          </a:fontRef>
+        </p:style>
+        <p:txBody>
+          <a:bodyPr rtlCol="0" anchor="ctr"/>
+          <a:lstStyle/>
+          <a:p>
+            <a:pPr algn="ctr"/>
+            <a:r>
+              <a:rPr lang="en-GB" dirty="0">
+                <a:solidFill>
+                  <a:schemeClr val="tx1"/>
+                </a:solidFill>
+              </a:rPr>
+              <a:t>Employee profiles for Data Engineer</a:t>
+            </a:r>
+            <a:endParaRPr lang="en-DE" dirty="0">
+              <a:solidFill>
+                <a:schemeClr val="tx1"/>
+              </a:solidFill>
+            </a:endParaRPr>
+          </a:p>
+        </p:txBody>
+      </p:sp>
+      <p:sp>
+        <p:nvSpPr>
+          <p:cNvPr id="18" name="Rectangle 17">
+            <a:extLst>
+              <a:ext uri="{FF2B5EF4-FFF2-40B4-BE49-F238E27FC236}">
+                <a16:creationId xmlns:a16="http://schemas.microsoft.com/office/drawing/2014/main" id="{1B558F89-C260-579E-D2CD-379561C9C564}"/>
+              </a:ext>
+            </a:extLst>
+          </p:cNvPr>
+          <p:cNvSpPr/>
+          <p:nvPr/>
+        </p:nvSpPr>
+        <p:spPr>
+          <a:xfrm>
+            <a:off x="2128684" y="2733369"/>
+            <a:ext cx="2364658" cy="860321"/>
+          </a:xfrm>
+          <a:prstGeom prst="rect">
+            <a:avLst/>
+          </a:prstGeom>
+          <a:solidFill>
+            <a:schemeClr val="accent2">
+              <a:lumMod val="40000"/>
+              <a:lumOff val="60000"/>
+            </a:schemeClr>
+          </a:solidFill>
+          <a:ln>
+            <a:solidFill>
+              <a:schemeClr val="tx1"/>
+            </a:solidFill>
+          </a:ln>
+        </p:spPr>
+        <p:style>
+          <a:lnRef idx="2">
+            <a:schemeClr val="accent1">
+              <a:shade val="15000"/>
+            </a:schemeClr>
+          </a:lnRef>
+          <a:fillRef idx="1">
+            <a:schemeClr val="accent1"/>
+          </a:fillRef>
+          <a:effectRef idx="0">
+            <a:schemeClr val="accent1"/>
+          </a:effectRef>
+          <a:fontRef idx="minor">
+            <a:schemeClr val="lt1"/>
+          </a:fontRef>
+        </p:style>
+        <p:txBody>
+          <a:bodyPr rtlCol="0" anchor="ctr"/>
+          <a:lstStyle/>
+          <a:p>
+            <a:pPr algn="ctr"/>
+            <a:r>
+              <a:rPr lang="en-GB" dirty="0">
+                <a:solidFill>
+                  <a:schemeClr val="tx1"/>
+                </a:solidFill>
+              </a:rPr>
+              <a:t>DE 1 </a:t>
+            </a:r>
+            <a:endParaRPr lang="en-DE" dirty="0">
+              <a:solidFill>
+                <a:schemeClr val="tx1"/>
+              </a:solidFill>
+            </a:endParaRPr>
+          </a:p>
+        </p:txBody>
+      </p:sp>
+      <p:sp>
+        <p:nvSpPr>
+          <p:cNvPr id="2" name="Oval 1">
+            <a:extLst>
+              <a:ext uri="{FF2B5EF4-FFF2-40B4-BE49-F238E27FC236}">
+                <a16:creationId xmlns:a16="http://schemas.microsoft.com/office/drawing/2014/main" id="{F9340B88-C887-8428-3433-24CAB9ADF8D9}"/>
+              </a:ext>
+            </a:extLst>
+          </p:cNvPr>
+          <p:cNvSpPr/>
+          <p:nvPr/>
+        </p:nvSpPr>
+        <p:spPr>
+          <a:xfrm>
+            <a:off x="9969910" y="575182"/>
+            <a:ext cx="698090" cy="693179"/>
+          </a:xfrm>
+          <a:prstGeom prst="ellipse">
+            <a:avLst/>
+          </a:prstGeom>
+          <a:noFill/>
+          <a:ln>
+            <a:solidFill>
+              <a:schemeClr val="tx1"/>
+            </a:solidFill>
+          </a:ln>
+        </p:spPr>
+        <p:style>
+          <a:lnRef idx="2">
+            <a:schemeClr val="accent1">
+              <a:shade val="15000"/>
+            </a:schemeClr>
+          </a:lnRef>
+          <a:fillRef idx="1">
+            <a:schemeClr val="accent1"/>
+          </a:fillRef>
+          <a:effectRef idx="0">
+            <a:schemeClr val="accent1"/>
+          </a:effectRef>
+          <a:fontRef idx="minor">
+            <a:schemeClr val="lt1"/>
+          </a:fontRef>
+        </p:style>
+        <p:txBody>
+          <a:bodyPr rtlCol="0" anchor="ctr"/>
+          <a:lstStyle/>
+          <a:p>
+            <a:pPr algn="ctr"/>
+            <a:r>
+              <a:rPr lang="en-GB" dirty="0">
+                <a:solidFill>
+                  <a:schemeClr val="tx1"/>
+                </a:solidFill>
+              </a:rPr>
+              <a:t>A2</a:t>
+            </a:r>
+            <a:endParaRPr lang="en-DE" dirty="0">
+              <a:solidFill>
+                <a:schemeClr val="tx1"/>
+              </a:solidFill>
+            </a:endParaRPr>
+          </a:p>
+        </p:txBody>
+      </p:sp>
+      <p:sp>
+        <p:nvSpPr>
+          <p:cNvPr id="9" name="Rectangle 8">
+            <a:extLst>
+              <a:ext uri="{FF2B5EF4-FFF2-40B4-BE49-F238E27FC236}">
+                <a16:creationId xmlns:a16="http://schemas.microsoft.com/office/drawing/2014/main" id="{8D22B5F8-5D03-3991-ACAB-70AF56A4A63D}"/>
+              </a:ext>
+            </a:extLst>
+          </p:cNvPr>
+          <p:cNvSpPr/>
+          <p:nvPr/>
+        </p:nvSpPr>
+        <p:spPr>
+          <a:xfrm>
+            <a:off x="6169742" y="4316362"/>
+            <a:ext cx="2364658" cy="860321"/>
+          </a:xfrm>
+          <a:prstGeom prst="rect">
+            <a:avLst/>
+          </a:prstGeom>
+          <a:solidFill>
+            <a:schemeClr val="accent2">
+              <a:lumMod val="40000"/>
+              <a:lumOff val="60000"/>
+            </a:schemeClr>
+          </a:solidFill>
+          <a:ln>
+            <a:solidFill>
+              <a:schemeClr val="tx1"/>
+            </a:solidFill>
+          </a:ln>
+        </p:spPr>
+        <p:style>
+          <a:lnRef idx="2">
+            <a:schemeClr val="accent1">
+              <a:shade val="15000"/>
+            </a:schemeClr>
+          </a:lnRef>
+          <a:fillRef idx="1">
+            <a:schemeClr val="accent1"/>
+          </a:fillRef>
+          <a:effectRef idx="0">
+            <a:schemeClr val="accent1"/>
+          </a:effectRef>
+          <a:fontRef idx="minor">
+            <a:schemeClr val="lt1"/>
+          </a:fontRef>
+        </p:style>
+        <p:txBody>
+          <a:bodyPr rtlCol="0" anchor="ctr"/>
+          <a:lstStyle/>
+          <a:p>
+            <a:pPr algn="ctr"/>
+            <a:r>
+              <a:rPr lang="en-GB" dirty="0">
+                <a:solidFill>
+                  <a:schemeClr val="tx1"/>
+                </a:solidFill>
+              </a:rPr>
+              <a:t>DE 5</a:t>
+            </a:r>
+            <a:endParaRPr lang="en-DE" dirty="0">
+              <a:solidFill>
+                <a:schemeClr val="tx1"/>
+              </a:solidFill>
+            </a:endParaRPr>
+          </a:p>
+        </p:txBody>
+      </p:sp>
+      <p:sp>
+        <p:nvSpPr>
+          <p:cNvPr id="10" name="Rectangle 9">
+            <a:extLst>
+              <a:ext uri="{FF2B5EF4-FFF2-40B4-BE49-F238E27FC236}">
+                <a16:creationId xmlns:a16="http://schemas.microsoft.com/office/drawing/2014/main" id="{118A6B11-659C-1BCF-9F21-720A6DA6F1C2}"/>
+              </a:ext>
+            </a:extLst>
+          </p:cNvPr>
+          <p:cNvSpPr/>
+          <p:nvPr/>
+        </p:nvSpPr>
+        <p:spPr>
+          <a:xfrm>
+            <a:off x="3311013" y="4316362"/>
+            <a:ext cx="2364658" cy="860321"/>
+          </a:xfrm>
+          <a:prstGeom prst="rect">
+            <a:avLst/>
+          </a:prstGeom>
+          <a:solidFill>
+            <a:schemeClr val="accent2">
+              <a:lumMod val="40000"/>
+              <a:lumOff val="60000"/>
+            </a:schemeClr>
+          </a:solidFill>
+          <a:ln>
+            <a:solidFill>
+              <a:schemeClr val="tx1"/>
+            </a:solidFill>
+          </a:ln>
+        </p:spPr>
+        <p:style>
+          <a:lnRef idx="2">
+            <a:schemeClr val="accent1">
+              <a:shade val="15000"/>
+            </a:schemeClr>
+          </a:lnRef>
+          <a:fillRef idx="1">
+            <a:schemeClr val="accent1"/>
+          </a:fillRef>
+          <a:effectRef idx="0">
+            <a:schemeClr val="accent1"/>
+          </a:effectRef>
+          <a:fontRef idx="minor">
+            <a:schemeClr val="lt1"/>
+          </a:fontRef>
+        </p:style>
+        <p:txBody>
+          <a:bodyPr rtlCol="0" anchor="ctr"/>
+          <a:lstStyle/>
+          <a:p>
+            <a:pPr algn="ctr"/>
+            <a:r>
+              <a:rPr lang="en-GB" dirty="0">
+                <a:solidFill>
+                  <a:schemeClr val="tx1"/>
+                </a:solidFill>
+              </a:rPr>
+              <a:t>DE 4</a:t>
+            </a:r>
+            <a:endParaRPr lang="en-DE" dirty="0">
+              <a:solidFill>
+                <a:schemeClr val="tx1"/>
+              </a:solidFill>
+            </a:endParaRPr>
+          </a:p>
+        </p:txBody>
+      </p:sp>
+      <p:sp>
+        <p:nvSpPr>
+          <p:cNvPr id="11" name="Rectangle 10">
+            <a:extLst>
+              <a:ext uri="{FF2B5EF4-FFF2-40B4-BE49-F238E27FC236}">
+                <a16:creationId xmlns:a16="http://schemas.microsoft.com/office/drawing/2014/main" id="{E9045F7A-480D-E809-FF46-D60E196CF9A8}"/>
+              </a:ext>
+            </a:extLst>
+          </p:cNvPr>
+          <p:cNvSpPr/>
+          <p:nvPr/>
+        </p:nvSpPr>
+        <p:spPr>
+          <a:xfrm>
+            <a:off x="4894006" y="2733369"/>
+            <a:ext cx="2364658" cy="860321"/>
+          </a:xfrm>
+          <a:prstGeom prst="rect">
+            <a:avLst/>
+          </a:prstGeom>
+          <a:solidFill>
+            <a:schemeClr val="accent2">
+              <a:lumMod val="40000"/>
+              <a:lumOff val="60000"/>
+            </a:schemeClr>
+          </a:solidFill>
+          <a:ln>
+            <a:solidFill>
+              <a:schemeClr val="tx1"/>
+            </a:solidFill>
+          </a:ln>
+        </p:spPr>
+        <p:style>
+          <a:lnRef idx="2">
+            <a:schemeClr val="accent1">
+              <a:shade val="15000"/>
+            </a:schemeClr>
+          </a:lnRef>
+          <a:fillRef idx="1">
+            <a:schemeClr val="accent1"/>
+          </a:fillRef>
+          <a:effectRef idx="0">
+            <a:schemeClr val="accent1"/>
+          </a:effectRef>
+          <a:fontRef idx="minor">
+            <a:schemeClr val="lt1"/>
+          </a:fontRef>
+        </p:style>
+        <p:txBody>
+          <a:bodyPr rtlCol="0" anchor="ctr"/>
+          <a:lstStyle/>
+          <a:p>
+            <a:pPr algn="ctr"/>
+            <a:r>
+              <a:rPr lang="en-GB" dirty="0">
+                <a:solidFill>
+                  <a:schemeClr val="tx1"/>
+                </a:solidFill>
+              </a:rPr>
+              <a:t>DE 2</a:t>
+            </a:r>
+            <a:endParaRPr lang="en-DE" dirty="0">
+              <a:solidFill>
+                <a:schemeClr val="tx1"/>
+              </a:solidFill>
+            </a:endParaRPr>
+          </a:p>
+        </p:txBody>
+      </p:sp>
+      <p:sp>
+        <p:nvSpPr>
+          <p:cNvPr id="12" name="Rectangle 11">
+            <a:extLst>
+              <a:ext uri="{FF2B5EF4-FFF2-40B4-BE49-F238E27FC236}">
+                <a16:creationId xmlns:a16="http://schemas.microsoft.com/office/drawing/2014/main" id="{08C9AE97-7CA6-B25A-BCD6-08F06E2FDA20}"/>
+              </a:ext>
+            </a:extLst>
+          </p:cNvPr>
+          <p:cNvSpPr/>
+          <p:nvPr/>
+        </p:nvSpPr>
+        <p:spPr>
+          <a:xfrm>
+            <a:off x="7509387" y="2710021"/>
+            <a:ext cx="2364658" cy="860321"/>
+          </a:xfrm>
+          <a:prstGeom prst="rect">
+            <a:avLst/>
+          </a:prstGeom>
+          <a:solidFill>
+            <a:schemeClr val="accent2">
+              <a:lumMod val="40000"/>
+              <a:lumOff val="60000"/>
+            </a:schemeClr>
+          </a:solidFill>
+          <a:ln>
+            <a:solidFill>
+              <a:schemeClr val="tx1"/>
+            </a:solidFill>
+          </a:ln>
+        </p:spPr>
+        <p:style>
+          <a:lnRef idx="2">
+            <a:schemeClr val="accent1">
+              <a:shade val="15000"/>
+            </a:schemeClr>
+          </a:lnRef>
+          <a:fillRef idx="1">
+            <a:schemeClr val="accent1"/>
+          </a:fillRef>
+          <a:effectRef idx="0">
+            <a:schemeClr val="accent1"/>
+          </a:effectRef>
+          <a:fontRef idx="minor">
+            <a:schemeClr val="lt1"/>
+          </a:fontRef>
+        </p:style>
+        <p:txBody>
+          <a:bodyPr rtlCol="0" anchor="ctr"/>
+          <a:lstStyle/>
+          <a:p>
+            <a:pPr algn="ctr"/>
+            <a:r>
+              <a:rPr lang="en-GB" dirty="0">
+                <a:solidFill>
+                  <a:schemeClr val="tx1"/>
+                </a:solidFill>
+              </a:rPr>
+              <a:t>DE 3</a:t>
+            </a:r>
+            <a:endParaRPr lang="en-DE" dirty="0">
+              <a:solidFill>
+                <a:schemeClr val="tx1"/>
+              </a:solidFill>
+            </a:endParaRPr>
+          </a:p>
+        </p:txBody>
+      </p:sp>
+      <p:sp>
+        <p:nvSpPr>
+          <p:cNvPr id="13" name="Rectangle: Rounded Corners 12">
+            <a:extLst>
+              <a:ext uri="{FF2B5EF4-FFF2-40B4-BE49-F238E27FC236}">
+                <a16:creationId xmlns:a16="http://schemas.microsoft.com/office/drawing/2014/main" id="{DD3812BB-18B4-DF26-6112-E056892460C7}"/>
+              </a:ext>
+            </a:extLst>
+          </p:cNvPr>
+          <p:cNvSpPr/>
+          <p:nvPr/>
+        </p:nvSpPr>
+        <p:spPr>
+          <a:xfrm>
+            <a:off x="9144000" y="5673213"/>
+            <a:ext cx="1524000" cy="452284"/>
+          </a:xfrm>
+          <a:prstGeom prst="roundRect">
+            <a:avLst/>
+          </a:prstGeom>
+          <a:solidFill>
+            <a:schemeClr val="tx2">
+              <a:lumMod val="20000"/>
+              <a:lumOff val="80000"/>
+            </a:schemeClr>
+          </a:solidFill>
+        </p:spPr>
+        <p:style>
+          <a:lnRef idx="2">
+            <a:schemeClr val="accent1">
+              <a:shade val="15000"/>
+            </a:schemeClr>
+          </a:lnRef>
+          <a:fillRef idx="1">
+            <a:schemeClr val="accent1"/>
+          </a:fillRef>
+          <a:effectRef idx="0">
+            <a:schemeClr val="accent1"/>
+          </a:effectRef>
+          <a:fontRef idx="minor">
+            <a:schemeClr val="lt1"/>
+          </a:fontRef>
+        </p:style>
+        <p:txBody>
+          <a:bodyPr rtlCol="0" anchor="ctr"/>
+          <a:lstStyle/>
+          <a:p>
+            <a:pPr algn="ctr"/>
+            <a:r>
+              <a:rPr lang="en-GB" dirty="0">
+                <a:solidFill>
+                  <a:schemeClr val="tx1"/>
+                </a:solidFill>
+                <a:highlight>
+                  <a:srgbClr val="00FF00"/>
+                </a:highlight>
+              </a:rPr>
+              <a:t>Future-X</a:t>
+            </a:r>
+            <a:endParaRPr lang="en-DE" dirty="0">
+              <a:solidFill>
+                <a:schemeClr val="tx1"/>
+              </a:solidFill>
+              <a:highlight>
+                <a:srgbClr val="00FF00"/>
+              </a:highlight>
+            </a:endParaRPr>
+          </a:p>
+        </p:txBody>
+      </p:sp>
+    </p:spTree>
+    <p:extLst>
+      <p:ext uri="{BB962C8B-B14F-4D97-AF65-F5344CB8AC3E}">
+        <p14:creationId xmlns:p14="http://schemas.microsoft.com/office/powerpoint/2010/main" val="3328253918"/>
+      </p:ext>
+    </p:extLst>
+  </p:cSld>
+  <p:clrMapOvr>
+    <a:masterClrMapping/>
+  </p:clrMapOvr>
+</p:sld>
+</file>
+
+<file path=ppt/slides/slide6.xml><?xml version="1.0" encoding="utf-8"?>
+<p:sld xmlns:a="http://schemas.openxmlformats.org/drawingml/2006/main" xmlns:r="http://schemas.openxmlformats.org/officeDocument/2006/relationships" xmlns:p="http://schemas.openxmlformats.org/presentationml/2006/main">
+  <p:cSld>
+    <p:spTree>
+      <p:nvGrpSpPr>
+        <p:cNvPr id="1" name=""/>
+        <p:cNvGrpSpPr/>
+        <p:nvPr/>
+      </p:nvGrpSpPr>
+      <p:grpSpPr>
+        <a:xfrm>
+          <a:off x="0" y="0"/>
+          <a:ext cx="0" cy="0"/>
+          <a:chOff x="0" y="0"/>
+          <a:chExt cx="0" cy="0"/>
+        </a:xfrm>
+      </p:grpSpPr>
+      <p:sp>
+        <p:nvSpPr>
+          <p:cNvPr id="3" name="Rectangle 2">
+            <a:extLst>
+              <a:ext uri="{FF2B5EF4-FFF2-40B4-BE49-F238E27FC236}">
+                <a16:creationId xmlns:a16="http://schemas.microsoft.com/office/drawing/2014/main" id="{581799DD-DB57-E566-DF79-2564636FD320}"/>
+              </a:ext>
+            </a:extLst>
+          </p:cNvPr>
+          <p:cNvSpPr/>
+          <p:nvPr/>
+        </p:nvSpPr>
+        <p:spPr>
+          <a:xfrm>
+            <a:off x="1396181" y="491613"/>
+            <a:ext cx="9360309" cy="5712542"/>
+          </a:xfrm>
+          <a:prstGeom prst="rect">
+            <a:avLst/>
+          </a:prstGeom>
+          <a:noFill/>
+          <a:ln>
+            <a:solidFill>
+              <a:schemeClr val="tx1"/>
+            </a:solidFill>
+          </a:ln>
+        </p:spPr>
+        <p:style>
+          <a:lnRef idx="2">
+            <a:schemeClr val="accent1">
+              <a:shade val="15000"/>
+            </a:schemeClr>
+          </a:lnRef>
+          <a:fillRef idx="1">
+            <a:schemeClr val="accent1"/>
+          </a:fillRef>
+          <a:effectRef idx="0">
+            <a:schemeClr val="accent1"/>
+          </a:effectRef>
+          <a:fontRef idx="minor">
+            <a:schemeClr val="lt1"/>
+          </a:fontRef>
+        </p:style>
+        <p:txBody>
+          <a:bodyPr rtlCol="0" anchor="ctr"/>
+          <a:lstStyle/>
+          <a:p>
+            <a:pPr algn="ctr"/>
+            <a:endParaRPr lang="en-DE" dirty="0">
+              <a:solidFill>
+                <a:schemeClr val="tx1"/>
+              </a:solidFill>
+            </a:endParaRPr>
+          </a:p>
+        </p:txBody>
+      </p:sp>
+      <p:sp>
+        <p:nvSpPr>
+          <p:cNvPr id="5" name="Rectangle 4">
+            <a:extLst>
+              <a:ext uri="{FF2B5EF4-FFF2-40B4-BE49-F238E27FC236}">
+                <a16:creationId xmlns:a16="http://schemas.microsoft.com/office/drawing/2014/main" id="{71F578EA-16E1-7C85-60C5-ABC91DDD1DB1}"/>
+              </a:ext>
+            </a:extLst>
+          </p:cNvPr>
+          <p:cNvSpPr/>
+          <p:nvPr/>
+        </p:nvSpPr>
+        <p:spPr>
+          <a:xfrm>
+            <a:off x="1435510" y="535862"/>
+            <a:ext cx="6263148" cy="845574"/>
+          </a:xfrm>
+          <a:prstGeom prst="rect">
+            <a:avLst/>
+          </a:prstGeom>
+          <a:noFill/>
+        </p:spPr>
+        <p:style>
+          <a:lnRef idx="2">
+            <a:schemeClr val="accent1">
+              <a:shade val="15000"/>
+            </a:schemeClr>
+          </a:lnRef>
+          <a:fillRef idx="1">
+            <a:schemeClr val="accent1"/>
+          </a:fillRef>
+          <a:effectRef idx="0">
+            <a:schemeClr val="accent1"/>
+          </a:effectRef>
+          <a:fontRef idx="minor">
+            <a:schemeClr val="lt1"/>
+          </a:fontRef>
+        </p:style>
+        <p:txBody>
+          <a:bodyPr rtlCol="0" anchor="ctr"/>
+          <a:lstStyle/>
+          <a:p>
+            <a:pPr algn="ctr"/>
+            <a:r>
+              <a:rPr lang="en-GB" dirty="0">
+                <a:solidFill>
+                  <a:schemeClr val="tx1"/>
+                </a:solidFill>
+              </a:rPr>
+              <a:t>Access Platform for Providers (APP)</a:t>
+            </a:r>
+            <a:endParaRPr lang="en-DE" dirty="0">
+              <a:solidFill>
+                <a:schemeClr val="tx1"/>
+              </a:solidFill>
+            </a:endParaRPr>
+          </a:p>
+        </p:txBody>
+      </p:sp>
+      <p:sp>
+        <p:nvSpPr>
+          <p:cNvPr id="18" name="Rectangle 17">
+            <a:extLst>
+              <a:ext uri="{FF2B5EF4-FFF2-40B4-BE49-F238E27FC236}">
+                <a16:creationId xmlns:a16="http://schemas.microsoft.com/office/drawing/2014/main" id="{1B558F89-C260-579E-D2CD-379561C9C564}"/>
+              </a:ext>
+            </a:extLst>
+          </p:cNvPr>
+          <p:cNvSpPr/>
+          <p:nvPr/>
+        </p:nvSpPr>
+        <p:spPr>
+          <a:xfrm>
+            <a:off x="4894006" y="1897628"/>
+            <a:ext cx="2364658" cy="3790335"/>
+          </a:xfrm>
+          <a:prstGeom prst="rect">
+            <a:avLst/>
+          </a:prstGeom>
+          <a:solidFill>
+            <a:schemeClr val="accent2">
+              <a:lumMod val="40000"/>
+              <a:lumOff val="60000"/>
+            </a:schemeClr>
+          </a:solidFill>
+          <a:ln>
+            <a:solidFill>
+              <a:schemeClr val="tx1"/>
+            </a:solidFill>
+          </a:ln>
+        </p:spPr>
+        <p:style>
+          <a:lnRef idx="2">
+            <a:schemeClr val="accent1">
+              <a:shade val="15000"/>
+            </a:schemeClr>
+          </a:lnRef>
+          <a:fillRef idx="1">
+            <a:schemeClr val="accent1"/>
+          </a:fillRef>
+          <a:effectRef idx="0">
+            <a:schemeClr val="accent1"/>
+          </a:effectRef>
+          <a:fontRef idx="minor">
+            <a:schemeClr val="lt1"/>
+          </a:fontRef>
+        </p:style>
+        <p:txBody>
+          <a:bodyPr rtlCol="0" anchor="ctr"/>
+          <a:lstStyle/>
+          <a:p>
+            <a:pPr algn="ctr"/>
+            <a:r>
+              <a:rPr lang="en-GB" dirty="0">
+                <a:solidFill>
+                  <a:schemeClr val="tx1"/>
+                </a:solidFill>
+              </a:rPr>
+              <a:t>Employee profile of </a:t>
+            </a:r>
+          </a:p>
+          <a:p>
+            <a:pPr algn="ctr"/>
+            <a:r>
+              <a:rPr lang="en-GB" dirty="0">
+                <a:solidFill>
+                  <a:schemeClr val="tx1"/>
+                </a:solidFill>
+              </a:rPr>
+              <a:t>DE 1</a:t>
+            </a:r>
+            <a:endParaRPr lang="en-DE" dirty="0">
+              <a:solidFill>
+                <a:schemeClr val="tx1"/>
+              </a:solidFill>
+            </a:endParaRPr>
+          </a:p>
+        </p:txBody>
+      </p:sp>
+      <p:sp>
+        <p:nvSpPr>
+          <p:cNvPr id="2" name="Oval 1">
+            <a:extLst>
+              <a:ext uri="{FF2B5EF4-FFF2-40B4-BE49-F238E27FC236}">
+                <a16:creationId xmlns:a16="http://schemas.microsoft.com/office/drawing/2014/main" id="{F9340B88-C887-8428-3433-24CAB9ADF8D9}"/>
+              </a:ext>
+            </a:extLst>
+          </p:cNvPr>
+          <p:cNvSpPr/>
+          <p:nvPr/>
+        </p:nvSpPr>
+        <p:spPr>
+          <a:xfrm>
+            <a:off x="9969910" y="575182"/>
+            <a:ext cx="698090" cy="693179"/>
+          </a:xfrm>
+          <a:prstGeom prst="ellipse">
+            <a:avLst/>
+          </a:prstGeom>
+          <a:noFill/>
+          <a:ln>
+            <a:solidFill>
+              <a:schemeClr val="tx1"/>
+            </a:solidFill>
+          </a:ln>
+        </p:spPr>
+        <p:style>
+          <a:lnRef idx="2">
+            <a:schemeClr val="accent1">
+              <a:shade val="15000"/>
+            </a:schemeClr>
+          </a:lnRef>
+          <a:fillRef idx="1">
+            <a:schemeClr val="accent1"/>
+          </a:fillRef>
+          <a:effectRef idx="0">
+            <a:schemeClr val="accent1"/>
+          </a:effectRef>
+          <a:fontRef idx="minor">
+            <a:schemeClr val="lt1"/>
+          </a:fontRef>
+        </p:style>
+        <p:txBody>
+          <a:bodyPr rtlCol="0" anchor="ctr"/>
+          <a:lstStyle/>
+          <a:p>
+            <a:pPr algn="ctr"/>
+            <a:r>
+              <a:rPr lang="en-GB" dirty="0">
+                <a:solidFill>
+                  <a:schemeClr val="tx1"/>
+                </a:solidFill>
+              </a:rPr>
+              <a:t>A2</a:t>
+            </a:r>
+            <a:endParaRPr lang="en-DE" dirty="0">
+              <a:solidFill>
+                <a:schemeClr val="tx1"/>
+              </a:solidFill>
+            </a:endParaRPr>
+          </a:p>
+        </p:txBody>
+      </p:sp>
+      <p:sp>
+        <p:nvSpPr>
+          <p:cNvPr id="4" name="Rectangle: Rounded Corners 3">
+            <a:extLst>
+              <a:ext uri="{FF2B5EF4-FFF2-40B4-BE49-F238E27FC236}">
+                <a16:creationId xmlns:a16="http://schemas.microsoft.com/office/drawing/2014/main" id="{E06D188A-8FD9-BCA3-3ED3-AE81FF0C515C}"/>
+              </a:ext>
+            </a:extLst>
+          </p:cNvPr>
+          <p:cNvSpPr/>
+          <p:nvPr/>
+        </p:nvSpPr>
+        <p:spPr>
+          <a:xfrm>
+            <a:off x="9144000" y="5673213"/>
+            <a:ext cx="1524000" cy="452284"/>
+          </a:xfrm>
+          <a:prstGeom prst="roundRect">
+            <a:avLst/>
+          </a:prstGeom>
+          <a:solidFill>
+            <a:schemeClr val="tx2">
+              <a:lumMod val="20000"/>
+              <a:lumOff val="80000"/>
+            </a:schemeClr>
+          </a:solidFill>
+        </p:spPr>
+        <p:style>
+          <a:lnRef idx="2">
+            <a:schemeClr val="accent1">
+              <a:shade val="15000"/>
+            </a:schemeClr>
+          </a:lnRef>
+          <a:fillRef idx="1">
+            <a:schemeClr val="accent1"/>
+          </a:fillRef>
+          <a:effectRef idx="0">
+            <a:schemeClr val="accent1"/>
+          </a:effectRef>
+          <a:fontRef idx="minor">
+            <a:schemeClr val="lt1"/>
+          </a:fontRef>
+        </p:style>
+        <p:txBody>
+          <a:bodyPr rtlCol="0" anchor="ctr"/>
+          <a:lstStyle/>
+          <a:p>
+            <a:pPr algn="ctr"/>
+            <a:r>
+              <a:rPr lang="en-GB" dirty="0">
+                <a:solidFill>
+                  <a:schemeClr val="tx1"/>
+                </a:solidFill>
+                <a:highlight>
+                  <a:srgbClr val="00FF00"/>
+                </a:highlight>
+              </a:rPr>
+              <a:t>Future-X</a:t>
+            </a:r>
+            <a:endParaRPr lang="en-DE" dirty="0">
+              <a:solidFill>
+                <a:schemeClr val="tx1"/>
+              </a:solidFill>
+              <a:highlight>
+                <a:srgbClr val="00FF00"/>
+              </a:highlight>
+            </a:endParaRPr>
+          </a:p>
+        </p:txBody>
+      </p:sp>
+    </p:spTree>
+    <p:extLst>
+      <p:ext uri="{BB962C8B-B14F-4D97-AF65-F5344CB8AC3E}">
+        <p14:creationId xmlns:p14="http://schemas.microsoft.com/office/powerpoint/2010/main" val="1534461932"/>
+      </p:ext>
+    </p:extLst>
+  </p:cSld>
+  <p:clrMapOvr>
+    <a:masterClrMapping/>
+  </p:clrMapOvr>
+</p:sld>
+</file>
+
+<file path=ppt/slides/slide7.xml><?xml version="1.0" encoding="utf-8"?>
+<p:sld xmlns:a="http://schemas.openxmlformats.org/drawingml/2006/main" xmlns:r="http://schemas.openxmlformats.org/officeDocument/2006/relationships" xmlns:p="http://schemas.openxmlformats.org/presentationml/2006/main">
+  <p:cSld>
+    <p:spTree>
+      <p:nvGrpSpPr>
+        <p:cNvPr id="1" name=""/>
+        <p:cNvGrpSpPr/>
+        <p:nvPr/>
+      </p:nvGrpSpPr>
+      <p:grpSpPr>
+        <a:xfrm>
+          <a:off x="0" y="0"/>
+          <a:ext cx="0" cy="0"/>
+          <a:chOff x="0" y="0"/>
+          <a:chExt cx="0" cy="0"/>
+        </a:xfrm>
+      </p:grpSpPr>
+      <p:sp>
+        <p:nvSpPr>
+          <p:cNvPr id="3" name="Rectangle 2">
+            <a:extLst>
+              <a:ext uri="{FF2B5EF4-FFF2-40B4-BE49-F238E27FC236}">
+                <a16:creationId xmlns:a16="http://schemas.microsoft.com/office/drawing/2014/main" id="{581799DD-DB57-E566-DF79-2564636FD320}"/>
+              </a:ext>
+            </a:extLst>
+          </p:cNvPr>
+          <p:cNvSpPr/>
+          <p:nvPr/>
+        </p:nvSpPr>
+        <p:spPr>
+          <a:xfrm>
+            <a:off x="1396181" y="491613"/>
+            <a:ext cx="9360309" cy="5712542"/>
+          </a:xfrm>
+          <a:prstGeom prst="rect">
+            <a:avLst/>
+          </a:prstGeom>
+          <a:noFill/>
+          <a:ln>
+            <a:solidFill>
+              <a:schemeClr val="tx1"/>
+            </a:solidFill>
+          </a:ln>
+        </p:spPr>
+        <p:style>
+          <a:lnRef idx="2">
+            <a:schemeClr val="accent1">
+              <a:shade val="15000"/>
+            </a:schemeClr>
+          </a:lnRef>
+          <a:fillRef idx="1">
+            <a:schemeClr val="accent1"/>
+          </a:fillRef>
+          <a:effectRef idx="0">
+            <a:schemeClr val="accent1"/>
+          </a:effectRef>
+          <a:fontRef idx="minor">
+            <a:schemeClr val="lt1"/>
+          </a:fontRef>
+        </p:style>
+        <p:txBody>
+          <a:bodyPr rtlCol="0" anchor="ctr"/>
+          <a:lstStyle/>
+          <a:p>
+            <a:pPr algn="ctr"/>
+            <a:endParaRPr lang="en-DE" dirty="0">
+              <a:solidFill>
+                <a:schemeClr val="tx1"/>
+              </a:solidFill>
+            </a:endParaRPr>
+          </a:p>
+        </p:txBody>
+      </p:sp>
+      <p:sp>
+        <p:nvSpPr>
+          <p:cNvPr id="5" name="Rectangle 4">
+            <a:extLst>
+              <a:ext uri="{FF2B5EF4-FFF2-40B4-BE49-F238E27FC236}">
+                <a16:creationId xmlns:a16="http://schemas.microsoft.com/office/drawing/2014/main" id="{71F578EA-16E1-7C85-60C5-ABC91DDD1DB1}"/>
+              </a:ext>
+            </a:extLst>
+          </p:cNvPr>
+          <p:cNvSpPr/>
+          <p:nvPr/>
+        </p:nvSpPr>
+        <p:spPr>
+          <a:xfrm>
+            <a:off x="1435510" y="535862"/>
+            <a:ext cx="6263148" cy="845574"/>
+          </a:xfrm>
+          <a:prstGeom prst="rect">
+            <a:avLst/>
+          </a:prstGeom>
+          <a:noFill/>
+        </p:spPr>
+        <p:style>
+          <a:lnRef idx="2">
+            <a:schemeClr val="accent1">
+              <a:shade val="15000"/>
+            </a:schemeClr>
+          </a:lnRef>
+          <a:fillRef idx="1">
+            <a:schemeClr val="accent1"/>
+          </a:fillRef>
+          <a:effectRef idx="0">
+            <a:schemeClr val="accent1"/>
+          </a:effectRef>
+          <a:fontRef idx="minor">
+            <a:schemeClr val="lt1"/>
+          </a:fontRef>
+        </p:style>
+        <p:txBody>
+          <a:bodyPr rtlCol="0" anchor="ctr"/>
+          <a:lstStyle/>
+          <a:p>
+            <a:pPr algn="ctr"/>
+            <a:r>
+              <a:rPr lang="en-GB" dirty="0">
+                <a:solidFill>
+                  <a:schemeClr val="tx1"/>
+                </a:solidFill>
+              </a:rPr>
+              <a:t>Welcome to Access Platform for Providers (APP)</a:t>
+            </a:r>
+            <a:endParaRPr lang="en-DE" dirty="0">
+              <a:solidFill>
+                <a:schemeClr val="tx1"/>
+              </a:solidFill>
+            </a:endParaRPr>
+          </a:p>
+        </p:txBody>
+      </p:sp>
+      <p:sp>
+        <p:nvSpPr>
+          <p:cNvPr id="18" name="Rectangle 17">
+            <a:extLst>
+              <a:ext uri="{FF2B5EF4-FFF2-40B4-BE49-F238E27FC236}">
+                <a16:creationId xmlns:a16="http://schemas.microsoft.com/office/drawing/2014/main" id="{1B558F89-C260-579E-D2CD-379561C9C564}"/>
+              </a:ext>
+            </a:extLst>
+          </p:cNvPr>
+          <p:cNvSpPr/>
+          <p:nvPr/>
+        </p:nvSpPr>
+        <p:spPr>
+          <a:xfrm>
+            <a:off x="2964426" y="2282929"/>
+            <a:ext cx="6263148" cy="2375717"/>
+          </a:xfrm>
+          <a:prstGeom prst="rect">
+            <a:avLst/>
+          </a:prstGeom>
+          <a:solidFill>
+            <a:schemeClr val="accent2">
+              <a:lumMod val="40000"/>
+              <a:lumOff val="60000"/>
+            </a:schemeClr>
+          </a:solidFill>
+          <a:ln>
+            <a:solidFill>
+              <a:schemeClr val="tx1"/>
+            </a:solidFill>
+          </a:ln>
+        </p:spPr>
+        <p:style>
+          <a:lnRef idx="2">
+            <a:schemeClr val="accent1">
+              <a:shade val="15000"/>
+            </a:schemeClr>
+          </a:lnRef>
+          <a:fillRef idx="1">
+            <a:schemeClr val="accent1"/>
+          </a:fillRef>
+          <a:effectRef idx="0">
+            <a:schemeClr val="accent1"/>
+          </a:effectRef>
+          <a:fontRef idx="minor">
+            <a:schemeClr val="lt1"/>
+          </a:fontRef>
+        </p:style>
+        <p:txBody>
+          <a:bodyPr rtlCol="0" anchor="ctr"/>
+          <a:lstStyle/>
+          <a:p>
+            <a:pPr algn="ctr"/>
+            <a:r>
+              <a:rPr lang="en-GB" dirty="0">
+                <a:solidFill>
+                  <a:schemeClr val="tx1"/>
+                </a:solidFill>
+              </a:rPr>
+              <a:t>User Management Services</a:t>
+            </a:r>
+            <a:endParaRPr lang="en-DE" dirty="0">
+              <a:solidFill>
+                <a:schemeClr val="tx1"/>
+              </a:solidFill>
+            </a:endParaRPr>
+          </a:p>
+        </p:txBody>
+      </p:sp>
+      <p:sp>
+        <p:nvSpPr>
+          <p:cNvPr id="2" name="Oval 1">
+            <a:extLst>
+              <a:ext uri="{FF2B5EF4-FFF2-40B4-BE49-F238E27FC236}">
+                <a16:creationId xmlns:a16="http://schemas.microsoft.com/office/drawing/2014/main" id="{F9340B88-C887-8428-3433-24CAB9ADF8D9}"/>
+              </a:ext>
+            </a:extLst>
+          </p:cNvPr>
+          <p:cNvSpPr/>
+          <p:nvPr/>
+        </p:nvSpPr>
+        <p:spPr>
+          <a:xfrm>
+            <a:off x="9969910" y="575182"/>
+            <a:ext cx="698090" cy="693179"/>
+          </a:xfrm>
+          <a:prstGeom prst="ellipse">
+            <a:avLst/>
+          </a:prstGeom>
+          <a:solidFill>
+            <a:schemeClr val="tx1">
+              <a:lumMod val="50000"/>
+              <a:lumOff val="50000"/>
+            </a:schemeClr>
+          </a:solidFill>
+          <a:ln>
+            <a:solidFill>
+              <a:schemeClr val="tx1"/>
+            </a:solidFill>
+          </a:ln>
+        </p:spPr>
+        <p:style>
+          <a:lnRef idx="2">
+            <a:schemeClr val="accent1">
+              <a:shade val="15000"/>
+            </a:schemeClr>
+          </a:lnRef>
+          <a:fillRef idx="1">
+            <a:schemeClr val="accent1"/>
+          </a:fillRef>
+          <a:effectRef idx="0">
+            <a:schemeClr val="accent1"/>
+          </a:effectRef>
+          <a:fontRef idx="minor">
+            <a:schemeClr val="lt1"/>
+          </a:fontRef>
+        </p:style>
+        <p:txBody>
+          <a:bodyPr rtlCol="0" anchor="ctr"/>
+          <a:lstStyle/>
+          <a:p>
+            <a:pPr algn="ctr"/>
+            <a:r>
+              <a:rPr lang="en-GB" dirty="0">
+                <a:solidFill>
+                  <a:schemeClr val="tx1"/>
+                </a:solidFill>
+              </a:rPr>
+              <a:t>A1</a:t>
+            </a:r>
+            <a:endParaRPr lang="en-DE" dirty="0">
+              <a:solidFill>
+                <a:schemeClr val="tx1"/>
+              </a:solidFill>
+            </a:endParaRPr>
+          </a:p>
+        </p:txBody>
+      </p:sp>
+    </p:spTree>
+    <p:extLst>
+      <p:ext uri="{BB962C8B-B14F-4D97-AF65-F5344CB8AC3E}">
+        <p14:creationId xmlns:p14="http://schemas.microsoft.com/office/powerpoint/2010/main" val="1807393203"/>
+      </p:ext>
+    </p:extLst>
+  </p:cSld>
+  <p:clrMapOvr>
+    <a:masterClrMapping/>
+  </p:clrMapOvr>
+</p:sld>
+</file>
+
+<file path=ppt/slides/slide8.xml><?xml version="1.0" encoding="utf-8"?>
+<p:sld xmlns:a="http://schemas.openxmlformats.org/drawingml/2006/main" xmlns:r="http://schemas.openxmlformats.org/officeDocument/2006/relationships" xmlns:p="http://schemas.openxmlformats.org/presentationml/2006/main">
+  <p:cSld>
+    <p:spTree>
+      <p:nvGrpSpPr>
+        <p:cNvPr id="1" name=""/>
+        <p:cNvGrpSpPr/>
+        <p:nvPr/>
+      </p:nvGrpSpPr>
+      <p:grpSpPr>
+        <a:xfrm>
+          <a:off x="0" y="0"/>
+          <a:ext cx="0" cy="0"/>
+          <a:chOff x="0" y="0"/>
+          <a:chExt cx="0" cy="0"/>
+        </a:xfrm>
+      </p:grpSpPr>
+      <p:sp>
+        <p:nvSpPr>
+          <p:cNvPr id="3" name="Rectangle 2">
+            <a:extLst>
+              <a:ext uri="{FF2B5EF4-FFF2-40B4-BE49-F238E27FC236}">
+                <a16:creationId xmlns:a16="http://schemas.microsoft.com/office/drawing/2014/main" id="{581799DD-DB57-E566-DF79-2564636FD320}"/>
+              </a:ext>
+            </a:extLst>
+          </p:cNvPr>
+          <p:cNvSpPr/>
+          <p:nvPr/>
+        </p:nvSpPr>
+        <p:spPr>
+          <a:xfrm>
+            <a:off x="1396181" y="491613"/>
+            <a:ext cx="9360309" cy="5712542"/>
+          </a:xfrm>
+          <a:prstGeom prst="rect">
+            <a:avLst/>
+          </a:prstGeom>
+          <a:noFill/>
+          <a:ln>
+            <a:solidFill>
+              <a:schemeClr val="tx1"/>
+            </a:solidFill>
+          </a:ln>
+        </p:spPr>
+        <p:style>
+          <a:lnRef idx="2">
+            <a:schemeClr val="accent1">
+              <a:shade val="15000"/>
+            </a:schemeClr>
+          </a:lnRef>
+          <a:fillRef idx="1">
+            <a:schemeClr val="accent1"/>
+          </a:fillRef>
+          <a:effectRef idx="0">
+            <a:schemeClr val="accent1"/>
+          </a:effectRef>
+          <a:fontRef idx="minor">
+            <a:schemeClr val="lt1"/>
+          </a:fontRef>
+        </p:style>
+        <p:txBody>
+          <a:bodyPr rtlCol="0" anchor="ctr"/>
+          <a:lstStyle/>
+          <a:p>
+            <a:pPr algn="ctr"/>
+            <a:endParaRPr lang="en-DE" dirty="0">
+              <a:solidFill>
+                <a:schemeClr val="tx1"/>
+              </a:solidFill>
+            </a:endParaRPr>
+          </a:p>
+        </p:txBody>
+      </p:sp>
+      <p:sp>
+        <p:nvSpPr>
+          <p:cNvPr id="5" name="Rectangle 4">
+            <a:extLst>
+              <a:ext uri="{FF2B5EF4-FFF2-40B4-BE49-F238E27FC236}">
+                <a16:creationId xmlns:a16="http://schemas.microsoft.com/office/drawing/2014/main" id="{71F578EA-16E1-7C85-60C5-ABC91DDD1DB1}"/>
+              </a:ext>
+            </a:extLst>
+          </p:cNvPr>
+          <p:cNvSpPr/>
+          <p:nvPr/>
+        </p:nvSpPr>
+        <p:spPr>
+          <a:xfrm>
+            <a:off x="1435510" y="535862"/>
+            <a:ext cx="6263148" cy="845574"/>
+          </a:xfrm>
+          <a:prstGeom prst="rect">
+            <a:avLst/>
+          </a:prstGeom>
+          <a:noFill/>
+        </p:spPr>
+        <p:style>
+          <a:lnRef idx="2">
+            <a:schemeClr val="accent1">
+              <a:shade val="15000"/>
+            </a:schemeClr>
+          </a:lnRef>
+          <a:fillRef idx="1">
+            <a:schemeClr val="accent1"/>
+          </a:fillRef>
+          <a:effectRef idx="0">
+            <a:schemeClr val="accent1"/>
+          </a:effectRef>
+          <a:fontRef idx="minor">
+            <a:schemeClr val="lt1"/>
+          </a:fontRef>
+        </p:style>
+        <p:txBody>
+          <a:bodyPr rtlCol="0" anchor="ctr"/>
+          <a:lstStyle/>
+          <a:p>
+            <a:pPr algn="ctr"/>
+            <a:r>
+              <a:rPr lang="en-GB" dirty="0">
+                <a:solidFill>
+                  <a:schemeClr val="tx1"/>
+                </a:solidFill>
+              </a:rPr>
+              <a:t>Access Platform for Providers (APP)</a:t>
+            </a:r>
+            <a:endParaRPr lang="en-DE" dirty="0">
+              <a:solidFill>
+                <a:schemeClr val="tx1"/>
+              </a:solidFill>
+            </a:endParaRPr>
+          </a:p>
+        </p:txBody>
+      </p:sp>
+      <p:sp>
+        <p:nvSpPr>
+          <p:cNvPr id="6" name="Rectangle 5">
+            <a:extLst>
+              <a:ext uri="{FF2B5EF4-FFF2-40B4-BE49-F238E27FC236}">
+                <a16:creationId xmlns:a16="http://schemas.microsoft.com/office/drawing/2014/main" id="{CFF12197-8EAE-13FE-E097-0F943C60145E}"/>
+              </a:ext>
+            </a:extLst>
+          </p:cNvPr>
+          <p:cNvSpPr/>
+          <p:nvPr/>
+        </p:nvSpPr>
+        <p:spPr>
+          <a:xfrm>
+            <a:off x="2910349" y="1678859"/>
+            <a:ext cx="5879690" cy="717755"/>
+          </a:xfrm>
+          <a:prstGeom prst="rect">
+            <a:avLst/>
+          </a:prstGeom>
+          <a:noFill/>
+          <a:ln>
+            <a:noFill/>
+          </a:ln>
+        </p:spPr>
+        <p:style>
+          <a:lnRef idx="2">
+            <a:schemeClr val="accent1">
+              <a:shade val="15000"/>
+            </a:schemeClr>
+          </a:lnRef>
+          <a:fillRef idx="1">
+            <a:schemeClr val="accent1"/>
+          </a:fillRef>
+          <a:effectRef idx="0">
+            <a:schemeClr val="accent1"/>
+          </a:effectRef>
+          <a:fontRef idx="minor">
+            <a:schemeClr val="lt1"/>
+          </a:fontRef>
+        </p:style>
+        <p:txBody>
+          <a:bodyPr rtlCol="0" anchor="ctr"/>
+          <a:lstStyle/>
+          <a:p>
+            <a:pPr algn="ctr"/>
+            <a:r>
+              <a:rPr lang="en-GB" dirty="0">
+                <a:solidFill>
+                  <a:schemeClr val="tx1"/>
+                </a:solidFill>
+              </a:rPr>
+              <a:t>Select User</a:t>
+            </a:r>
+            <a:endParaRPr lang="en-DE" dirty="0">
+              <a:solidFill>
+                <a:schemeClr val="tx1"/>
+              </a:solidFill>
+            </a:endParaRPr>
+          </a:p>
+        </p:txBody>
+      </p:sp>
+      <p:sp>
+        <p:nvSpPr>
+          <p:cNvPr id="18" name="Rectangle 17">
+            <a:extLst>
+              <a:ext uri="{FF2B5EF4-FFF2-40B4-BE49-F238E27FC236}">
+                <a16:creationId xmlns:a16="http://schemas.microsoft.com/office/drawing/2014/main" id="{1B558F89-C260-579E-D2CD-379561C9C564}"/>
+              </a:ext>
+            </a:extLst>
+          </p:cNvPr>
+          <p:cNvSpPr/>
+          <p:nvPr/>
+        </p:nvSpPr>
+        <p:spPr>
+          <a:xfrm>
+            <a:off x="2128684" y="2733369"/>
+            <a:ext cx="2364658" cy="860321"/>
+          </a:xfrm>
+          <a:prstGeom prst="rect">
+            <a:avLst/>
+          </a:prstGeom>
+          <a:solidFill>
+            <a:schemeClr val="accent2">
+              <a:lumMod val="40000"/>
+              <a:lumOff val="60000"/>
+            </a:schemeClr>
+          </a:solidFill>
+          <a:ln>
+            <a:solidFill>
+              <a:schemeClr val="tx1"/>
+            </a:solidFill>
+          </a:ln>
+        </p:spPr>
+        <p:style>
+          <a:lnRef idx="2">
+            <a:schemeClr val="accent1">
+              <a:shade val="15000"/>
+            </a:schemeClr>
+          </a:lnRef>
+          <a:fillRef idx="1">
+            <a:schemeClr val="accent1"/>
+          </a:fillRef>
+          <a:effectRef idx="0">
+            <a:schemeClr val="accent1"/>
+          </a:effectRef>
+          <a:fontRef idx="minor">
+            <a:schemeClr val="lt1"/>
+          </a:fontRef>
+        </p:style>
+        <p:txBody>
+          <a:bodyPr rtlCol="0" anchor="ctr"/>
+          <a:lstStyle/>
+          <a:p>
+            <a:pPr algn="ctr"/>
+            <a:r>
+              <a:rPr lang="en-GB" dirty="0">
+                <a:solidFill>
+                  <a:schemeClr val="tx1"/>
+                </a:solidFill>
+              </a:rPr>
+              <a:t>A2</a:t>
+            </a:r>
+            <a:endParaRPr lang="en-DE" dirty="0">
+              <a:solidFill>
+                <a:schemeClr val="tx1"/>
+              </a:solidFill>
+            </a:endParaRPr>
+          </a:p>
+        </p:txBody>
+      </p:sp>
+      <p:sp>
+        <p:nvSpPr>
+          <p:cNvPr id="2" name="Oval 1">
+            <a:extLst>
+              <a:ext uri="{FF2B5EF4-FFF2-40B4-BE49-F238E27FC236}">
+                <a16:creationId xmlns:a16="http://schemas.microsoft.com/office/drawing/2014/main" id="{F9340B88-C887-8428-3433-24CAB9ADF8D9}"/>
+              </a:ext>
+            </a:extLst>
+          </p:cNvPr>
+          <p:cNvSpPr/>
+          <p:nvPr/>
+        </p:nvSpPr>
+        <p:spPr>
+          <a:xfrm>
+            <a:off x="9969910" y="575182"/>
+            <a:ext cx="698090" cy="693179"/>
+          </a:xfrm>
+          <a:prstGeom prst="ellipse">
+            <a:avLst/>
+          </a:prstGeom>
+          <a:solidFill>
+            <a:schemeClr val="tx1">
+              <a:lumMod val="50000"/>
+              <a:lumOff val="50000"/>
+            </a:schemeClr>
+          </a:solidFill>
+          <a:ln>
+            <a:solidFill>
+              <a:schemeClr val="tx1"/>
+            </a:solidFill>
+          </a:ln>
+        </p:spPr>
+        <p:style>
+          <a:lnRef idx="2">
+            <a:schemeClr val="accent1">
+              <a:shade val="15000"/>
+            </a:schemeClr>
+          </a:lnRef>
+          <a:fillRef idx="1">
+            <a:schemeClr val="accent1"/>
+          </a:fillRef>
+          <a:effectRef idx="0">
+            <a:schemeClr val="accent1"/>
+          </a:effectRef>
+          <a:fontRef idx="minor">
+            <a:schemeClr val="lt1"/>
+          </a:fontRef>
+        </p:style>
+        <p:txBody>
+          <a:bodyPr rtlCol="0" anchor="ctr"/>
+          <a:lstStyle/>
+          <a:p>
+            <a:pPr algn="ctr"/>
+            <a:r>
+              <a:rPr lang="en-GB" dirty="0">
+                <a:solidFill>
+                  <a:schemeClr val="tx1"/>
+                </a:solidFill>
+              </a:rPr>
+              <a:t>A1</a:t>
+            </a:r>
+            <a:endParaRPr lang="en-DE" dirty="0">
+              <a:solidFill>
+                <a:schemeClr val="tx1"/>
+              </a:solidFill>
+            </a:endParaRPr>
+          </a:p>
+        </p:txBody>
+      </p:sp>
+      <p:sp>
+        <p:nvSpPr>
+          <p:cNvPr id="10" name="Rectangle 9">
+            <a:extLst>
+              <a:ext uri="{FF2B5EF4-FFF2-40B4-BE49-F238E27FC236}">
+                <a16:creationId xmlns:a16="http://schemas.microsoft.com/office/drawing/2014/main" id="{118A6B11-659C-1BCF-9F21-720A6DA6F1C2}"/>
+              </a:ext>
+            </a:extLst>
+          </p:cNvPr>
+          <p:cNvSpPr/>
+          <p:nvPr/>
+        </p:nvSpPr>
+        <p:spPr>
+          <a:xfrm>
+            <a:off x="4894006" y="4159045"/>
+            <a:ext cx="2364658" cy="860321"/>
+          </a:xfrm>
+          <a:prstGeom prst="rect">
+            <a:avLst/>
+          </a:prstGeom>
+          <a:solidFill>
+            <a:schemeClr val="accent2">
+              <a:lumMod val="40000"/>
+              <a:lumOff val="60000"/>
+            </a:schemeClr>
+          </a:solidFill>
+          <a:ln>
+            <a:solidFill>
+              <a:schemeClr val="tx1"/>
+            </a:solidFill>
+          </a:ln>
+        </p:spPr>
+        <p:style>
+          <a:lnRef idx="2">
+            <a:schemeClr val="accent1">
+              <a:shade val="15000"/>
+            </a:schemeClr>
+          </a:lnRef>
+          <a:fillRef idx="1">
+            <a:schemeClr val="accent1"/>
+          </a:fillRef>
+          <a:effectRef idx="0">
+            <a:schemeClr val="accent1"/>
+          </a:effectRef>
+          <a:fontRef idx="minor">
+            <a:schemeClr val="lt1"/>
+          </a:fontRef>
+        </p:style>
+        <p:txBody>
+          <a:bodyPr rtlCol="0" anchor="ctr"/>
+          <a:lstStyle/>
+          <a:p>
+            <a:pPr algn="ctr"/>
+            <a:r>
+              <a:rPr lang="en-GB" dirty="0">
+                <a:solidFill>
+                  <a:schemeClr val="tx1"/>
+                </a:solidFill>
+              </a:rPr>
+              <a:t>A5</a:t>
+            </a:r>
+            <a:endParaRPr lang="en-DE" dirty="0">
+              <a:solidFill>
+                <a:schemeClr val="tx1"/>
+              </a:solidFill>
+            </a:endParaRPr>
+          </a:p>
+        </p:txBody>
+      </p:sp>
+      <p:sp>
+        <p:nvSpPr>
+          <p:cNvPr id="11" name="Rectangle 10">
+            <a:extLst>
+              <a:ext uri="{FF2B5EF4-FFF2-40B4-BE49-F238E27FC236}">
+                <a16:creationId xmlns:a16="http://schemas.microsoft.com/office/drawing/2014/main" id="{E9045F7A-480D-E809-FF46-D60E196CF9A8}"/>
+              </a:ext>
+            </a:extLst>
+          </p:cNvPr>
+          <p:cNvSpPr/>
+          <p:nvPr/>
+        </p:nvSpPr>
+        <p:spPr>
+          <a:xfrm>
+            <a:off x="4894006" y="2733369"/>
+            <a:ext cx="2364658" cy="860321"/>
+          </a:xfrm>
+          <a:prstGeom prst="rect">
+            <a:avLst/>
+          </a:prstGeom>
+          <a:solidFill>
+            <a:schemeClr val="accent2">
+              <a:lumMod val="40000"/>
+              <a:lumOff val="60000"/>
+            </a:schemeClr>
+          </a:solidFill>
+          <a:ln>
+            <a:solidFill>
+              <a:schemeClr val="tx1"/>
+            </a:solidFill>
+          </a:ln>
+        </p:spPr>
+        <p:style>
+          <a:lnRef idx="2">
+            <a:schemeClr val="accent1">
+              <a:shade val="15000"/>
+            </a:schemeClr>
+          </a:lnRef>
+          <a:fillRef idx="1">
+            <a:schemeClr val="accent1"/>
+          </a:fillRef>
+          <a:effectRef idx="0">
+            <a:schemeClr val="accent1"/>
+          </a:effectRef>
+          <a:fontRef idx="minor">
+            <a:schemeClr val="lt1"/>
+          </a:fontRef>
+        </p:style>
+        <p:txBody>
+          <a:bodyPr rtlCol="0" anchor="ctr"/>
+          <a:lstStyle/>
+          <a:p>
+            <a:pPr algn="ctr"/>
+            <a:r>
+              <a:rPr lang="en-GB" dirty="0">
+                <a:solidFill>
+                  <a:schemeClr val="tx1"/>
+                </a:solidFill>
+              </a:rPr>
+              <a:t>A3</a:t>
+            </a:r>
+            <a:endParaRPr lang="en-DE" dirty="0">
+              <a:solidFill>
+                <a:schemeClr val="tx1"/>
+              </a:solidFill>
+            </a:endParaRPr>
+          </a:p>
+        </p:txBody>
+      </p:sp>
+      <p:sp>
+        <p:nvSpPr>
+          <p:cNvPr id="12" name="Rectangle 11">
+            <a:extLst>
+              <a:ext uri="{FF2B5EF4-FFF2-40B4-BE49-F238E27FC236}">
+                <a16:creationId xmlns:a16="http://schemas.microsoft.com/office/drawing/2014/main" id="{08C9AE97-7CA6-B25A-BCD6-08F06E2FDA20}"/>
+              </a:ext>
+            </a:extLst>
+          </p:cNvPr>
+          <p:cNvSpPr/>
+          <p:nvPr/>
+        </p:nvSpPr>
+        <p:spPr>
+          <a:xfrm>
+            <a:off x="7509387" y="2710021"/>
+            <a:ext cx="2364658" cy="860321"/>
+          </a:xfrm>
+          <a:prstGeom prst="rect">
+            <a:avLst/>
+          </a:prstGeom>
+          <a:solidFill>
+            <a:schemeClr val="accent2">
+              <a:lumMod val="40000"/>
+              <a:lumOff val="60000"/>
+            </a:schemeClr>
+          </a:solidFill>
+          <a:ln>
+            <a:solidFill>
+              <a:schemeClr val="tx1"/>
+            </a:solidFill>
+          </a:ln>
+        </p:spPr>
+        <p:style>
+          <a:lnRef idx="2">
+            <a:schemeClr val="accent1">
+              <a:shade val="15000"/>
+            </a:schemeClr>
+          </a:lnRef>
+          <a:fillRef idx="1">
+            <a:schemeClr val="accent1"/>
+          </a:fillRef>
+          <a:effectRef idx="0">
+            <a:schemeClr val="accent1"/>
+          </a:effectRef>
+          <a:fontRef idx="minor">
+            <a:schemeClr val="lt1"/>
+          </a:fontRef>
+        </p:style>
+        <p:txBody>
+          <a:bodyPr rtlCol="0" anchor="ctr"/>
+          <a:lstStyle/>
+          <a:p>
+            <a:pPr algn="ctr"/>
+            <a:r>
+              <a:rPr lang="en-GB" dirty="0">
+                <a:solidFill>
+                  <a:schemeClr val="tx1"/>
+                </a:solidFill>
+              </a:rPr>
+              <a:t>A4</a:t>
+            </a:r>
+            <a:endParaRPr lang="en-DE" dirty="0">
+              <a:solidFill>
+                <a:schemeClr val="tx1"/>
+              </a:solidFill>
+            </a:endParaRPr>
+          </a:p>
+        </p:txBody>
+      </p:sp>
+    </p:spTree>
+    <p:extLst>
+      <p:ext uri="{BB962C8B-B14F-4D97-AF65-F5344CB8AC3E}">
+        <p14:creationId xmlns:p14="http://schemas.microsoft.com/office/powerpoint/2010/main" val="1543575077"/>
+      </p:ext>
+    </p:extLst>
+  </p:cSld>
+  <p:clrMapOvr>
+    <a:masterClrMapping/>
+  </p:clrMapOvr>
+</p:sld>
+</file>
+
+<file path=ppt/slides/slide9.xml><?xml version="1.0" encoding="utf-8"?>
+<p:sld xmlns:a="http://schemas.openxmlformats.org/drawingml/2006/main" xmlns:r="http://schemas.openxmlformats.org/officeDocument/2006/relationships" xmlns:p="http://schemas.openxmlformats.org/presentationml/2006/main">
+  <p:cSld>
+    <p:spTree>
+      <p:nvGrpSpPr>
+        <p:cNvPr id="1" name=""/>
+        <p:cNvGrpSpPr/>
+        <p:nvPr/>
+      </p:nvGrpSpPr>
+      <p:grpSpPr>
+        <a:xfrm>
+          <a:off x="0" y="0"/>
+          <a:ext cx="0" cy="0"/>
+          <a:chOff x="0" y="0"/>
+          <a:chExt cx="0" cy="0"/>
+        </a:xfrm>
+      </p:grpSpPr>
+      <p:sp>
+        <p:nvSpPr>
+          <p:cNvPr id="3" name="Rectangle 2">
+            <a:extLst>
+              <a:ext uri="{FF2B5EF4-FFF2-40B4-BE49-F238E27FC236}">
+                <a16:creationId xmlns:a16="http://schemas.microsoft.com/office/drawing/2014/main" id="{581799DD-DB57-E566-DF79-2564636FD320}"/>
+              </a:ext>
+            </a:extLst>
+          </p:cNvPr>
+          <p:cNvSpPr/>
+          <p:nvPr/>
+        </p:nvSpPr>
+        <p:spPr>
+          <a:xfrm>
+            <a:off x="1396181" y="491613"/>
+            <a:ext cx="9360309" cy="5712542"/>
+          </a:xfrm>
+          <a:prstGeom prst="rect">
+            <a:avLst/>
+          </a:prstGeom>
+          <a:noFill/>
+          <a:ln>
+            <a:solidFill>
+              <a:schemeClr val="tx1"/>
+            </a:solidFill>
+          </a:ln>
+        </p:spPr>
+        <p:style>
+          <a:lnRef idx="2">
+            <a:schemeClr val="accent1">
+              <a:shade val="15000"/>
+            </a:schemeClr>
+          </a:lnRef>
+          <a:fillRef idx="1">
+            <a:schemeClr val="accent1"/>
+          </a:fillRef>
+          <a:effectRef idx="0">
+            <a:schemeClr val="accent1"/>
+          </a:effectRef>
+          <a:fontRef idx="minor">
+            <a:schemeClr val="lt1"/>
+          </a:fontRef>
+        </p:style>
+        <p:txBody>
+          <a:bodyPr rtlCol="0" anchor="ctr"/>
+          <a:lstStyle/>
+          <a:p>
+            <a:pPr algn="ctr"/>
+            <a:endParaRPr lang="en-DE" dirty="0">
+              <a:solidFill>
+                <a:schemeClr val="tx1"/>
+              </a:solidFill>
+            </a:endParaRPr>
+          </a:p>
+        </p:txBody>
+      </p:sp>
+      <p:sp>
+        <p:nvSpPr>
+          <p:cNvPr id="5" name="Rectangle 4">
+            <a:extLst>
+              <a:ext uri="{FF2B5EF4-FFF2-40B4-BE49-F238E27FC236}">
+                <a16:creationId xmlns:a16="http://schemas.microsoft.com/office/drawing/2014/main" id="{71F578EA-16E1-7C85-60C5-ABC91DDD1DB1}"/>
+              </a:ext>
+            </a:extLst>
+          </p:cNvPr>
+          <p:cNvSpPr/>
+          <p:nvPr/>
+        </p:nvSpPr>
+        <p:spPr>
+          <a:xfrm>
+            <a:off x="1435510" y="535862"/>
+            <a:ext cx="6263148" cy="845574"/>
+          </a:xfrm>
+          <a:prstGeom prst="rect">
+            <a:avLst/>
+          </a:prstGeom>
+          <a:noFill/>
+        </p:spPr>
+        <p:style>
+          <a:lnRef idx="2">
+            <a:schemeClr val="accent1">
+              <a:shade val="15000"/>
+            </a:schemeClr>
+          </a:lnRef>
+          <a:fillRef idx="1">
+            <a:schemeClr val="accent1"/>
+          </a:fillRef>
+          <a:effectRef idx="0">
+            <a:schemeClr val="accent1"/>
+          </a:effectRef>
+          <a:fontRef idx="minor">
+            <a:schemeClr val="lt1"/>
+          </a:fontRef>
+        </p:style>
+        <p:txBody>
+          <a:bodyPr rtlCol="0" anchor="ctr"/>
+          <a:lstStyle/>
+          <a:p>
+            <a:pPr algn="ctr"/>
+            <a:r>
+              <a:rPr lang="en-GB" dirty="0">
+                <a:solidFill>
+                  <a:schemeClr val="tx1"/>
+                </a:solidFill>
+              </a:rPr>
+              <a:t>Access Platform for Providers (APP)</a:t>
+            </a:r>
+            <a:endParaRPr lang="en-DE" dirty="0">
+              <a:solidFill>
+                <a:schemeClr val="tx1"/>
+              </a:solidFill>
+            </a:endParaRPr>
+          </a:p>
+        </p:txBody>
+      </p:sp>
+      <p:sp>
+        <p:nvSpPr>
+          <p:cNvPr id="2" name="Oval 1">
+            <a:extLst>
+              <a:ext uri="{FF2B5EF4-FFF2-40B4-BE49-F238E27FC236}">
+                <a16:creationId xmlns:a16="http://schemas.microsoft.com/office/drawing/2014/main" id="{F9340B88-C887-8428-3433-24CAB9ADF8D9}"/>
+              </a:ext>
+            </a:extLst>
+          </p:cNvPr>
+          <p:cNvSpPr/>
+          <p:nvPr/>
+        </p:nvSpPr>
+        <p:spPr>
+          <a:xfrm>
+            <a:off x="9969910" y="575182"/>
+            <a:ext cx="698090" cy="693179"/>
+          </a:xfrm>
+          <a:prstGeom prst="ellipse">
+            <a:avLst/>
+          </a:prstGeom>
+          <a:solidFill>
+            <a:schemeClr val="tx1">
+              <a:lumMod val="50000"/>
+              <a:lumOff val="50000"/>
+            </a:schemeClr>
+          </a:solidFill>
+          <a:ln>
+            <a:solidFill>
+              <a:schemeClr val="tx1"/>
+            </a:solidFill>
+          </a:ln>
+        </p:spPr>
+        <p:style>
+          <a:lnRef idx="2">
+            <a:schemeClr val="accent1">
+              <a:shade val="15000"/>
+            </a:schemeClr>
+          </a:lnRef>
+          <a:fillRef idx="1">
+            <a:schemeClr val="accent1"/>
+          </a:fillRef>
+          <a:effectRef idx="0">
+            <a:schemeClr val="accent1"/>
+          </a:effectRef>
+          <a:fontRef idx="minor">
+            <a:schemeClr val="lt1"/>
+          </a:fontRef>
+        </p:style>
+        <p:txBody>
+          <a:bodyPr rtlCol="0" anchor="ctr"/>
+          <a:lstStyle/>
+          <a:p>
+            <a:pPr algn="ctr"/>
+            <a:r>
+              <a:rPr lang="en-GB" dirty="0">
+                <a:solidFill>
+                  <a:schemeClr val="tx1"/>
+                </a:solidFill>
+              </a:rPr>
+              <a:t>A1</a:t>
+            </a:r>
+            <a:endParaRPr lang="en-DE" dirty="0">
+              <a:solidFill>
+                <a:schemeClr val="tx1"/>
+              </a:solidFill>
+            </a:endParaRPr>
+          </a:p>
+        </p:txBody>
+      </p:sp>
+      <p:sp>
+        <p:nvSpPr>
+          <p:cNvPr id="4" name="Rectangle 3">
+            <a:extLst>
+              <a:ext uri="{FF2B5EF4-FFF2-40B4-BE49-F238E27FC236}">
+                <a16:creationId xmlns:a16="http://schemas.microsoft.com/office/drawing/2014/main" id="{2EEDA58F-D213-577E-1C7F-8EC8032E19BE}"/>
+              </a:ext>
+            </a:extLst>
+          </p:cNvPr>
+          <p:cNvSpPr/>
+          <p:nvPr/>
+        </p:nvSpPr>
+        <p:spPr>
+          <a:xfrm>
+            <a:off x="1710811" y="2074606"/>
+            <a:ext cx="8770375" cy="3549446"/>
+          </a:xfrm>
+          <a:prstGeom prst="rect">
+            <a:avLst/>
+          </a:prstGeom>
+          <a:noFill/>
+        </p:spPr>
+        <p:style>
+          <a:lnRef idx="2">
+            <a:schemeClr val="accent1">
+              <a:shade val="15000"/>
+            </a:schemeClr>
+          </a:lnRef>
+          <a:fillRef idx="1">
+            <a:schemeClr val="accent1"/>
+          </a:fillRef>
+          <a:effectRef idx="0">
+            <a:schemeClr val="accent1"/>
+          </a:effectRef>
+          <a:fontRef idx="minor">
+            <a:schemeClr val="lt1"/>
+          </a:fontRef>
+        </p:style>
+        <p:txBody>
+          <a:bodyPr rtlCol="0" anchor="ctr"/>
+          <a:lstStyle/>
+          <a:p>
+            <a:r>
+              <a:rPr lang="en-GB" dirty="0">
+                <a:solidFill>
+                  <a:schemeClr val="tx1"/>
+                </a:solidFill>
+              </a:rPr>
+              <a:t>Name: A2 -&gt; </a:t>
+            </a:r>
+            <a:r>
+              <a:rPr lang="en-GB" dirty="0">
+                <a:solidFill>
+                  <a:schemeClr val="tx1"/>
+                </a:solidFill>
+                <a:highlight>
+                  <a:srgbClr val="00FF00"/>
+                </a:highlight>
+              </a:rPr>
+              <a:t>can be edit</a:t>
+            </a:r>
+          </a:p>
+          <a:p>
+            <a:endParaRPr lang="en-GB" dirty="0">
+              <a:solidFill>
+                <a:schemeClr val="tx1"/>
+              </a:solidFill>
+            </a:endParaRPr>
+          </a:p>
+          <a:p>
+            <a:r>
+              <a:rPr lang="en-GB" dirty="0">
+                <a:solidFill>
+                  <a:schemeClr val="tx1"/>
+                </a:solidFill>
+              </a:rPr>
+              <a:t>Address: Ordnungsamt 45 -&gt; </a:t>
+            </a:r>
+            <a:r>
+              <a:rPr lang="en-GB" dirty="0">
+                <a:solidFill>
+                  <a:schemeClr val="tx1"/>
+                </a:solidFill>
+                <a:highlight>
+                  <a:srgbClr val="00FF00"/>
+                </a:highlight>
+              </a:rPr>
+              <a:t>can be edit</a:t>
+            </a:r>
+          </a:p>
+          <a:p>
+            <a:endParaRPr lang="en-GB" dirty="0">
+              <a:solidFill>
+                <a:schemeClr val="tx1"/>
+              </a:solidFill>
+            </a:endParaRPr>
+          </a:p>
+          <a:p>
+            <a:r>
+              <a:rPr lang="en-GB" dirty="0">
+                <a:solidFill>
+                  <a:schemeClr val="tx1"/>
+                </a:solidFill>
+              </a:rPr>
+              <a:t>Mobile Number: +49 17676585223 -&gt; </a:t>
+            </a:r>
+            <a:r>
+              <a:rPr lang="en-GB" dirty="0">
+                <a:solidFill>
+                  <a:schemeClr val="tx1"/>
+                </a:solidFill>
+                <a:highlight>
+                  <a:srgbClr val="00FF00"/>
+                </a:highlight>
+              </a:rPr>
+              <a:t>can be edit</a:t>
+            </a:r>
+            <a:endParaRPr lang="en-GB" dirty="0">
+              <a:solidFill>
+                <a:schemeClr val="tx1"/>
+              </a:solidFill>
+            </a:endParaRPr>
+          </a:p>
+          <a:p>
+            <a:endParaRPr lang="en-GB" dirty="0">
+              <a:solidFill>
+                <a:schemeClr val="tx1"/>
+              </a:solidFill>
+            </a:endParaRPr>
+          </a:p>
+          <a:p>
+            <a:r>
+              <a:rPr lang="en-GB" dirty="0">
+                <a:solidFill>
+                  <a:schemeClr val="tx1"/>
+                </a:solidFill>
+              </a:rPr>
+              <a:t>Email ID: </a:t>
+            </a:r>
+            <a:r>
+              <a:rPr lang="en-GB" dirty="0">
+                <a:solidFill>
+                  <a:schemeClr val="tx1"/>
+                </a:solidFill>
+                <a:hlinkClick r:id="rId2"/>
+              </a:rPr>
+              <a:t>a2frankfurt@app.com</a:t>
+            </a:r>
+            <a:r>
+              <a:rPr lang="en-GB" dirty="0">
+                <a:solidFill>
+                  <a:schemeClr val="tx1"/>
+                </a:solidFill>
+              </a:rPr>
+              <a:t> -&gt; </a:t>
+            </a:r>
+            <a:r>
+              <a:rPr lang="en-GB" dirty="0">
+                <a:solidFill>
+                  <a:schemeClr val="tx1"/>
+                </a:solidFill>
+                <a:highlight>
+                  <a:srgbClr val="00FF00"/>
+                </a:highlight>
+              </a:rPr>
+              <a:t>can be edit</a:t>
+            </a:r>
+            <a:endParaRPr lang="en-GB" dirty="0">
+              <a:solidFill>
+                <a:schemeClr val="tx1"/>
+              </a:solidFill>
+            </a:endParaRPr>
+          </a:p>
+          <a:p>
+            <a:endParaRPr lang="en-GB" dirty="0">
+              <a:solidFill>
+                <a:schemeClr val="tx1"/>
+              </a:solidFill>
+            </a:endParaRPr>
+          </a:p>
+          <a:p>
+            <a:r>
+              <a:rPr lang="en-GB" dirty="0">
+                <a:solidFill>
+                  <a:schemeClr val="tx1"/>
+                </a:solidFill>
+              </a:rPr>
+              <a:t>Username: a2berlin123 -&gt; </a:t>
+            </a:r>
+            <a:r>
+              <a:rPr lang="en-GB" dirty="0">
+                <a:solidFill>
+                  <a:schemeClr val="tx1"/>
+                </a:solidFill>
+                <a:highlight>
+                  <a:srgbClr val="00FF00"/>
+                </a:highlight>
+              </a:rPr>
+              <a:t>can’t be edit</a:t>
+            </a:r>
+            <a:endParaRPr lang="en-GB" dirty="0">
+              <a:solidFill>
+                <a:schemeClr val="tx1"/>
+              </a:solidFill>
+            </a:endParaRPr>
+          </a:p>
+          <a:p>
+            <a:endParaRPr lang="en-GB" dirty="0">
+              <a:solidFill>
+                <a:schemeClr val="tx1"/>
+              </a:solidFill>
+            </a:endParaRPr>
+          </a:p>
+          <a:p>
+            <a:r>
+              <a:rPr lang="en-GB" dirty="0">
+                <a:solidFill>
+                  <a:schemeClr val="tx1"/>
+                </a:solidFill>
+              </a:rPr>
+              <a:t>Password: ****** -&gt; </a:t>
+            </a:r>
+            <a:r>
+              <a:rPr lang="en-GB" dirty="0">
+                <a:solidFill>
+                  <a:schemeClr val="tx1"/>
+                </a:solidFill>
+                <a:highlight>
+                  <a:srgbClr val="00FF00"/>
+                </a:highlight>
+              </a:rPr>
+              <a:t>can’t be edit</a:t>
+            </a:r>
+          </a:p>
+        </p:txBody>
+      </p:sp>
+    </p:spTree>
+    <p:extLst>
+      <p:ext uri="{BB962C8B-B14F-4D97-AF65-F5344CB8AC3E}">
+        <p14:creationId xmlns:p14="http://schemas.microsoft.com/office/powerpoint/2010/main" val="1096277299"/>
       </p:ext>
     </p:extLst>
   </p:cSld>

--- a/Sprint 2/Front end design.pptx
+++ b/Sprint 2/Front end design.pptx
@@ -11,10 +11,12 @@
     <p:sldId id="260" r:id="rId5"/>
     <p:sldId id="261" r:id="rId6"/>
     <p:sldId id="262" r:id="rId7"/>
-    <p:sldId id="263" r:id="rId8"/>
-    <p:sldId id="264" r:id="rId9"/>
-    <p:sldId id="265" r:id="rId10"/>
-    <p:sldId id="256" r:id="rId11"/>
+    <p:sldId id="266" r:id="rId8"/>
+    <p:sldId id="267" r:id="rId9"/>
+    <p:sldId id="263" r:id="rId10"/>
+    <p:sldId id="264" r:id="rId11"/>
+    <p:sldId id="265" r:id="rId12"/>
+    <p:sldId id="256" r:id="rId13"/>
   </p:sldIdLst>
   <p:sldSz cx="12192000" cy="6858000"/>
   <p:notesSz cx="6858000" cy="9144000"/>
@@ -3426,7 +3428,7 @@
         </p:nvSpPr>
         <p:spPr>
           <a:xfrm>
-            <a:off x="1396181" y="152400"/>
+            <a:off x="1396181" y="201560"/>
             <a:ext cx="3333136" cy="294968"/>
           </a:xfrm>
           <a:prstGeom prst="rect">
@@ -3577,12 +3579,12 @@
           <a:p>
             <a:pPr algn="ctr"/>
             <a:r>
-              <a:rPr lang="en-GB" dirty="0" err="1">
+              <a:rPr lang="en-GB" dirty="0">
                 <a:solidFill>
                   <a:schemeClr val="tx1"/>
                 </a:solidFill>
               </a:rPr>
-              <a:t>UserID</a:t>
+              <a:t>User ID</a:t>
             </a:r>
             <a:endParaRPr lang="en-DE" dirty="0">
               <a:solidFill>
@@ -3762,7 +3764,7 @@
         </p:nvSpPr>
         <p:spPr>
           <a:xfrm>
-            <a:off x="2939844" y="4640831"/>
+            <a:off x="5860026" y="3974691"/>
             <a:ext cx="1976285" cy="526025"/>
           </a:xfrm>
           <a:prstGeom prst="rect">
@@ -3804,73 +3806,7 @@
                   <a:schemeClr val="tx1"/>
                 </a:solidFill>
               </a:rPr>
-              <a:t>Login as an Admin</a:t>
-            </a:r>
-            <a:endParaRPr lang="en-DE" dirty="0">
-              <a:solidFill>
-                <a:schemeClr val="tx1"/>
-              </a:solidFill>
-            </a:endParaRPr>
-          </a:p>
-        </p:txBody>
-      </p:sp>
-      <p:sp>
-        <p:nvSpPr>
-          <p:cNvPr id="13" name="Rectangle 12">
-            <a:extLst>
-              <a:ext uri="{FF2B5EF4-FFF2-40B4-BE49-F238E27FC236}">
-                <a16:creationId xmlns:a16="http://schemas.microsoft.com/office/drawing/2014/main" id="{9F5CC202-48C9-38A6-0078-A0F21AE3F5EB}"/>
-              </a:ext>
-            </a:extLst>
-          </p:cNvPr>
-          <p:cNvSpPr/>
-          <p:nvPr/>
-        </p:nvSpPr>
-        <p:spPr>
-          <a:xfrm>
-            <a:off x="7447934" y="4640830"/>
-            <a:ext cx="1755061" cy="526026"/>
-          </a:xfrm>
-          <a:prstGeom prst="rect">
-            <a:avLst/>
-          </a:prstGeom>
-          <a:solidFill>
-            <a:srgbClr val="00B0F0"/>
-          </a:solidFill>
-          <a:ln>
-            <a:solidFill>
-              <a:schemeClr val="tx1"/>
-            </a:solidFill>
-          </a:ln>
-        </p:spPr>
-        <p:style>
-          <a:lnRef idx="2">
-            <a:schemeClr val="accent1">
-              <a:shade val="15000"/>
-            </a:schemeClr>
-          </a:lnRef>
-          <a:fillRef idx="1">
-            <a:schemeClr val="accent1"/>
-          </a:fillRef>
-          <a:effectRef idx="0">
-            <a:schemeClr val="accent1"/>
-          </a:effectRef>
-          <a:fontRef idx="minor">
-            <a:schemeClr val="lt1"/>
-          </a:fontRef>
-        </p:style>
-        <p:txBody>
-          <a:bodyPr rtlCol="0" anchor="ctr"/>
-          <a:lstStyle/>
-          <a:p>
-            <a:pPr algn="ctr"/>
-            <a:r>
-              <a:rPr lang="en-GB" dirty="0">
-                <a:solidFill>
-                  <a:schemeClr val="tx1"/>
-                </a:solidFill>
-              </a:rPr>
-              <a:t>Login as a User</a:t>
+              <a:t>Login</a:t>
             </a:r>
             <a:endParaRPr lang="en-DE" dirty="0">
               <a:solidFill>
@@ -3999,272 +3935,6 @@
                 </a:solidFill>
               </a:rPr>
               <a:t>Register</a:t>
-            </a:r>
-            <a:endParaRPr lang="en-DE" dirty="0">
-              <a:solidFill>
-                <a:schemeClr val="tx1"/>
-              </a:solidFill>
-            </a:endParaRPr>
-          </a:p>
-        </p:txBody>
-      </p:sp>
-      <p:sp>
-        <p:nvSpPr>
-          <p:cNvPr id="17" name="Rectangle 16">
-            <a:extLst>
-              <a:ext uri="{FF2B5EF4-FFF2-40B4-BE49-F238E27FC236}">
-                <a16:creationId xmlns:a16="http://schemas.microsoft.com/office/drawing/2014/main" id="{201874D5-576E-9301-1A62-09E4C6886C78}"/>
-              </a:ext>
-            </a:extLst>
-          </p:cNvPr>
-          <p:cNvSpPr/>
-          <p:nvPr/>
-        </p:nvSpPr>
-        <p:spPr>
-          <a:xfrm>
-            <a:off x="2939844" y="3760839"/>
-            <a:ext cx="2261421" cy="412955"/>
-          </a:xfrm>
-          <a:prstGeom prst="rect">
-            <a:avLst/>
-          </a:prstGeom>
-          <a:noFill/>
-        </p:spPr>
-        <p:style>
-          <a:lnRef idx="2">
-            <a:schemeClr val="accent1">
-              <a:shade val="15000"/>
-            </a:schemeClr>
-          </a:lnRef>
-          <a:fillRef idx="1">
-            <a:schemeClr val="accent1"/>
-          </a:fillRef>
-          <a:effectRef idx="0">
-            <a:schemeClr val="accent1"/>
-          </a:effectRef>
-          <a:fontRef idx="minor">
-            <a:schemeClr val="lt1"/>
-          </a:fontRef>
-        </p:style>
-        <p:txBody>
-          <a:bodyPr rtlCol="0" anchor="ctr"/>
-          <a:lstStyle/>
-          <a:p>
-            <a:pPr algn="ctr"/>
-            <a:r>
-              <a:rPr lang="en-GB" dirty="0">
-                <a:solidFill>
-                  <a:schemeClr val="tx1"/>
-                </a:solidFill>
-              </a:rPr>
-              <a:t>Choose Your Provider</a:t>
-            </a:r>
-            <a:endParaRPr lang="en-DE" dirty="0">
-              <a:solidFill>
-                <a:schemeClr val="tx1"/>
-              </a:solidFill>
-            </a:endParaRPr>
-          </a:p>
-        </p:txBody>
-      </p:sp>
-      <p:sp>
-        <p:nvSpPr>
-          <p:cNvPr id="18" name="Rectangle 17">
-            <a:extLst>
-              <a:ext uri="{FF2B5EF4-FFF2-40B4-BE49-F238E27FC236}">
-                <a16:creationId xmlns:a16="http://schemas.microsoft.com/office/drawing/2014/main" id="{1B558F89-C260-579E-D2CD-379561C9C564}"/>
-              </a:ext>
-            </a:extLst>
-          </p:cNvPr>
-          <p:cNvSpPr/>
-          <p:nvPr/>
-        </p:nvSpPr>
-        <p:spPr>
-          <a:xfrm>
-            <a:off x="5560142" y="3760836"/>
-            <a:ext cx="1184786" cy="412956"/>
-          </a:xfrm>
-          <a:prstGeom prst="rect">
-            <a:avLst/>
-          </a:prstGeom>
-          <a:solidFill>
-            <a:schemeClr val="accent2">
-              <a:lumMod val="40000"/>
-              <a:lumOff val="60000"/>
-            </a:schemeClr>
-          </a:solidFill>
-          <a:ln>
-            <a:solidFill>
-              <a:schemeClr val="tx1"/>
-            </a:solidFill>
-          </a:ln>
-        </p:spPr>
-        <p:style>
-          <a:lnRef idx="2">
-            <a:schemeClr val="accent1">
-              <a:shade val="15000"/>
-            </a:schemeClr>
-          </a:lnRef>
-          <a:fillRef idx="1">
-            <a:schemeClr val="accent1"/>
-          </a:fillRef>
-          <a:effectRef idx="0">
-            <a:schemeClr val="accent1"/>
-          </a:effectRef>
-          <a:fontRef idx="minor">
-            <a:schemeClr val="lt1"/>
-          </a:fontRef>
-        </p:style>
-        <p:txBody>
-          <a:bodyPr rtlCol="0" anchor="ctr"/>
-          <a:lstStyle/>
-          <a:p>
-            <a:pPr algn="ctr"/>
-            <a:r>
-              <a:rPr lang="en-GB" dirty="0">
-                <a:solidFill>
-                  <a:schemeClr val="tx1"/>
-                </a:solidFill>
-              </a:rPr>
-              <a:t>Provider A</a:t>
-            </a:r>
-            <a:endParaRPr lang="en-DE" dirty="0">
-              <a:solidFill>
-                <a:schemeClr val="tx1"/>
-              </a:solidFill>
-            </a:endParaRPr>
-          </a:p>
-        </p:txBody>
-      </p:sp>
-      <p:sp>
-        <p:nvSpPr>
-          <p:cNvPr id="19" name="Rectangle 18">
-            <a:extLst>
-              <a:ext uri="{FF2B5EF4-FFF2-40B4-BE49-F238E27FC236}">
-                <a16:creationId xmlns:a16="http://schemas.microsoft.com/office/drawing/2014/main" id="{4FD5222C-D473-4765-07F8-D35E32B52C7C}"/>
-              </a:ext>
-            </a:extLst>
-          </p:cNvPr>
-          <p:cNvSpPr/>
-          <p:nvPr/>
-        </p:nvSpPr>
-        <p:spPr>
-          <a:xfrm>
-            <a:off x="6855541" y="3755928"/>
-            <a:ext cx="1184786" cy="412956"/>
-          </a:xfrm>
-          <a:prstGeom prst="rect">
-            <a:avLst/>
-          </a:prstGeom>
-          <a:solidFill>
-            <a:schemeClr val="accent2">
-              <a:lumMod val="40000"/>
-              <a:lumOff val="60000"/>
-            </a:schemeClr>
-          </a:solidFill>
-          <a:ln>
-            <a:solidFill>
-              <a:schemeClr val="tx1"/>
-            </a:solidFill>
-          </a:ln>
-        </p:spPr>
-        <p:style>
-          <a:lnRef idx="2">
-            <a:schemeClr val="accent1">
-              <a:shade val="15000"/>
-            </a:schemeClr>
-          </a:lnRef>
-          <a:fillRef idx="1">
-            <a:schemeClr val="accent1"/>
-          </a:fillRef>
-          <a:effectRef idx="0">
-            <a:schemeClr val="accent1"/>
-          </a:effectRef>
-          <a:fontRef idx="minor">
-            <a:schemeClr val="lt1"/>
-          </a:fontRef>
-        </p:style>
-        <p:txBody>
-          <a:bodyPr rtlCol="0" anchor="ctr"/>
-          <a:lstStyle/>
-          <a:p>
-            <a:pPr algn="ctr"/>
-            <a:r>
-              <a:rPr lang="en-GB" dirty="0">
-                <a:solidFill>
-                  <a:schemeClr val="tx1"/>
-                </a:solidFill>
-              </a:rPr>
-              <a:t>Provider B</a:t>
-            </a:r>
-            <a:endParaRPr lang="en-DE" dirty="0">
-              <a:solidFill>
-                <a:schemeClr val="tx1"/>
-              </a:solidFill>
-            </a:endParaRPr>
-          </a:p>
-        </p:txBody>
-      </p:sp>
-      <p:sp>
-        <p:nvSpPr>
-          <p:cNvPr id="20" name="Rectangle 19">
-            <a:extLst>
-              <a:ext uri="{FF2B5EF4-FFF2-40B4-BE49-F238E27FC236}">
-                <a16:creationId xmlns:a16="http://schemas.microsoft.com/office/drawing/2014/main" id="{D4610C8F-998C-21BF-86C1-FA81AF2903C2}"/>
-              </a:ext>
-            </a:extLst>
-          </p:cNvPr>
-          <p:cNvSpPr/>
-          <p:nvPr/>
-        </p:nvSpPr>
-        <p:spPr>
-          <a:xfrm>
-            <a:off x="8141105" y="3755928"/>
-            <a:ext cx="1184786" cy="412956"/>
-          </a:xfrm>
-          <a:prstGeom prst="rect">
-            <a:avLst/>
-          </a:prstGeom>
-          <a:solidFill>
-            <a:schemeClr val="accent2">
-              <a:lumMod val="40000"/>
-              <a:lumOff val="60000"/>
-            </a:schemeClr>
-          </a:solidFill>
-          <a:ln>
-            <a:solidFill>
-              <a:schemeClr val="tx1"/>
-            </a:solidFill>
-          </a:ln>
-        </p:spPr>
-        <p:style>
-          <a:lnRef idx="2">
-            <a:schemeClr val="accent1">
-              <a:shade val="15000"/>
-            </a:schemeClr>
-          </a:lnRef>
-          <a:fillRef idx="1">
-            <a:schemeClr val="accent1"/>
-          </a:fillRef>
-          <a:effectRef idx="0">
-            <a:schemeClr val="accent1"/>
-          </a:effectRef>
-          <a:fontRef idx="minor">
-            <a:schemeClr val="lt1"/>
-          </a:fontRef>
-        </p:style>
-        <p:txBody>
-          <a:bodyPr rtlCol="0" anchor="ctr"/>
-          <a:lstStyle/>
-          <a:p>
-            <a:pPr algn="ctr"/>
-            <a:r>
-              <a:rPr lang="en-GB" dirty="0">
-                <a:solidFill>
-                  <a:schemeClr val="tx1"/>
-                </a:solidFill>
-              </a:rPr>
-              <a:t>Provider C</a:t>
             </a:r>
             <a:endParaRPr lang="en-DE" dirty="0">
               <a:solidFill>
@@ -4306,6 +3976,1008 @@
       </p:grpSpPr>
       <p:sp>
         <p:nvSpPr>
+          <p:cNvPr id="3" name="Rectangle 2">
+            <a:extLst>
+              <a:ext uri="{FF2B5EF4-FFF2-40B4-BE49-F238E27FC236}">
+                <a16:creationId xmlns:a16="http://schemas.microsoft.com/office/drawing/2014/main" id="{581799DD-DB57-E566-DF79-2564636FD320}"/>
+              </a:ext>
+            </a:extLst>
+          </p:cNvPr>
+          <p:cNvSpPr/>
+          <p:nvPr/>
+        </p:nvSpPr>
+        <p:spPr>
+          <a:xfrm>
+            <a:off x="1396181" y="491613"/>
+            <a:ext cx="9360309" cy="5712542"/>
+          </a:xfrm>
+          <a:prstGeom prst="rect">
+            <a:avLst/>
+          </a:prstGeom>
+          <a:noFill/>
+          <a:ln>
+            <a:solidFill>
+              <a:schemeClr val="tx1"/>
+            </a:solidFill>
+          </a:ln>
+        </p:spPr>
+        <p:style>
+          <a:lnRef idx="2">
+            <a:schemeClr val="accent1">
+              <a:shade val="15000"/>
+            </a:schemeClr>
+          </a:lnRef>
+          <a:fillRef idx="1">
+            <a:schemeClr val="accent1"/>
+          </a:fillRef>
+          <a:effectRef idx="0">
+            <a:schemeClr val="accent1"/>
+          </a:effectRef>
+          <a:fontRef idx="minor">
+            <a:schemeClr val="lt1"/>
+          </a:fontRef>
+        </p:style>
+        <p:txBody>
+          <a:bodyPr rtlCol="0" anchor="ctr"/>
+          <a:lstStyle/>
+          <a:p>
+            <a:pPr algn="ctr"/>
+            <a:endParaRPr lang="en-DE" dirty="0">
+              <a:solidFill>
+                <a:schemeClr val="tx1"/>
+              </a:solidFill>
+            </a:endParaRPr>
+          </a:p>
+        </p:txBody>
+      </p:sp>
+      <p:sp>
+        <p:nvSpPr>
+          <p:cNvPr id="5" name="Rectangle 4">
+            <a:extLst>
+              <a:ext uri="{FF2B5EF4-FFF2-40B4-BE49-F238E27FC236}">
+                <a16:creationId xmlns:a16="http://schemas.microsoft.com/office/drawing/2014/main" id="{71F578EA-16E1-7C85-60C5-ABC91DDD1DB1}"/>
+              </a:ext>
+            </a:extLst>
+          </p:cNvPr>
+          <p:cNvSpPr/>
+          <p:nvPr/>
+        </p:nvSpPr>
+        <p:spPr>
+          <a:xfrm>
+            <a:off x="1435510" y="535862"/>
+            <a:ext cx="6263148" cy="845574"/>
+          </a:xfrm>
+          <a:prstGeom prst="rect">
+            <a:avLst/>
+          </a:prstGeom>
+          <a:noFill/>
+        </p:spPr>
+        <p:style>
+          <a:lnRef idx="2">
+            <a:schemeClr val="accent1">
+              <a:shade val="15000"/>
+            </a:schemeClr>
+          </a:lnRef>
+          <a:fillRef idx="1">
+            <a:schemeClr val="accent1"/>
+          </a:fillRef>
+          <a:effectRef idx="0">
+            <a:schemeClr val="accent1"/>
+          </a:effectRef>
+          <a:fontRef idx="minor">
+            <a:schemeClr val="lt1"/>
+          </a:fontRef>
+        </p:style>
+        <p:txBody>
+          <a:bodyPr rtlCol="0" anchor="ctr"/>
+          <a:lstStyle/>
+          <a:p>
+            <a:pPr algn="ctr"/>
+            <a:r>
+              <a:rPr lang="en-GB" dirty="0">
+                <a:solidFill>
+                  <a:schemeClr val="tx1"/>
+                </a:solidFill>
+              </a:rPr>
+              <a:t>Access Platform for Providers (APP)</a:t>
+            </a:r>
+            <a:endParaRPr lang="en-DE" dirty="0">
+              <a:solidFill>
+                <a:schemeClr val="tx1"/>
+              </a:solidFill>
+            </a:endParaRPr>
+          </a:p>
+        </p:txBody>
+      </p:sp>
+      <p:sp>
+        <p:nvSpPr>
+          <p:cNvPr id="6" name="Rectangle 5">
+            <a:extLst>
+              <a:ext uri="{FF2B5EF4-FFF2-40B4-BE49-F238E27FC236}">
+                <a16:creationId xmlns:a16="http://schemas.microsoft.com/office/drawing/2014/main" id="{CFF12197-8EAE-13FE-E097-0F943C60145E}"/>
+              </a:ext>
+            </a:extLst>
+          </p:cNvPr>
+          <p:cNvSpPr/>
+          <p:nvPr/>
+        </p:nvSpPr>
+        <p:spPr>
+          <a:xfrm>
+            <a:off x="2910349" y="1678859"/>
+            <a:ext cx="5879690" cy="717755"/>
+          </a:xfrm>
+          <a:prstGeom prst="rect">
+            <a:avLst/>
+          </a:prstGeom>
+          <a:noFill/>
+          <a:ln>
+            <a:noFill/>
+          </a:ln>
+        </p:spPr>
+        <p:style>
+          <a:lnRef idx="2">
+            <a:schemeClr val="accent1">
+              <a:shade val="15000"/>
+            </a:schemeClr>
+          </a:lnRef>
+          <a:fillRef idx="1">
+            <a:schemeClr val="accent1"/>
+          </a:fillRef>
+          <a:effectRef idx="0">
+            <a:schemeClr val="accent1"/>
+          </a:effectRef>
+          <a:fontRef idx="minor">
+            <a:schemeClr val="lt1"/>
+          </a:fontRef>
+        </p:style>
+        <p:txBody>
+          <a:bodyPr rtlCol="0" anchor="ctr"/>
+          <a:lstStyle/>
+          <a:p>
+            <a:pPr algn="ctr"/>
+            <a:r>
+              <a:rPr lang="en-GB" dirty="0">
+                <a:solidFill>
+                  <a:schemeClr val="tx1"/>
+                </a:solidFill>
+              </a:rPr>
+              <a:t>Select User</a:t>
+            </a:r>
+            <a:endParaRPr lang="en-DE" dirty="0">
+              <a:solidFill>
+                <a:schemeClr val="tx1"/>
+              </a:solidFill>
+            </a:endParaRPr>
+          </a:p>
+        </p:txBody>
+      </p:sp>
+      <p:sp>
+        <p:nvSpPr>
+          <p:cNvPr id="18" name="Rectangle 17">
+            <a:extLst>
+              <a:ext uri="{FF2B5EF4-FFF2-40B4-BE49-F238E27FC236}">
+                <a16:creationId xmlns:a16="http://schemas.microsoft.com/office/drawing/2014/main" id="{1B558F89-C260-579E-D2CD-379561C9C564}"/>
+              </a:ext>
+            </a:extLst>
+          </p:cNvPr>
+          <p:cNvSpPr/>
+          <p:nvPr/>
+        </p:nvSpPr>
+        <p:spPr>
+          <a:xfrm>
+            <a:off x="2128684" y="2733369"/>
+            <a:ext cx="2364658" cy="860321"/>
+          </a:xfrm>
+          <a:prstGeom prst="rect">
+            <a:avLst/>
+          </a:prstGeom>
+          <a:solidFill>
+            <a:schemeClr val="accent2">
+              <a:lumMod val="40000"/>
+              <a:lumOff val="60000"/>
+            </a:schemeClr>
+          </a:solidFill>
+          <a:ln>
+            <a:solidFill>
+              <a:schemeClr val="tx1"/>
+            </a:solidFill>
+          </a:ln>
+        </p:spPr>
+        <p:style>
+          <a:lnRef idx="2">
+            <a:schemeClr val="accent1">
+              <a:shade val="15000"/>
+            </a:schemeClr>
+          </a:lnRef>
+          <a:fillRef idx="1">
+            <a:schemeClr val="accent1"/>
+          </a:fillRef>
+          <a:effectRef idx="0">
+            <a:schemeClr val="accent1"/>
+          </a:effectRef>
+          <a:fontRef idx="minor">
+            <a:schemeClr val="lt1"/>
+          </a:fontRef>
+        </p:style>
+        <p:txBody>
+          <a:bodyPr rtlCol="0" anchor="ctr"/>
+          <a:lstStyle/>
+          <a:p>
+            <a:pPr algn="ctr"/>
+            <a:r>
+              <a:rPr lang="en-GB" dirty="0">
+                <a:solidFill>
+                  <a:schemeClr val="tx1"/>
+                </a:solidFill>
+              </a:rPr>
+              <a:t>A2</a:t>
+            </a:r>
+            <a:endParaRPr lang="en-DE" dirty="0">
+              <a:solidFill>
+                <a:schemeClr val="tx1"/>
+              </a:solidFill>
+            </a:endParaRPr>
+          </a:p>
+        </p:txBody>
+      </p:sp>
+      <p:sp>
+        <p:nvSpPr>
+          <p:cNvPr id="2" name="Oval 1">
+            <a:extLst>
+              <a:ext uri="{FF2B5EF4-FFF2-40B4-BE49-F238E27FC236}">
+                <a16:creationId xmlns:a16="http://schemas.microsoft.com/office/drawing/2014/main" id="{F9340B88-C887-8428-3433-24CAB9ADF8D9}"/>
+              </a:ext>
+            </a:extLst>
+          </p:cNvPr>
+          <p:cNvSpPr/>
+          <p:nvPr/>
+        </p:nvSpPr>
+        <p:spPr>
+          <a:xfrm>
+            <a:off x="9969910" y="575182"/>
+            <a:ext cx="698090" cy="693179"/>
+          </a:xfrm>
+          <a:prstGeom prst="ellipse">
+            <a:avLst/>
+          </a:prstGeom>
+          <a:solidFill>
+            <a:schemeClr val="tx1">
+              <a:lumMod val="50000"/>
+              <a:lumOff val="50000"/>
+            </a:schemeClr>
+          </a:solidFill>
+          <a:ln>
+            <a:solidFill>
+              <a:schemeClr val="tx1"/>
+            </a:solidFill>
+          </a:ln>
+        </p:spPr>
+        <p:style>
+          <a:lnRef idx="2">
+            <a:schemeClr val="accent1">
+              <a:shade val="15000"/>
+            </a:schemeClr>
+          </a:lnRef>
+          <a:fillRef idx="1">
+            <a:schemeClr val="accent1"/>
+          </a:fillRef>
+          <a:effectRef idx="0">
+            <a:schemeClr val="accent1"/>
+          </a:effectRef>
+          <a:fontRef idx="minor">
+            <a:schemeClr val="lt1"/>
+          </a:fontRef>
+        </p:style>
+        <p:txBody>
+          <a:bodyPr rtlCol="0" anchor="ctr"/>
+          <a:lstStyle/>
+          <a:p>
+            <a:pPr algn="ctr"/>
+            <a:r>
+              <a:rPr lang="en-GB" dirty="0">
+                <a:solidFill>
+                  <a:schemeClr val="tx1"/>
+                </a:solidFill>
+              </a:rPr>
+              <a:t>A1</a:t>
+            </a:r>
+            <a:endParaRPr lang="en-DE" dirty="0">
+              <a:solidFill>
+                <a:schemeClr val="tx1"/>
+              </a:solidFill>
+            </a:endParaRPr>
+          </a:p>
+        </p:txBody>
+      </p:sp>
+      <p:sp>
+        <p:nvSpPr>
+          <p:cNvPr id="10" name="Rectangle 9">
+            <a:extLst>
+              <a:ext uri="{FF2B5EF4-FFF2-40B4-BE49-F238E27FC236}">
+                <a16:creationId xmlns:a16="http://schemas.microsoft.com/office/drawing/2014/main" id="{118A6B11-659C-1BCF-9F21-720A6DA6F1C2}"/>
+              </a:ext>
+            </a:extLst>
+          </p:cNvPr>
+          <p:cNvSpPr/>
+          <p:nvPr/>
+        </p:nvSpPr>
+        <p:spPr>
+          <a:xfrm>
+            <a:off x="4894006" y="4159045"/>
+            <a:ext cx="2364658" cy="860321"/>
+          </a:xfrm>
+          <a:prstGeom prst="rect">
+            <a:avLst/>
+          </a:prstGeom>
+          <a:solidFill>
+            <a:schemeClr val="accent2">
+              <a:lumMod val="40000"/>
+              <a:lumOff val="60000"/>
+            </a:schemeClr>
+          </a:solidFill>
+          <a:ln>
+            <a:solidFill>
+              <a:schemeClr val="tx1"/>
+            </a:solidFill>
+          </a:ln>
+        </p:spPr>
+        <p:style>
+          <a:lnRef idx="2">
+            <a:schemeClr val="accent1">
+              <a:shade val="15000"/>
+            </a:schemeClr>
+          </a:lnRef>
+          <a:fillRef idx="1">
+            <a:schemeClr val="accent1"/>
+          </a:fillRef>
+          <a:effectRef idx="0">
+            <a:schemeClr val="accent1"/>
+          </a:effectRef>
+          <a:fontRef idx="minor">
+            <a:schemeClr val="lt1"/>
+          </a:fontRef>
+        </p:style>
+        <p:txBody>
+          <a:bodyPr rtlCol="0" anchor="ctr"/>
+          <a:lstStyle/>
+          <a:p>
+            <a:pPr algn="ctr"/>
+            <a:r>
+              <a:rPr lang="en-GB" dirty="0">
+                <a:solidFill>
+                  <a:schemeClr val="tx1"/>
+                </a:solidFill>
+              </a:rPr>
+              <a:t>A5</a:t>
+            </a:r>
+            <a:endParaRPr lang="en-DE" dirty="0">
+              <a:solidFill>
+                <a:schemeClr val="tx1"/>
+              </a:solidFill>
+            </a:endParaRPr>
+          </a:p>
+        </p:txBody>
+      </p:sp>
+      <p:sp>
+        <p:nvSpPr>
+          <p:cNvPr id="11" name="Rectangle 10">
+            <a:extLst>
+              <a:ext uri="{FF2B5EF4-FFF2-40B4-BE49-F238E27FC236}">
+                <a16:creationId xmlns:a16="http://schemas.microsoft.com/office/drawing/2014/main" id="{E9045F7A-480D-E809-FF46-D60E196CF9A8}"/>
+              </a:ext>
+            </a:extLst>
+          </p:cNvPr>
+          <p:cNvSpPr/>
+          <p:nvPr/>
+        </p:nvSpPr>
+        <p:spPr>
+          <a:xfrm>
+            <a:off x="4894006" y="2733369"/>
+            <a:ext cx="2364658" cy="860321"/>
+          </a:xfrm>
+          <a:prstGeom prst="rect">
+            <a:avLst/>
+          </a:prstGeom>
+          <a:solidFill>
+            <a:schemeClr val="accent2">
+              <a:lumMod val="40000"/>
+              <a:lumOff val="60000"/>
+            </a:schemeClr>
+          </a:solidFill>
+          <a:ln>
+            <a:solidFill>
+              <a:schemeClr val="tx1"/>
+            </a:solidFill>
+          </a:ln>
+        </p:spPr>
+        <p:style>
+          <a:lnRef idx="2">
+            <a:schemeClr val="accent1">
+              <a:shade val="15000"/>
+            </a:schemeClr>
+          </a:lnRef>
+          <a:fillRef idx="1">
+            <a:schemeClr val="accent1"/>
+          </a:fillRef>
+          <a:effectRef idx="0">
+            <a:schemeClr val="accent1"/>
+          </a:effectRef>
+          <a:fontRef idx="minor">
+            <a:schemeClr val="lt1"/>
+          </a:fontRef>
+        </p:style>
+        <p:txBody>
+          <a:bodyPr rtlCol="0" anchor="ctr"/>
+          <a:lstStyle/>
+          <a:p>
+            <a:pPr algn="ctr"/>
+            <a:r>
+              <a:rPr lang="en-GB" dirty="0">
+                <a:solidFill>
+                  <a:schemeClr val="tx1"/>
+                </a:solidFill>
+              </a:rPr>
+              <a:t>A3</a:t>
+            </a:r>
+            <a:endParaRPr lang="en-DE" dirty="0">
+              <a:solidFill>
+                <a:schemeClr val="tx1"/>
+              </a:solidFill>
+            </a:endParaRPr>
+          </a:p>
+        </p:txBody>
+      </p:sp>
+      <p:sp>
+        <p:nvSpPr>
+          <p:cNvPr id="12" name="Rectangle 11">
+            <a:extLst>
+              <a:ext uri="{FF2B5EF4-FFF2-40B4-BE49-F238E27FC236}">
+                <a16:creationId xmlns:a16="http://schemas.microsoft.com/office/drawing/2014/main" id="{08C9AE97-7CA6-B25A-BCD6-08F06E2FDA20}"/>
+              </a:ext>
+            </a:extLst>
+          </p:cNvPr>
+          <p:cNvSpPr/>
+          <p:nvPr/>
+        </p:nvSpPr>
+        <p:spPr>
+          <a:xfrm>
+            <a:off x="7509387" y="2710021"/>
+            <a:ext cx="2364658" cy="860321"/>
+          </a:xfrm>
+          <a:prstGeom prst="rect">
+            <a:avLst/>
+          </a:prstGeom>
+          <a:solidFill>
+            <a:schemeClr val="accent2">
+              <a:lumMod val="40000"/>
+              <a:lumOff val="60000"/>
+            </a:schemeClr>
+          </a:solidFill>
+          <a:ln>
+            <a:solidFill>
+              <a:schemeClr val="tx1"/>
+            </a:solidFill>
+          </a:ln>
+        </p:spPr>
+        <p:style>
+          <a:lnRef idx="2">
+            <a:schemeClr val="accent1">
+              <a:shade val="15000"/>
+            </a:schemeClr>
+          </a:lnRef>
+          <a:fillRef idx="1">
+            <a:schemeClr val="accent1"/>
+          </a:fillRef>
+          <a:effectRef idx="0">
+            <a:schemeClr val="accent1"/>
+          </a:effectRef>
+          <a:fontRef idx="minor">
+            <a:schemeClr val="lt1"/>
+          </a:fontRef>
+        </p:style>
+        <p:txBody>
+          <a:bodyPr rtlCol="0" anchor="ctr"/>
+          <a:lstStyle/>
+          <a:p>
+            <a:pPr algn="ctr"/>
+            <a:r>
+              <a:rPr lang="en-GB" dirty="0">
+                <a:solidFill>
+                  <a:schemeClr val="tx1"/>
+                </a:solidFill>
+              </a:rPr>
+              <a:t>A4</a:t>
+            </a:r>
+            <a:endParaRPr lang="en-DE" dirty="0">
+              <a:solidFill>
+                <a:schemeClr val="tx1"/>
+              </a:solidFill>
+            </a:endParaRPr>
+          </a:p>
+        </p:txBody>
+      </p:sp>
+    </p:spTree>
+    <p:extLst>
+      <p:ext uri="{BB962C8B-B14F-4D97-AF65-F5344CB8AC3E}">
+        <p14:creationId xmlns:p14="http://schemas.microsoft.com/office/powerpoint/2010/main" val="1543575077"/>
+      </p:ext>
+    </p:extLst>
+  </p:cSld>
+  <p:clrMapOvr>
+    <a:masterClrMapping/>
+  </p:clrMapOvr>
+</p:sld>
+</file>
+
+<file path=ppt/slides/slide11.xml><?xml version="1.0" encoding="utf-8"?>
+<p:sld xmlns:a="http://schemas.openxmlformats.org/drawingml/2006/main" xmlns:r="http://schemas.openxmlformats.org/officeDocument/2006/relationships" xmlns:p="http://schemas.openxmlformats.org/presentationml/2006/main">
+  <p:cSld>
+    <p:spTree>
+      <p:nvGrpSpPr>
+        <p:cNvPr id="1" name=""/>
+        <p:cNvGrpSpPr/>
+        <p:nvPr/>
+      </p:nvGrpSpPr>
+      <p:grpSpPr>
+        <a:xfrm>
+          <a:off x="0" y="0"/>
+          <a:ext cx="0" cy="0"/>
+          <a:chOff x="0" y="0"/>
+          <a:chExt cx="0" cy="0"/>
+        </a:xfrm>
+      </p:grpSpPr>
+      <p:sp>
+        <p:nvSpPr>
+          <p:cNvPr id="3" name="Rectangle 2">
+            <a:extLst>
+              <a:ext uri="{FF2B5EF4-FFF2-40B4-BE49-F238E27FC236}">
+                <a16:creationId xmlns:a16="http://schemas.microsoft.com/office/drawing/2014/main" id="{581799DD-DB57-E566-DF79-2564636FD320}"/>
+              </a:ext>
+            </a:extLst>
+          </p:cNvPr>
+          <p:cNvSpPr/>
+          <p:nvPr/>
+        </p:nvSpPr>
+        <p:spPr>
+          <a:xfrm>
+            <a:off x="1396181" y="491613"/>
+            <a:ext cx="9360309" cy="5712542"/>
+          </a:xfrm>
+          <a:prstGeom prst="rect">
+            <a:avLst/>
+          </a:prstGeom>
+          <a:noFill/>
+          <a:ln>
+            <a:solidFill>
+              <a:schemeClr val="tx1"/>
+            </a:solidFill>
+          </a:ln>
+        </p:spPr>
+        <p:style>
+          <a:lnRef idx="2">
+            <a:schemeClr val="accent1">
+              <a:shade val="15000"/>
+            </a:schemeClr>
+          </a:lnRef>
+          <a:fillRef idx="1">
+            <a:schemeClr val="accent1"/>
+          </a:fillRef>
+          <a:effectRef idx="0">
+            <a:schemeClr val="accent1"/>
+          </a:effectRef>
+          <a:fontRef idx="minor">
+            <a:schemeClr val="lt1"/>
+          </a:fontRef>
+        </p:style>
+        <p:txBody>
+          <a:bodyPr rtlCol="0" anchor="ctr"/>
+          <a:lstStyle/>
+          <a:p>
+            <a:pPr algn="ctr"/>
+            <a:endParaRPr lang="en-DE" dirty="0">
+              <a:solidFill>
+                <a:schemeClr val="tx1"/>
+              </a:solidFill>
+            </a:endParaRPr>
+          </a:p>
+        </p:txBody>
+      </p:sp>
+      <p:sp>
+        <p:nvSpPr>
+          <p:cNvPr id="5" name="Rectangle 4">
+            <a:extLst>
+              <a:ext uri="{FF2B5EF4-FFF2-40B4-BE49-F238E27FC236}">
+                <a16:creationId xmlns:a16="http://schemas.microsoft.com/office/drawing/2014/main" id="{71F578EA-16E1-7C85-60C5-ABC91DDD1DB1}"/>
+              </a:ext>
+            </a:extLst>
+          </p:cNvPr>
+          <p:cNvSpPr/>
+          <p:nvPr/>
+        </p:nvSpPr>
+        <p:spPr>
+          <a:xfrm>
+            <a:off x="1396181" y="498984"/>
+            <a:ext cx="6263148" cy="845574"/>
+          </a:xfrm>
+          <a:prstGeom prst="rect">
+            <a:avLst/>
+          </a:prstGeom>
+          <a:noFill/>
+        </p:spPr>
+        <p:style>
+          <a:lnRef idx="2">
+            <a:schemeClr val="accent1">
+              <a:shade val="15000"/>
+            </a:schemeClr>
+          </a:lnRef>
+          <a:fillRef idx="1">
+            <a:schemeClr val="accent1"/>
+          </a:fillRef>
+          <a:effectRef idx="0">
+            <a:schemeClr val="accent1"/>
+          </a:effectRef>
+          <a:fontRef idx="minor">
+            <a:schemeClr val="lt1"/>
+          </a:fontRef>
+        </p:style>
+        <p:txBody>
+          <a:bodyPr rtlCol="0" anchor="ctr"/>
+          <a:lstStyle/>
+          <a:p>
+            <a:pPr algn="ctr"/>
+            <a:r>
+              <a:rPr lang="en-GB" dirty="0">
+                <a:solidFill>
+                  <a:schemeClr val="tx1"/>
+                </a:solidFill>
+              </a:rPr>
+              <a:t>Access Platform for Providers (APP)</a:t>
+            </a:r>
+            <a:endParaRPr lang="en-DE" dirty="0">
+              <a:solidFill>
+                <a:schemeClr val="tx1"/>
+              </a:solidFill>
+            </a:endParaRPr>
+          </a:p>
+        </p:txBody>
+      </p:sp>
+      <p:sp>
+        <p:nvSpPr>
+          <p:cNvPr id="2" name="Oval 1">
+            <a:extLst>
+              <a:ext uri="{FF2B5EF4-FFF2-40B4-BE49-F238E27FC236}">
+                <a16:creationId xmlns:a16="http://schemas.microsoft.com/office/drawing/2014/main" id="{F9340B88-C887-8428-3433-24CAB9ADF8D9}"/>
+              </a:ext>
+            </a:extLst>
+          </p:cNvPr>
+          <p:cNvSpPr/>
+          <p:nvPr/>
+        </p:nvSpPr>
+        <p:spPr>
+          <a:xfrm>
+            <a:off x="9969910" y="575182"/>
+            <a:ext cx="698090" cy="693179"/>
+          </a:xfrm>
+          <a:prstGeom prst="ellipse">
+            <a:avLst/>
+          </a:prstGeom>
+          <a:solidFill>
+            <a:schemeClr val="tx1">
+              <a:lumMod val="50000"/>
+              <a:lumOff val="50000"/>
+            </a:schemeClr>
+          </a:solidFill>
+          <a:ln>
+            <a:solidFill>
+              <a:schemeClr val="tx1"/>
+            </a:solidFill>
+          </a:ln>
+        </p:spPr>
+        <p:style>
+          <a:lnRef idx="2">
+            <a:schemeClr val="accent1">
+              <a:shade val="15000"/>
+            </a:schemeClr>
+          </a:lnRef>
+          <a:fillRef idx="1">
+            <a:schemeClr val="accent1"/>
+          </a:fillRef>
+          <a:effectRef idx="0">
+            <a:schemeClr val="accent1"/>
+          </a:effectRef>
+          <a:fontRef idx="minor">
+            <a:schemeClr val="lt1"/>
+          </a:fontRef>
+        </p:style>
+        <p:txBody>
+          <a:bodyPr rtlCol="0" anchor="ctr"/>
+          <a:lstStyle/>
+          <a:p>
+            <a:pPr algn="ctr"/>
+            <a:r>
+              <a:rPr lang="en-GB" dirty="0">
+                <a:solidFill>
+                  <a:schemeClr val="tx1"/>
+                </a:solidFill>
+              </a:rPr>
+              <a:t>A1</a:t>
+            </a:r>
+            <a:endParaRPr lang="en-DE" dirty="0">
+              <a:solidFill>
+                <a:schemeClr val="tx1"/>
+              </a:solidFill>
+            </a:endParaRPr>
+          </a:p>
+        </p:txBody>
+      </p:sp>
+      <p:sp>
+        <p:nvSpPr>
+          <p:cNvPr id="4" name="Rectangle 3">
+            <a:extLst>
+              <a:ext uri="{FF2B5EF4-FFF2-40B4-BE49-F238E27FC236}">
+                <a16:creationId xmlns:a16="http://schemas.microsoft.com/office/drawing/2014/main" id="{2EEDA58F-D213-577E-1C7F-8EC8032E19BE}"/>
+              </a:ext>
+            </a:extLst>
+          </p:cNvPr>
+          <p:cNvSpPr/>
+          <p:nvPr/>
+        </p:nvSpPr>
+        <p:spPr>
+          <a:xfrm>
+            <a:off x="1710811" y="2074606"/>
+            <a:ext cx="8770375" cy="3549446"/>
+          </a:xfrm>
+          <a:prstGeom prst="rect">
+            <a:avLst/>
+          </a:prstGeom>
+          <a:noFill/>
+        </p:spPr>
+        <p:style>
+          <a:lnRef idx="2">
+            <a:schemeClr val="accent1">
+              <a:shade val="15000"/>
+            </a:schemeClr>
+          </a:lnRef>
+          <a:fillRef idx="1">
+            <a:schemeClr val="accent1"/>
+          </a:fillRef>
+          <a:effectRef idx="0">
+            <a:schemeClr val="accent1"/>
+          </a:effectRef>
+          <a:fontRef idx="minor">
+            <a:schemeClr val="lt1"/>
+          </a:fontRef>
+        </p:style>
+        <p:txBody>
+          <a:bodyPr rtlCol="0" anchor="ctr"/>
+          <a:lstStyle/>
+          <a:p>
+            <a:r>
+              <a:rPr lang="en-GB" dirty="0">
+                <a:solidFill>
+                  <a:schemeClr val="tx1"/>
+                </a:solidFill>
+              </a:rPr>
+              <a:t>Name: A2 -&gt; </a:t>
+            </a:r>
+            <a:r>
+              <a:rPr lang="en-GB" dirty="0">
+                <a:solidFill>
+                  <a:schemeClr val="tx1"/>
+                </a:solidFill>
+                <a:highlight>
+                  <a:srgbClr val="00FF00"/>
+                </a:highlight>
+              </a:rPr>
+              <a:t>can be edit</a:t>
+            </a:r>
+          </a:p>
+          <a:p>
+            <a:endParaRPr lang="en-GB" dirty="0">
+              <a:solidFill>
+                <a:schemeClr val="tx1"/>
+              </a:solidFill>
+            </a:endParaRPr>
+          </a:p>
+          <a:p>
+            <a:r>
+              <a:rPr lang="en-GB" dirty="0">
+                <a:solidFill>
+                  <a:schemeClr val="tx1"/>
+                </a:solidFill>
+              </a:rPr>
+              <a:t>Address: Ordnungsamt 45 -&gt; </a:t>
+            </a:r>
+            <a:r>
+              <a:rPr lang="en-GB" dirty="0">
+                <a:solidFill>
+                  <a:schemeClr val="tx1"/>
+                </a:solidFill>
+                <a:highlight>
+                  <a:srgbClr val="00FF00"/>
+                </a:highlight>
+              </a:rPr>
+              <a:t>can be edit</a:t>
+            </a:r>
+          </a:p>
+          <a:p>
+            <a:endParaRPr lang="en-GB" dirty="0">
+              <a:solidFill>
+                <a:schemeClr val="tx1"/>
+              </a:solidFill>
+            </a:endParaRPr>
+          </a:p>
+          <a:p>
+            <a:r>
+              <a:rPr lang="en-GB" dirty="0">
+                <a:solidFill>
+                  <a:schemeClr val="tx1"/>
+                </a:solidFill>
+              </a:rPr>
+              <a:t>Mobile Number: +49 17676585223 -&gt; </a:t>
+            </a:r>
+            <a:r>
+              <a:rPr lang="en-GB" dirty="0">
+                <a:solidFill>
+                  <a:schemeClr val="tx1"/>
+                </a:solidFill>
+                <a:highlight>
+                  <a:srgbClr val="00FF00"/>
+                </a:highlight>
+              </a:rPr>
+              <a:t>can be edit</a:t>
+            </a:r>
+            <a:endParaRPr lang="en-GB" dirty="0">
+              <a:solidFill>
+                <a:schemeClr val="tx1"/>
+              </a:solidFill>
+            </a:endParaRPr>
+          </a:p>
+          <a:p>
+            <a:endParaRPr lang="en-GB" dirty="0">
+              <a:solidFill>
+                <a:schemeClr val="tx1"/>
+              </a:solidFill>
+            </a:endParaRPr>
+          </a:p>
+          <a:p>
+            <a:r>
+              <a:rPr lang="en-GB" dirty="0">
+                <a:solidFill>
+                  <a:schemeClr val="tx1"/>
+                </a:solidFill>
+              </a:rPr>
+              <a:t>Email ID: </a:t>
+            </a:r>
+            <a:r>
+              <a:rPr lang="en-GB" dirty="0">
+                <a:solidFill>
+                  <a:schemeClr val="tx1"/>
+                </a:solidFill>
+                <a:hlinkClick r:id="rId2"/>
+              </a:rPr>
+              <a:t>a2frankfurt@app.com</a:t>
+            </a:r>
+            <a:r>
+              <a:rPr lang="en-GB" dirty="0">
+                <a:solidFill>
+                  <a:schemeClr val="tx1"/>
+                </a:solidFill>
+              </a:rPr>
+              <a:t> -&gt; </a:t>
+            </a:r>
+            <a:r>
+              <a:rPr lang="en-GB" dirty="0">
+                <a:solidFill>
+                  <a:schemeClr val="tx1"/>
+                </a:solidFill>
+                <a:highlight>
+                  <a:srgbClr val="00FF00"/>
+                </a:highlight>
+              </a:rPr>
+              <a:t>can be edit</a:t>
+            </a:r>
+            <a:endParaRPr lang="en-GB" dirty="0">
+              <a:solidFill>
+                <a:schemeClr val="tx1"/>
+              </a:solidFill>
+            </a:endParaRPr>
+          </a:p>
+          <a:p>
+            <a:endParaRPr lang="en-GB" dirty="0">
+              <a:solidFill>
+                <a:schemeClr val="tx1"/>
+              </a:solidFill>
+            </a:endParaRPr>
+          </a:p>
+          <a:p>
+            <a:r>
+              <a:rPr lang="en-GB" dirty="0">
+                <a:solidFill>
+                  <a:schemeClr val="tx1"/>
+                </a:solidFill>
+              </a:rPr>
+              <a:t>User ID: a2berlin123 -&gt; </a:t>
+            </a:r>
+            <a:r>
+              <a:rPr lang="en-GB" dirty="0">
+                <a:solidFill>
+                  <a:schemeClr val="tx1"/>
+                </a:solidFill>
+                <a:highlight>
+                  <a:srgbClr val="00FF00"/>
+                </a:highlight>
+              </a:rPr>
+              <a:t>can’t be edit</a:t>
+            </a:r>
+            <a:endParaRPr lang="en-GB" dirty="0">
+              <a:solidFill>
+                <a:schemeClr val="tx1"/>
+              </a:solidFill>
+            </a:endParaRPr>
+          </a:p>
+          <a:p>
+            <a:endParaRPr lang="en-GB" dirty="0">
+              <a:solidFill>
+                <a:schemeClr val="tx1"/>
+              </a:solidFill>
+            </a:endParaRPr>
+          </a:p>
+          <a:p>
+            <a:r>
+              <a:rPr lang="en-GB" dirty="0">
+                <a:solidFill>
+                  <a:schemeClr val="tx1"/>
+                </a:solidFill>
+              </a:rPr>
+              <a:t>Password: ****** -&gt; </a:t>
+            </a:r>
+            <a:r>
+              <a:rPr lang="en-GB" dirty="0">
+                <a:solidFill>
+                  <a:schemeClr val="tx1"/>
+                </a:solidFill>
+                <a:highlight>
+                  <a:srgbClr val="00FF00"/>
+                </a:highlight>
+              </a:rPr>
+              <a:t>can’t be edit</a:t>
+            </a:r>
+          </a:p>
+        </p:txBody>
+      </p:sp>
+    </p:spTree>
+    <p:extLst>
+      <p:ext uri="{BB962C8B-B14F-4D97-AF65-F5344CB8AC3E}">
+        <p14:creationId xmlns:p14="http://schemas.microsoft.com/office/powerpoint/2010/main" val="1096277299"/>
+      </p:ext>
+    </p:extLst>
+  </p:cSld>
+  <p:clrMapOvr>
+    <a:masterClrMapping/>
+  </p:clrMapOvr>
+</p:sld>
+</file>
+
+<file path=ppt/slides/slide12.xml><?xml version="1.0" encoding="utf-8"?>
+<p:sld xmlns:a="http://schemas.openxmlformats.org/drawingml/2006/main" xmlns:r="http://schemas.openxmlformats.org/officeDocument/2006/relationships" xmlns:p="http://schemas.openxmlformats.org/presentationml/2006/main">
+  <p:cSld>
+    <p:spTree>
+      <p:nvGrpSpPr>
+        <p:cNvPr id="1" name=""/>
+        <p:cNvGrpSpPr/>
+        <p:nvPr/>
+      </p:nvGrpSpPr>
+      <p:grpSpPr>
+        <a:xfrm>
+          <a:off x="0" y="0"/>
+          <a:ext cx="0" cy="0"/>
+          <a:chOff x="0" y="0"/>
+          <a:chExt cx="0" cy="0"/>
+        </a:xfrm>
+      </p:grpSpPr>
+      <p:sp>
+        <p:nvSpPr>
           <p:cNvPr id="2" name="Title 1">
             <a:extLst>
               <a:ext uri="{FF2B5EF4-FFF2-40B4-BE49-F238E27FC236}">
@@ -4856,7 +5528,7 @@
         </p:nvSpPr>
         <p:spPr>
           <a:xfrm>
-            <a:off x="1435510" y="535862"/>
+            <a:off x="1396181" y="487926"/>
             <a:ext cx="6263148" cy="845574"/>
           </a:xfrm>
           <a:prstGeom prst="rect">
@@ -4891,7 +5563,7 @@
                   <a:schemeClr val="tx1"/>
                 </a:solidFill>
               </a:rPr>
-              <a:t>Welcome to Access Platform for Providers (APP)</a:t>
+              <a:t>Access Platform for Providers (APP)</a:t>
             </a:r>
             <a:endParaRPr lang="en-DE" dirty="0">
               <a:solidFill>
@@ -5052,7 +5724,9 @@
           <a:prstGeom prst="ellipse">
             <a:avLst/>
           </a:prstGeom>
-          <a:noFill/>
+          <a:solidFill>
+            <a:srgbClr val="FFFF00"/>
+          </a:solidFill>
           <a:ln>
             <a:solidFill>
               <a:schemeClr val="tx1"/>
@@ -5165,12 +5839,53 @@
           </a:p>
         </p:txBody>
       </p:sp>
-      <p:sp>
-        <p:nvSpPr>
-          <p:cNvPr id="10" name="Rectangle: Rounded Corners 9">
-            <a:extLst>
-              <a:ext uri="{FF2B5EF4-FFF2-40B4-BE49-F238E27FC236}">
-                <a16:creationId xmlns:a16="http://schemas.microsoft.com/office/drawing/2014/main" id="{490D5FEA-81B2-2575-2E13-7286B01ABBD7}"/>
+      <p:cxnSp>
+        <p:nvCxnSpPr>
+          <p:cNvPr id="7" name="Straight Connector 6">
+            <a:extLst>
+              <a:ext uri="{FF2B5EF4-FFF2-40B4-BE49-F238E27FC236}">
+                <a16:creationId xmlns:a16="http://schemas.microsoft.com/office/drawing/2014/main" id="{865E6668-9EC7-2037-D696-9A7B23223A80}"/>
+              </a:ext>
+            </a:extLst>
+          </p:cNvPr>
+          <p:cNvCxnSpPr/>
+          <p:nvPr/>
+        </p:nvCxnSpPr>
+        <p:spPr>
+          <a:xfrm>
+            <a:off x="2753033" y="1333500"/>
+            <a:ext cx="0" cy="4870655"/>
+          </a:xfrm>
+          <a:prstGeom prst="line">
+            <a:avLst/>
+          </a:prstGeom>
+          <a:ln>
+            <a:solidFill>
+              <a:schemeClr val="tx1"/>
+            </a:solidFill>
+          </a:ln>
+        </p:spPr>
+        <p:style>
+          <a:lnRef idx="1">
+            <a:schemeClr val="accent1"/>
+          </a:lnRef>
+          <a:fillRef idx="0">
+            <a:schemeClr val="accent1"/>
+          </a:fillRef>
+          <a:effectRef idx="0">
+            <a:schemeClr val="accent1"/>
+          </a:effectRef>
+          <a:fontRef idx="minor">
+            <a:schemeClr val="tx1"/>
+          </a:fontRef>
+        </p:style>
+      </p:cxnSp>
+      <p:sp>
+        <p:nvSpPr>
+          <p:cNvPr id="8" name="Rectangle 7">
+            <a:extLst>
+              <a:ext uri="{FF2B5EF4-FFF2-40B4-BE49-F238E27FC236}">
+                <a16:creationId xmlns:a16="http://schemas.microsoft.com/office/drawing/2014/main" id="{491A5740-6193-28C3-33B6-89B4C2523EB9}"/>
               </a:ext>
             </a:extLst>
           </p:cNvPr>
@@ -5179,18 +5894,21 @@
         </p:nvSpPr>
         <p:spPr>
           <a:xfrm>
-            <a:off x="9144000" y="5673213"/>
-            <a:ext cx="1524000" cy="452284"/>
-          </a:xfrm>
-          <a:prstGeom prst="roundRect">
+            <a:off x="1396180" y="2113935"/>
+            <a:ext cx="1356845" cy="589936"/>
+          </a:xfrm>
+          <a:prstGeom prst="rect">
             <a:avLst/>
           </a:prstGeom>
           <a:solidFill>
-            <a:schemeClr val="tx2">
-              <a:lumMod val="20000"/>
-              <a:lumOff val="80000"/>
+            <a:schemeClr val="accent1">
+              <a:lumMod val="60000"/>
+              <a:lumOff val="40000"/>
             </a:schemeClr>
           </a:solidFill>
+          <a:ln>
+            <a:noFill/>
+          </a:ln>
         </p:spPr>
         <p:style>
           <a:lnRef idx="2">
@@ -5214,23 +5932,79 @@
           <a:p>
             <a:pPr algn="ctr"/>
             <a:r>
-              <a:rPr lang="en-GB" dirty="0">
+              <a:rPr lang="en-GB" sz="1400" dirty="0">
                 <a:solidFill>
                   <a:schemeClr val="tx1"/>
                 </a:solidFill>
-                <a:highlight>
-                  <a:srgbClr val="00FF00"/>
-                </a:highlight>
               </a:rPr>
-              <a:t>Future-X</a:t>
-            </a:r>
-            <a:endParaRPr lang="en-DE" dirty="0">
+              <a:t>Profile Category</a:t>
+            </a:r>
+            <a:endParaRPr lang="en-DE" sz="1400" dirty="0">
               <a:solidFill>
                 <a:schemeClr val="tx1"/>
               </a:solidFill>
-              <a:highlight>
-                <a:srgbClr val="00FF00"/>
-              </a:highlight>
+            </a:endParaRPr>
+          </a:p>
+        </p:txBody>
+      </p:sp>
+      <p:sp>
+        <p:nvSpPr>
+          <p:cNvPr id="11" name="Rectangle 10">
+            <a:extLst>
+              <a:ext uri="{FF2B5EF4-FFF2-40B4-BE49-F238E27FC236}">
+                <a16:creationId xmlns:a16="http://schemas.microsoft.com/office/drawing/2014/main" id="{E54D7DE2-CF12-D8E6-9E2B-4DFD3DDA772B}"/>
+              </a:ext>
+            </a:extLst>
+          </p:cNvPr>
+          <p:cNvSpPr/>
+          <p:nvPr/>
+        </p:nvSpPr>
+        <p:spPr>
+          <a:xfrm>
+            <a:off x="1396180" y="4159046"/>
+            <a:ext cx="1337180" cy="589936"/>
+          </a:xfrm>
+          <a:prstGeom prst="rect">
+            <a:avLst/>
+          </a:prstGeom>
+          <a:noFill/>
+          <a:ln>
+            <a:noFill/>
+          </a:ln>
+        </p:spPr>
+        <p:style>
+          <a:lnRef idx="2">
+            <a:schemeClr val="accent1">
+              <a:shade val="15000"/>
+            </a:schemeClr>
+          </a:lnRef>
+          <a:fillRef idx="1">
+            <a:schemeClr val="accent1"/>
+          </a:fillRef>
+          <a:effectRef idx="0">
+            <a:schemeClr val="accent1"/>
+          </a:effectRef>
+          <a:fontRef idx="minor">
+            <a:schemeClr val="lt1"/>
+          </a:fontRef>
+        </p:style>
+        <p:txBody>
+          <a:bodyPr rtlCol="0" anchor="ctr"/>
+          <a:lstStyle/>
+          <a:p>
+            <a:pPr algn="ctr"/>
+            <a:r>
+              <a:rPr lang="en-GB" sz="1400" dirty="0">
+                <a:solidFill>
+                  <a:schemeClr val="tx1"/>
+                </a:solidFill>
+              </a:rPr>
+              <a:t>Notifications</a:t>
+            </a:r>
+            <a:endParaRPr lang="en-DE" sz="1400" dirty="0">
+              <a:solidFill>
+                <a:schemeClr val="tx1"/>
+              </a:solidFill>
             </a:endParaRPr>
           </a:p>
         </p:txBody>
@@ -5335,7 +6109,7 @@
         </p:nvSpPr>
         <p:spPr>
           <a:xfrm>
-            <a:off x="1435510" y="535862"/>
+            <a:off x="1396181" y="491613"/>
             <a:ext cx="6263148" cy="845574"/>
           </a:xfrm>
           <a:prstGeom prst="rect">
@@ -5394,7 +6168,7 @@
         </p:nvSpPr>
         <p:spPr>
           <a:xfrm>
-            <a:off x="2939845" y="1986116"/>
+            <a:off x="2939845" y="1605116"/>
             <a:ext cx="5879690" cy="717755"/>
           </a:xfrm>
           <a:prstGeom prst="rect">
@@ -5456,7 +6230,7 @@
         </p:nvSpPr>
         <p:spPr>
           <a:xfrm>
-            <a:off x="2403988" y="3593691"/>
+            <a:off x="3515032" y="4065639"/>
             <a:ext cx="2364658" cy="860321"/>
           </a:xfrm>
           <a:prstGeom prst="rect">
@@ -5531,7 +6305,9 @@
           <a:prstGeom prst="ellipse">
             <a:avLst/>
           </a:prstGeom>
-          <a:noFill/>
+          <a:solidFill>
+            <a:srgbClr val="FFFF00"/>
+          </a:solidFill>
           <a:ln>
             <a:solidFill>
               <a:schemeClr val="tx1"/>
@@ -5589,7 +6365,7 @@
         </p:nvSpPr>
         <p:spPr>
           <a:xfrm>
-            <a:off x="4913672" y="3588775"/>
+            <a:off x="4697361" y="2787446"/>
             <a:ext cx="2364658" cy="860321"/>
           </a:xfrm>
           <a:prstGeom prst="rect">
@@ -5658,7 +6434,7 @@
         </p:nvSpPr>
         <p:spPr>
           <a:xfrm>
-            <a:off x="7423356" y="3593690"/>
+            <a:off x="6312312" y="4065639"/>
             <a:ext cx="2364658" cy="860321"/>
           </a:xfrm>
           <a:prstGeom prst="rect">
@@ -5713,12 +6489,53 @@
           </a:p>
         </p:txBody>
       </p:sp>
-      <p:sp>
-        <p:nvSpPr>
-          <p:cNvPr id="8" name="Rectangle: Rounded Corners 7">
-            <a:extLst>
-              <a:ext uri="{FF2B5EF4-FFF2-40B4-BE49-F238E27FC236}">
-                <a16:creationId xmlns:a16="http://schemas.microsoft.com/office/drawing/2014/main" id="{D1032491-0D62-2448-AD5C-D682F2F7767B}"/>
+      <p:cxnSp>
+        <p:nvCxnSpPr>
+          <p:cNvPr id="9" name="Straight Connector 8">
+            <a:extLst>
+              <a:ext uri="{FF2B5EF4-FFF2-40B4-BE49-F238E27FC236}">
+                <a16:creationId xmlns:a16="http://schemas.microsoft.com/office/drawing/2014/main" id="{00310458-B32E-8392-3DA2-B454A5D9C6D1}"/>
+              </a:ext>
+            </a:extLst>
+          </p:cNvPr>
+          <p:cNvCxnSpPr/>
+          <p:nvPr/>
+        </p:nvCxnSpPr>
+        <p:spPr>
+          <a:xfrm>
+            <a:off x="2753033" y="1333500"/>
+            <a:ext cx="0" cy="4870655"/>
+          </a:xfrm>
+          <a:prstGeom prst="line">
+            <a:avLst/>
+          </a:prstGeom>
+          <a:ln>
+            <a:solidFill>
+              <a:schemeClr val="tx1"/>
+            </a:solidFill>
+          </a:ln>
+        </p:spPr>
+        <p:style>
+          <a:lnRef idx="1">
+            <a:schemeClr val="accent1"/>
+          </a:lnRef>
+          <a:fillRef idx="0">
+            <a:schemeClr val="accent1"/>
+          </a:fillRef>
+          <a:effectRef idx="0">
+            <a:schemeClr val="accent1"/>
+          </a:effectRef>
+          <a:fontRef idx="minor">
+            <a:schemeClr val="tx1"/>
+          </a:fontRef>
+        </p:style>
+      </p:cxnSp>
+      <p:sp>
+        <p:nvSpPr>
+          <p:cNvPr id="11" name="Rectangle 10">
+            <a:extLst>
+              <a:ext uri="{FF2B5EF4-FFF2-40B4-BE49-F238E27FC236}">
+                <a16:creationId xmlns:a16="http://schemas.microsoft.com/office/drawing/2014/main" id="{4A7AC61E-CAC2-CD3A-3ED0-DDC39AFE1795}"/>
               </a:ext>
             </a:extLst>
           </p:cNvPr>
@@ -5727,18 +6544,16 @@
         </p:nvSpPr>
         <p:spPr>
           <a:xfrm>
-            <a:off x="9144000" y="5673213"/>
-            <a:ext cx="1524000" cy="452284"/>
-          </a:xfrm>
-          <a:prstGeom prst="roundRect">
-            <a:avLst/>
-          </a:prstGeom>
-          <a:solidFill>
-            <a:schemeClr val="tx2">
-              <a:lumMod val="20000"/>
-              <a:lumOff val="80000"/>
-            </a:schemeClr>
-          </a:solidFill>
+            <a:off x="1396181" y="4340941"/>
+            <a:ext cx="1337180" cy="589936"/>
+          </a:xfrm>
+          <a:prstGeom prst="rect">
+            <a:avLst/>
+          </a:prstGeom>
+          <a:noFill/>
+          <a:ln>
+            <a:noFill/>
+          </a:ln>
         </p:spPr>
         <p:style>
           <a:lnRef idx="2">
@@ -5762,23 +6577,84 @@
           <a:p>
             <a:pPr algn="ctr"/>
             <a:r>
-              <a:rPr lang="en-GB" dirty="0">
+              <a:rPr lang="en-GB" sz="1400" dirty="0">
                 <a:solidFill>
                   <a:schemeClr val="tx1"/>
                 </a:solidFill>
-                <a:highlight>
-                  <a:srgbClr val="00FF00"/>
-                </a:highlight>
               </a:rPr>
-              <a:t>Future-X</a:t>
-            </a:r>
-            <a:endParaRPr lang="en-DE" dirty="0">
+              <a:t>Notifications</a:t>
+            </a:r>
+            <a:endParaRPr lang="en-DE" sz="1400" dirty="0">
               <a:solidFill>
                 <a:schemeClr val="tx1"/>
               </a:solidFill>
-              <a:highlight>
-                <a:srgbClr val="00FF00"/>
-              </a:highlight>
+            </a:endParaRPr>
+          </a:p>
+        </p:txBody>
+      </p:sp>
+      <p:sp>
+        <p:nvSpPr>
+          <p:cNvPr id="12" name="Rectangle 11">
+            <a:extLst>
+              <a:ext uri="{FF2B5EF4-FFF2-40B4-BE49-F238E27FC236}">
+                <a16:creationId xmlns:a16="http://schemas.microsoft.com/office/drawing/2014/main" id="{2EF32DB1-1CE7-9327-7327-727B1D3F85D8}"/>
+              </a:ext>
+            </a:extLst>
+          </p:cNvPr>
+          <p:cNvSpPr/>
+          <p:nvPr/>
+        </p:nvSpPr>
+        <p:spPr>
+          <a:xfrm>
+            <a:off x="1396181" y="2175391"/>
+            <a:ext cx="1356845" cy="589936"/>
+          </a:xfrm>
+          <a:prstGeom prst="rect">
+            <a:avLst/>
+          </a:prstGeom>
+          <a:solidFill>
+            <a:schemeClr val="accent1">
+              <a:lumMod val="60000"/>
+              <a:lumOff val="40000"/>
+            </a:schemeClr>
+          </a:solidFill>
+          <a:ln>
+            <a:noFill/>
+          </a:ln>
+        </p:spPr>
+        <p:style>
+          <a:lnRef idx="2">
+            <a:schemeClr val="accent1">
+              <a:shade val="15000"/>
+            </a:schemeClr>
+          </a:lnRef>
+          <a:fillRef idx="1">
+            <a:schemeClr val="accent1"/>
+          </a:fillRef>
+          <a:effectRef idx="0">
+            <a:schemeClr val="accent1"/>
+          </a:effectRef>
+          <a:fontRef idx="minor">
+            <a:schemeClr val="lt1"/>
+          </a:fontRef>
+        </p:style>
+        <p:txBody>
+          <a:bodyPr rtlCol="0" anchor="ctr"/>
+          <a:lstStyle/>
+          <a:p>
+            <a:pPr algn="ctr"/>
+            <a:r>
+              <a:rPr lang="en-GB" sz="1400" dirty="0">
+                <a:solidFill>
+                  <a:schemeClr val="tx1"/>
+                </a:solidFill>
+              </a:rPr>
+              <a:t>Service category</a:t>
+            </a:r>
+            <a:endParaRPr lang="en-DE" sz="1400" dirty="0">
+              <a:solidFill>
+                <a:schemeClr val="tx1"/>
+              </a:solidFill>
             </a:endParaRPr>
           </a:p>
         </p:txBody>
@@ -5799,6 +6675,11 @@
 <file path=ppt/slides/slide4.xml><?xml version="1.0" encoding="utf-8"?>
 <p:sld xmlns:a="http://schemas.openxmlformats.org/drawingml/2006/main" xmlns:r="http://schemas.openxmlformats.org/officeDocument/2006/relationships" xmlns:p="http://schemas.openxmlformats.org/presentationml/2006/main">
   <p:cSld>
+    <p:bg>
+      <p:bgRef idx="1001">
+        <a:schemeClr val="bg1"/>
+      </p:bgRef>
+    </p:bg>
     <p:spTree>
       <p:nvGrpSpPr>
         <p:cNvPr id="1" name=""/>
@@ -5883,7 +6764,7 @@
         </p:nvSpPr>
         <p:spPr>
           <a:xfrm>
-            <a:off x="1435510" y="535862"/>
+            <a:off x="1396181" y="498984"/>
             <a:ext cx="6263148" cy="845574"/>
           </a:xfrm>
           <a:prstGeom prst="rect">
@@ -5942,7 +6823,7 @@
         </p:nvSpPr>
         <p:spPr>
           <a:xfrm>
-            <a:off x="2939845" y="1986116"/>
+            <a:off x="3131575" y="1669026"/>
             <a:ext cx="5879690" cy="717755"/>
           </a:xfrm>
           <a:prstGeom prst="rect">
@@ -6004,7 +6885,7 @@
         </p:nvSpPr>
         <p:spPr>
           <a:xfrm>
-            <a:off x="2403988" y="3593691"/>
+            <a:off x="4913672" y="2716162"/>
             <a:ext cx="2364658" cy="860321"/>
           </a:xfrm>
           <a:prstGeom prst="rect">
@@ -6079,7 +6960,9 @@
           <a:prstGeom prst="ellipse">
             <a:avLst/>
           </a:prstGeom>
-          <a:noFill/>
+          <a:solidFill>
+            <a:srgbClr val="FFFF00"/>
+          </a:solidFill>
           <a:ln>
             <a:solidFill>
               <a:schemeClr val="tx1"/>
@@ -6137,7 +7020,7 @@
         </p:nvSpPr>
         <p:spPr>
           <a:xfrm>
-            <a:off x="4913672" y="3588775"/>
+            <a:off x="3515032" y="3905864"/>
             <a:ext cx="2364658" cy="860321"/>
           </a:xfrm>
           <a:prstGeom prst="rect">
@@ -6206,7 +7089,7 @@
         </p:nvSpPr>
         <p:spPr>
           <a:xfrm>
-            <a:off x="7423356" y="3593690"/>
+            <a:off x="6646607" y="3905864"/>
             <a:ext cx="2364658" cy="860321"/>
           </a:xfrm>
           <a:prstGeom prst="rect">
@@ -6261,12 +7144,53 @@
           </a:p>
         </p:txBody>
       </p:sp>
-      <p:sp>
-        <p:nvSpPr>
-          <p:cNvPr id="8" name="Rectangle: Rounded Corners 7">
-            <a:extLst>
-              <a:ext uri="{FF2B5EF4-FFF2-40B4-BE49-F238E27FC236}">
-                <a16:creationId xmlns:a16="http://schemas.microsoft.com/office/drawing/2014/main" id="{647A3B3D-3D76-E426-C233-EBF998984948}"/>
+      <p:cxnSp>
+        <p:nvCxnSpPr>
+          <p:cNvPr id="9" name="Straight Connector 8">
+            <a:extLst>
+              <a:ext uri="{FF2B5EF4-FFF2-40B4-BE49-F238E27FC236}">
+                <a16:creationId xmlns:a16="http://schemas.microsoft.com/office/drawing/2014/main" id="{957150EA-0FAD-3821-38FE-4AD1E0023D8F}"/>
+              </a:ext>
+            </a:extLst>
+          </p:cNvPr>
+          <p:cNvCxnSpPr/>
+          <p:nvPr/>
+        </p:nvCxnSpPr>
+        <p:spPr>
+          <a:xfrm>
+            <a:off x="2753033" y="1333500"/>
+            <a:ext cx="0" cy="4870655"/>
+          </a:xfrm>
+          <a:prstGeom prst="line">
+            <a:avLst/>
+          </a:prstGeom>
+          <a:ln>
+            <a:solidFill>
+              <a:schemeClr val="tx1"/>
+            </a:solidFill>
+          </a:ln>
+        </p:spPr>
+        <p:style>
+          <a:lnRef idx="1">
+            <a:schemeClr val="accent1"/>
+          </a:lnRef>
+          <a:fillRef idx="0">
+            <a:schemeClr val="accent1"/>
+          </a:fillRef>
+          <a:effectRef idx="0">
+            <a:schemeClr val="accent1"/>
+          </a:effectRef>
+          <a:fontRef idx="minor">
+            <a:schemeClr val="tx1"/>
+          </a:fontRef>
+        </p:style>
+      </p:cxnSp>
+      <p:sp>
+        <p:nvSpPr>
+          <p:cNvPr id="10" name="Rectangle 9">
+            <a:extLst>
+              <a:ext uri="{FF2B5EF4-FFF2-40B4-BE49-F238E27FC236}">
+                <a16:creationId xmlns:a16="http://schemas.microsoft.com/office/drawing/2014/main" id="{50E8B327-6921-F73D-854B-1541B01026DE}"/>
               </a:ext>
             </a:extLst>
           </p:cNvPr>
@@ -6275,18 +7199,21 @@
         </p:nvSpPr>
         <p:spPr>
           <a:xfrm>
-            <a:off x="9144000" y="5673213"/>
-            <a:ext cx="1524000" cy="452284"/>
-          </a:xfrm>
-          <a:prstGeom prst="roundRect">
+            <a:off x="1406013" y="2113935"/>
+            <a:ext cx="1337180" cy="589936"/>
+          </a:xfrm>
+          <a:prstGeom prst="rect">
             <a:avLst/>
           </a:prstGeom>
           <a:solidFill>
-            <a:schemeClr val="tx2">
-              <a:lumMod val="20000"/>
-              <a:lumOff val="80000"/>
+            <a:schemeClr val="accent1">
+              <a:lumMod val="60000"/>
+              <a:lumOff val="40000"/>
             </a:schemeClr>
           </a:solidFill>
+          <a:ln>
+            <a:noFill/>
+          </a:ln>
         </p:spPr>
         <p:style>
           <a:lnRef idx="2">
@@ -6310,23 +7237,90 @@
           <a:p>
             <a:pPr algn="ctr"/>
             <a:r>
-              <a:rPr lang="en-GB" dirty="0">
+              <a:rPr lang="en-GB" sz="1400" dirty="0">
                 <a:solidFill>
                   <a:schemeClr val="tx1"/>
                 </a:solidFill>
-                <a:highlight>
-                  <a:srgbClr val="00FF00"/>
-                </a:highlight>
               </a:rPr>
-              <a:t>Future-X</a:t>
-            </a:r>
-            <a:endParaRPr lang="en-DE" dirty="0">
+              <a:t>Service </a:t>
+            </a:r>
+          </a:p>
+          <a:p>
+            <a:pPr algn="ctr"/>
+            <a:r>
+              <a:rPr lang="en-GB" sz="1400" dirty="0">
+                <a:solidFill>
+                  <a:schemeClr val="tx1"/>
+                </a:solidFill>
+              </a:rPr>
+              <a:t>sub-category</a:t>
+            </a:r>
+            <a:endParaRPr lang="en-DE" sz="1400" dirty="0">
               <a:solidFill>
                 <a:schemeClr val="tx1"/>
               </a:solidFill>
-              <a:highlight>
-                <a:srgbClr val="00FF00"/>
-              </a:highlight>
+            </a:endParaRPr>
+          </a:p>
+        </p:txBody>
+      </p:sp>
+      <p:sp>
+        <p:nvSpPr>
+          <p:cNvPr id="11" name="Rectangle 10">
+            <a:extLst>
+              <a:ext uri="{FF2B5EF4-FFF2-40B4-BE49-F238E27FC236}">
+                <a16:creationId xmlns:a16="http://schemas.microsoft.com/office/drawing/2014/main" id="{AA9E152E-0385-53A4-262F-BA8CAF306566}"/>
+              </a:ext>
+            </a:extLst>
+          </p:cNvPr>
+          <p:cNvSpPr/>
+          <p:nvPr/>
+        </p:nvSpPr>
+        <p:spPr>
+          <a:xfrm>
+            <a:off x="1415853" y="4340941"/>
+            <a:ext cx="1337180" cy="589936"/>
+          </a:xfrm>
+          <a:prstGeom prst="rect">
+            <a:avLst/>
+          </a:prstGeom>
+          <a:noFill/>
+          <a:ln>
+            <a:noFill/>
+          </a:ln>
+        </p:spPr>
+        <p:style>
+          <a:lnRef idx="2">
+            <a:schemeClr val="accent1">
+              <a:shade val="15000"/>
+            </a:schemeClr>
+          </a:lnRef>
+          <a:fillRef idx="1">
+            <a:schemeClr val="accent1"/>
+          </a:fillRef>
+          <a:effectRef idx="0">
+            <a:schemeClr val="accent1"/>
+          </a:effectRef>
+          <a:fontRef idx="minor">
+            <a:schemeClr val="lt1"/>
+          </a:fontRef>
+        </p:style>
+        <p:txBody>
+          <a:bodyPr rtlCol="0" anchor="ctr"/>
+          <a:lstStyle/>
+          <a:p>
+            <a:pPr algn="ctr"/>
+            <a:r>
+              <a:rPr lang="en-GB" sz="1400" dirty="0">
+                <a:solidFill>
+                  <a:schemeClr val="tx1"/>
+                </a:solidFill>
+              </a:rPr>
+              <a:t>Notifications</a:t>
+            </a:r>
+            <a:endParaRPr lang="en-DE" sz="1400" dirty="0">
+              <a:solidFill>
+                <a:schemeClr val="tx1"/>
+              </a:solidFill>
             </a:endParaRPr>
           </a:p>
         </p:txBody>
@@ -6339,7 +7333,7 @@
     </p:extLst>
   </p:cSld>
   <p:clrMapOvr>
-    <a:masterClrMapping/>
+    <a:overrideClrMapping bg1="lt1" tx1="dk1" bg2="lt2" tx2="dk2" accent1="accent1" accent2="accent2" accent3="accent3" accent4="accent4" accent5="accent5" accent6="accent6" hlink="hlink" folHlink="folHlink"/>
   </p:clrMapOvr>
 </p:sld>
 </file>
@@ -6431,7 +7425,7 @@
         </p:nvSpPr>
         <p:spPr>
           <a:xfrm>
-            <a:off x="1435510" y="535862"/>
+            <a:off x="1396181" y="481786"/>
             <a:ext cx="6263148" cy="845574"/>
           </a:xfrm>
           <a:prstGeom prst="rect">
@@ -6490,8 +7484,8 @@
         </p:nvSpPr>
         <p:spPr>
           <a:xfrm>
-            <a:off x="2910349" y="1678859"/>
-            <a:ext cx="5879690" cy="717755"/>
+            <a:off x="5230761" y="1642600"/>
+            <a:ext cx="5319251" cy="717755"/>
           </a:xfrm>
           <a:prstGeom prst="rect">
             <a:avLst/>
@@ -6540,10 +7534,10 @@
       </p:sp>
       <p:sp>
         <p:nvSpPr>
-          <p:cNvPr id="18" name="Rectangle 17">
-            <a:extLst>
-              <a:ext uri="{FF2B5EF4-FFF2-40B4-BE49-F238E27FC236}">
-                <a16:creationId xmlns:a16="http://schemas.microsoft.com/office/drawing/2014/main" id="{1B558F89-C260-579E-D2CD-379561C9C564}"/>
+          <p:cNvPr id="2" name="Oval 1">
+            <a:extLst>
+              <a:ext uri="{FF2B5EF4-FFF2-40B4-BE49-F238E27FC236}">
+                <a16:creationId xmlns:a16="http://schemas.microsoft.com/office/drawing/2014/main" id="{F9340B88-C887-8428-3433-24CAB9ADF8D9}"/>
               </a:ext>
             </a:extLst>
           </p:cNvPr>
@@ -6552,17 +7546,14 @@
         </p:nvSpPr>
         <p:spPr>
           <a:xfrm>
-            <a:off x="2128684" y="2733369"/>
-            <a:ext cx="2364658" cy="860321"/>
-          </a:xfrm>
-          <a:prstGeom prst="rect">
+            <a:off x="9969910" y="575182"/>
+            <a:ext cx="698090" cy="693179"/>
+          </a:xfrm>
+          <a:prstGeom prst="ellipse">
             <a:avLst/>
           </a:prstGeom>
           <a:solidFill>
-            <a:schemeClr val="accent2">
-              <a:lumMod val="40000"/>
-              <a:lumOff val="60000"/>
-            </a:schemeClr>
+            <a:srgbClr val="FFFF00"/>
           </a:solidFill>
           <a:ln>
             <a:solidFill>
@@ -6597,7 +7588,7 @@
                   <a:schemeClr val="tx1"/>
                 </a:solidFill>
               </a:rPr>
-              <a:t>DE 1 </a:t>
+              <a:t>A2</a:t>
             </a:r>
             <a:endParaRPr lang="en-DE" dirty="0">
               <a:solidFill>
@@ -6609,10 +7600,10 @@
       </p:sp>
       <p:sp>
         <p:nvSpPr>
-          <p:cNvPr id="2" name="Oval 1">
-            <a:extLst>
-              <a:ext uri="{FF2B5EF4-FFF2-40B4-BE49-F238E27FC236}">
-                <a16:creationId xmlns:a16="http://schemas.microsoft.com/office/drawing/2014/main" id="{F9340B88-C887-8428-3433-24CAB9ADF8D9}"/>
+          <p:cNvPr id="12" name="Rectangle 11">
+            <a:extLst>
+              <a:ext uri="{FF2B5EF4-FFF2-40B4-BE49-F238E27FC236}">
+                <a16:creationId xmlns:a16="http://schemas.microsoft.com/office/drawing/2014/main" id="{08C9AE97-7CA6-B25A-BCD6-08F06E2FDA20}"/>
               </a:ext>
             </a:extLst>
           </p:cNvPr>
@@ -6621,72 +7612,8 @@
         </p:nvSpPr>
         <p:spPr>
           <a:xfrm>
-            <a:off x="9969910" y="575182"/>
-            <a:ext cx="698090" cy="693179"/>
-          </a:xfrm>
-          <a:prstGeom prst="ellipse">
-            <a:avLst/>
-          </a:prstGeom>
-          <a:noFill/>
-          <a:ln>
-            <a:solidFill>
-              <a:schemeClr val="tx1"/>
-            </a:solidFill>
-          </a:ln>
-        </p:spPr>
-        <p:style>
-          <a:lnRef idx="2">
-            <a:schemeClr val="accent1">
-              <a:shade val="15000"/>
-            </a:schemeClr>
-          </a:lnRef>
-          <a:fillRef idx="1">
-            <a:schemeClr val="accent1"/>
-          </a:fillRef>
-          <a:effectRef idx="0">
-            <a:schemeClr val="accent1"/>
-          </a:effectRef>
-          <a:fontRef idx="minor">
-            <a:schemeClr val="lt1"/>
-          </a:fontRef>
-        </p:style>
-        <p:txBody>
-          <a:bodyPr rtlCol="0" anchor="ctr"/>
-          <a:lstStyle/>
-          <a:p>
-            <a:pPr algn="ctr"/>
-            <a:r>
-              <a:rPr lang="en-GB" dirty="0">
-                <a:solidFill>
-                  <a:schemeClr val="tx1"/>
-                </a:solidFill>
-              </a:rPr>
-              <a:t>A2</a:t>
-            </a:r>
-            <a:endParaRPr lang="en-DE" dirty="0">
-              <a:solidFill>
-                <a:schemeClr val="tx1"/>
-              </a:solidFill>
-            </a:endParaRPr>
-          </a:p>
-        </p:txBody>
-      </p:sp>
-      <p:sp>
-        <p:nvSpPr>
-          <p:cNvPr id="9" name="Rectangle 8">
-            <a:extLst>
-              <a:ext uri="{FF2B5EF4-FFF2-40B4-BE49-F238E27FC236}">
-                <a16:creationId xmlns:a16="http://schemas.microsoft.com/office/drawing/2014/main" id="{8D22B5F8-5D03-3991-ACAB-70AF56A4A63D}"/>
-              </a:ext>
-            </a:extLst>
-          </p:cNvPr>
-          <p:cNvSpPr/>
-          <p:nvPr/>
-        </p:nvSpPr>
-        <p:spPr>
-          <a:xfrm>
-            <a:off x="6169742" y="4316362"/>
-            <a:ext cx="2364658" cy="860321"/>
+            <a:off x="8664677" y="2652253"/>
+            <a:ext cx="1241323" cy="860321"/>
           </a:xfrm>
           <a:prstGeom prst="rect">
             <a:avLst/>
@@ -6730,7 +7657,7 @@
                   <a:schemeClr val="tx1"/>
                 </a:solidFill>
               </a:rPr>
-              <a:t>DE 5</a:t>
+              <a:t>DE 3</a:t>
             </a:r>
             <a:endParaRPr lang="en-DE" dirty="0">
               <a:solidFill>
@@ -6742,10 +7669,10 @@
       </p:sp>
       <p:sp>
         <p:nvSpPr>
-          <p:cNvPr id="10" name="Rectangle 9">
-            <a:extLst>
-              <a:ext uri="{FF2B5EF4-FFF2-40B4-BE49-F238E27FC236}">
-                <a16:creationId xmlns:a16="http://schemas.microsoft.com/office/drawing/2014/main" id="{118A6B11-659C-1BCF-9F21-720A6DA6F1C2}"/>
+          <p:cNvPr id="16" name="Rectangle 15">
+            <a:extLst>
+              <a:ext uri="{FF2B5EF4-FFF2-40B4-BE49-F238E27FC236}">
+                <a16:creationId xmlns:a16="http://schemas.microsoft.com/office/drawing/2014/main" id="{753A742E-2646-4470-B548-8D6F37F02581}"/>
               </a:ext>
             </a:extLst>
           </p:cNvPr>
@@ -6754,8 +7681,8 @@
         </p:nvSpPr>
         <p:spPr>
           <a:xfrm>
-            <a:off x="3311013" y="4316362"/>
-            <a:ext cx="2364658" cy="860321"/>
+            <a:off x="7193525" y="2652253"/>
+            <a:ext cx="1241323" cy="860321"/>
           </a:xfrm>
           <a:prstGeom prst="rect">
             <a:avLst/>
@@ -6799,7 +7726,7 @@
                   <a:schemeClr val="tx1"/>
                 </a:solidFill>
               </a:rPr>
-              <a:t>DE 4</a:t>
+              <a:t>DE 2</a:t>
             </a:r>
             <a:endParaRPr lang="en-DE" dirty="0">
               <a:solidFill>
@@ -6811,10 +7738,10 @@
       </p:sp>
       <p:sp>
         <p:nvSpPr>
-          <p:cNvPr id="11" name="Rectangle 10">
-            <a:extLst>
-              <a:ext uri="{FF2B5EF4-FFF2-40B4-BE49-F238E27FC236}">
-                <a16:creationId xmlns:a16="http://schemas.microsoft.com/office/drawing/2014/main" id="{E9045F7A-480D-E809-FF46-D60E196CF9A8}"/>
+          <p:cNvPr id="17" name="Rectangle 16">
+            <a:extLst>
+              <a:ext uri="{FF2B5EF4-FFF2-40B4-BE49-F238E27FC236}">
+                <a16:creationId xmlns:a16="http://schemas.microsoft.com/office/drawing/2014/main" id="{0312111F-53F3-011F-F66C-4F0A8407EF86}"/>
               </a:ext>
             </a:extLst>
           </p:cNvPr>
@@ -6823,8 +7750,8 @@
         </p:nvSpPr>
         <p:spPr>
           <a:xfrm>
-            <a:off x="4894006" y="2733369"/>
-            <a:ext cx="2364658" cy="860321"/>
+            <a:off x="5675671" y="2664545"/>
+            <a:ext cx="1241323" cy="860321"/>
           </a:xfrm>
           <a:prstGeom prst="rect">
             <a:avLst/>
@@ -6868,7 +7795,7 @@
                   <a:schemeClr val="tx1"/>
                 </a:solidFill>
               </a:rPr>
-              <a:t>DE 2</a:t>
+              <a:t>DE 1</a:t>
             </a:r>
             <a:endParaRPr lang="en-DE" dirty="0">
               <a:solidFill>
@@ -6880,10 +7807,10 @@
       </p:sp>
       <p:sp>
         <p:nvSpPr>
-          <p:cNvPr id="12" name="Rectangle 11">
-            <a:extLst>
-              <a:ext uri="{FF2B5EF4-FFF2-40B4-BE49-F238E27FC236}">
-                <a16:creationId xmlns:a16="http://schemas.microsoft.com/office/drawing/2014/main" id="{08C9AE97-7CA6-B25A-BCD6-08F06E2FDA20}"/>
+          <p:cNvPr id="19" name="Rectangle 18">
+            <a:extLst>
+              <a:ext uri="{FF2B5EF4-FFF2-40B4-BE49-F238E27FC236}">
+                <a16:creationId xmlns:a16="http://schemas.microsoft.com/office/drawing/2014/main" id="{0D6B13AA-0834-9D3D-5FCA-96CAA3EDC679}"/>
               </a:ext>
             </a:extLst>
           </p:cNvPr>
@@ -6892,8 +7819,8 @@
         </p:nvSpPr>
         <p:spPr>
           <a:xfrm>
-            <a:off x="7509387" y="2710021"/>
-            <a:ext cx="2364658" cy="860321"/>
+            <a:off x="6290187" y="3877601"/>
+            <a:ext cx="1241323" cy="860321"/>
           </a:xfrm>
           <a:prstGeom prst="rect">
             <a:avLst/>
@@ -6937,7 +7864,7 @@
                   <a:schemeClr val="tx1"/>
                 </a:solidFill>
               </a:rPr>
-              <a:t>DE 3</a:t>
+              <a:t>DE 4</a:t>
             </a:r>
             <a:endParaRPr lang="en-DE" dirty="0">
               <a:solidFill>
@@ -6949,10 +7876,10 @@
       </p:sp>
       <p:sp>
         <p:nvSpPr>
-          <p:cNvPr id="13" name="Rectangle: Rounded Corners 12">
-            <a:extLst>
-              <a:ext uri="{FF2B5EF4-FFF2-40B4-BE49-F238E27FC236}">
-                <a16:creationId xmlns:a16="http://schemas.microsoft.com/office/drawing/2014/main" id="{DD3812BB-18B4-DF26-6112-E056892460C7}"/>
+          <p:cNvPr id="20" name="Rectangle 19">
+            <a:extLst>
+              <a:ext uri="{FF2B5EF4-FFF2-40B4-BE49-F238E27FC236}">
+                <a16:creationId xmlns:a16="http://schemas.microsoft.com/office/drawing/2014/main" id="{7E0270B8-5AEF-091B-294E-2071A9D41571}"/>
               </a:ext>
             </a:extLst>
           </p:cNvPr>
@@ -6961,18 +7888,23 @@
         </p:nvSpPr>
         <p:spPr>
           <a:xfrm>
-            <a:off x="9144000" y="5673213"/>
-            <a:ext cx="1524000" cy="452284"/>
-          </a:xfrm>
-          <a:prstGeom prst="roundRect">
+            <a:off x="7902677" y="3861614"/>
+            <a:ext cx="1241323" cy="860321"/>
+          </a:xfrm>
+          <a:prstGeom prst="rect">
             <a:avLst/>
           </a:prstGeom>
           <a:solidFill>
-            <a:schemeClr val="tx2">
-              <a:lumMod val="20000"/>
-              <a:lumOff val="80000"/>
+            <a:schemeClr val="accent2">
+              <a:lumMod val="40000"/>
+              <a:lumOff val="60000"/>
             </a:schemeClr>
           </a:solidFill>
+          <a:ln>
+            <a:solidFill>
+              <a:schemeClr val="tx1"/>
+            </a:solidFill>
+          </a:ln>
         </p:spPr>
         <p:style>
           <a:lnRef idx="2">
@@ -7000,19 +7932,175 @@
                 <a:solidFill>
                   <a:schemeClr val="tx1"/>
                 </a:solidFill>
-                <a:highlight>
-                  <a:srgbClr val="00FF00"/>
-                </a:highlight>
               </a:rPr>
-              <a:t>Future-X</a:t>
+              <a:t>DE 5</a:t>
             </a:r>
             <a:endParaRPr lang="en-DE" dirty="0">
               <a:solidFill>
                 <a:schemeClr val="tx1"/>
               </a:solidFill>
-              <a:highlight>
-                <a:srgbClr val="00FF00"/>
-              </a:highlight>
+            </a:endParaRPr>
+          </a:p>
+        </p:txBody>
+      </p:sp>
+      <p:cxnSp>
+        <p:nvCxnSpPr>
+          <p:cNvPr id="21" name="Straight Connector 20">
+            <a:extLst>
+              <a:ext uri="{FF2B5EF4-FFF2-40B4-BE49-F238E27FC236}">
+                <a16:creationId xmlns:a16="http://schemas.microsoft.com/office/drawing/2014/main" id="{EE37299F-E371-6E3D-4C12-B977972B1720}"/>
+              </a:ext>
+            </a:extLst>
+          </p:cNvPr>
+          <p:cNvCxnSpPr/>
+          <p:nvPr/>
+        </p:nvCxnSpPr>
+        <p:spPr>
+          <a:xfrm>
+            <a:off x="2753033" y="1333500"/>
+            <a:ext cx="0" cy="4870655"/>
+          </a:xfrm>
+          <a:prstGeom prst="line">
+            <a:avLst/>
+          </a:prstGeom>
+          <a:ln>
+            <a:solidFill>
+              <a:schemeClr val="tx1"/>
+            </a:solidFill>
+          </a:ln>
+        </p:spPr>
+        <p:style>
+          <a:lnRef idx="1">
+            <a:schemeClr val="accent1"/>
+          </a:lnRef>
+          <a:fillRef idx="0">
+            <a:schemeClr val="accent1"/>
+          </a:fillRef>
+          <a:effectRef idx="0">
+            <a:schemeClr val="accent1"/>
+          </a:effectRef>
+          <a:fontRef idx="minor">
+            <a:schemeClr val="tx1"/>
+          </a:fontRef>
+        </p:style>
+      </p:cxnSp>
+      <p:sp>
+        <p:nvSpPr>
+          <p:cNvPr id="22" name="Rectangle 21">
+            <a:extLst>
+              <a:ext uri="{FF2B5EF4-FFF2-40B4-BE49-F238E27FC236}">
+                <a16:creationId xmlns:a16="http://schemas.microsoft.com/office/drawing/2014/main" id="{CDB18EC6-E5FB-DD5F-9ED0-67600C033C44}"/>
+              </a:ext>
+            </a:extLst>
+          </p:cNvPr>
+          <p:cNvSpPr/>
+          <p:nvPr/>
+        </p:nvSpPr>
+        <p:spPr>
+          <a:xfrm>
+            <a:off x="1406013" y="2113935"/>
+            <a:ext cx="1337180" cy="589936"/>
+          </a:xfrm>
+          <a:prstGeom prst="rect">
+            <a:avLst/>
+          </a:prstGeom>
+          <a:solidFill>
+            <a:srgbClr val="00B0F0"/>
+          </a:solidFill>
+          <a:ln>
+            <a:noFill/>
+          </a:ln>
+        </p:spPr>
+        <p:style>
+          <a:lnRef idx="2">
+            <a:schemeClr val="accent1">
+              <a:shade val="15000"/>
+            </a:schemeClr>
+          </a:lnRef>
+          <a:fillRef idx="1">
+            <a:schemeClr val="accent1"/>
+          </a:fillRef>
+          <a:effectRef idx="0">
+            <a:schemeClr val="accent1"/>
+          </a:effectRef>
+          <a:fontRef idx="minor">
+            <a:schemeClr val="lt1"/>
+          </a:fontRef>
+        </p:style>
+        <p:txBody>
+          <a:bodyPr rtlCol="0" anchor="ctr"/>
+          <a:lstStyle/>
+          <a:p>
+            <a:pPr algn="ctr"/>
+            <a:r>
+              <a:rPr lang="en-GB" sz="1400" dirty="0">
+                <a:solidFill>
+                  <a:schemeClr val="tx1"/>
+                </a:solidFill>
+              </a:rPr>
+              <a:t>Employee Profile</a:t>
+            </a:r>
+          </a:p>
+        </p:txBody>
+      </p:sp>
+      <p:sp>
+        <p:nvSpPr>
+          <p:cNvPr id="23" name="Rectangle 22">
+            <a:extLst>
+              <a:ext uri="{FF2B5EF4-FFF2-40B4-BE49-F238E27FC236}">
+                <a16:creationId xmlns:a16="http://schemas.microsoft.com/office/drawing/2014/main" id="{0EAF61AC-4FF4-5EB6-853E-BC0F3079174A}"/>
+              </a:ext>
+            </a:extLst>
+          </p:cNvPr>
+          <p:cNvSpPr/>
+          <p:nvPr/>
+        </p:nvSpPr>
+        <p:spPr>
+          <a:xfrm>
+            <a:off x="1415853" y="4340941"/>
+            <a:ext cx="1337180" cy="589936"/>
+          </a:xfrm>
+          <a:prstGeom prst="rect">
+            <a:avLst/>
+          </a:prstGeom>
+          <a:noFill/>
+          <a:ln>
+            <a:noFill/>
+          </a:ln>
+        </p:spPr>
+        <p:style>
+          <a:lnRef idx="2">
+            <a:schemeClr val="accent1">
+              <a:shade val="15000"/>
+            </a:schemeClr>
+          </a:lnRef>
+          <a:fillRef idx="1">
+            <a:schemeClr val="accent1"/>
+          </a:fillRef>
+          <a:effectRef idx="0">
+            <a:schemeClr val="accent1"/>
+          </a:effectRef>
+          <a:fontRef idx="minor">
+            <a:schemeClr val="lt1"/>
+          </a:fontRef>
+        </p:style>
+        <p:txBody>
+          <a:bodyPr rtlCol="0" anchor="ctr"/>
+          <a:lstStyle/>
+          <a:p>
+            <a:pPr algn="ctr"/>
+            <a:r>
+              <a:rPr lang="en-GB" sz="1400" dirty="0">
+                <a:solidFill>
+                  <a:schemeClr val="tx1"/>
+                </a:solidFill>
+              </a:rPr>
+              <a:t>Notifications</a:t>
+            </a:r>
+            <a:endParaRPr lang="en-DE" sz="1400" dirty="0">
+              <a:solidFill>
+                <a:schemeClr val="tx1"/>
+              </a:solidFill>
             </a:endParaRPr>
           </a:p>
         </p:txBody>
@@ -7117,7 +8205,7 @@
         </p:nvSpPr>
         <p:spPr>
           <a:xfrm>
-            <a:off x="1435510" y="535862"/>
+            <a:off x="1396181" y="491613"/>
             <a:ext cx="6263148" cy="845574"/>
           </a:xfrm>
           <a:prstGeom prst="rect">
@@ -7262,7 +8350,9 @@
           <a:prstGeom prst="ellipse">
             <a:avLst/>
           </a:prstGeom>
-          <a:noFill/>
+          <a:solidFill>
+            <a:srgbClr val="FFFF00"/>
+          </a:solidFill>
           <a:ln>
             <a:solidFill>
               <a:schemeClr val="tx1"/>
@@ -7306,12 +8396,53 @@
           </a:p>
         </p:txBody>
       </p:sp>
-      <p:sp>
-        <p:nvSpPr>
-          <p:cNvPr id="4" name="Rectangle: Rounded Corners 3">
-            <a:extLst>
-              <a:ext uri="{FF2B5EF4-FFF2-40B4-BE49-F238E27FC236}">
-                <a16:creationId xmlns:a16="http://schemas.microsoft.com/office/drawing/2014/main" id="{E06D188A-8FD9-BCA3-3ED3-AE81FF0C515C}"/>
+      <p:cxnSp>
+        <p:nvCxnSpPr>
+          <p:cNvPr id="6" name="Straight Connector 5">
+            <a:extLst>
+              <a:ext uri="{FF2B5EF4-FFF2-40B4-BE49-F238E27FC236}">
+                <a16:creationId xmlns:a16="http://schemas.microsoft.com/office/drawing/2014/main" id="{DA6F9116-6193-4F1E-12E9-9745BFB6EF40}"/>
+              </a:ext>
+            </a:extLst>
+          </p:cNvPr>
+          <p:cNvCxnSpPr/>
+          <p:nvPr/>
+        </p:nvCxnSpPr>
+        <p:spPr>
+          <a:xfrm>
+            <a:off x="2753033" y="1333500"/>
+            <a:ext cx="0" cy="4870655"/>
+          </a:xfrm>
+          <a:prstGeom prst="line">
+            <a:avLst/>
+          </a:prstGeom>
+          <a:ln>
+            <a:solidFill>
+              <a:schemeClr val="tx1"/>
+            </a:solidFill>
+          </a:ln>
+        </p:spPr>
+        <p:style>
+          <a:lnRef idx="1">
+            <a:schemeClr val="accent1"/>
+          </a:lnRef>
+          <a:fillRef idx="0">
+            <a:schemeClr val="accent1"/>
+          </a:fillRef>
+          <a:effectRef idx="0">
+            <a:schemeClr val="accent1"/>
+          </a:effectRef>
+          <a:fontRef idx="minor">
+            <a:schemeClr val="tx1"/>
+          </a:fontRef>
+        </p:style>
+      </p:cxnSp>
+      <p:sp>
+        <p:nvSpPr>
+          <p:cNvPr id="7" name="Rectangle 6">
+            <a:extLst>
+              <a:ext uri="{FF2B5EF4-FFF2-40B4-BE49-F238E27FC236}">
+                <a16:creationId xmlns:a16="http://schemas.microsoft.com/office/drawing/2014/main" id="{631E89C9-ED74-923F-9737-9C16A46CECB6}"/>
               </a:ext>
             </a:extLst>
           </p:cNvPr>
@@ -7320,18 +8451,21 @@
         </p:nvSpPr>
         <p:spPr>
           <a:xfrm>
-            <a:off x="9144000" y="5673213"/>
-            <a:ext cx="1524000" cy="452284"/>
-          </a:xfrm>
-          <a:prstGeom prst="roundRect">
+            <a:off x="1406013" y="2113935"/>
+            <a:ext cx="1337180" cy="589936"/>
+          </a:xfrm>
+          <a:prstGeom prst="rect">
             <a:avLst/>
           </a:prstGeom>
           <a:solidFill>
-            <a:schemeClr val="tx2">
-              <a:lumMod val="20000"/>
-              <a:lumOff val="80000"/>
+            <a:schemeClr val="accent1">
+              <a:lumMod val="60000"/>
+              <a:lumOff val="40000"/>
             </a:schemeClr>
           </a:solidFill>
+          <a:ln>
+            <a:noFill/>
+          </a:ln>
         </p:spPr>
         <p:style>
           <a:lnRef idx="2">
@@ -7355,23 +8489,74 @@
           <a:p>
             <a:pPr algn="ctr"/>
             <a:r>
-              <a:rPr lang="en-GB" dirty="0">
+              <a:rPr lang="en-GB" sz="1400" dirty="0">
                 <a:solidFill>
                   <a:schemeClr val="tx1"/>
                 </a:solidFill>
-                <a:highlight>
-                  <a:srgbClr val="00FF00"/>
-                </a:highlight>
               </a:rPr>
-              <a:t>Future-X</a:t>
-            </a:r>
-            <a:endParaRPr lang="en-DE" dirty="0">
+              <a:t>Profile Detail</a:t>
+            </a:r>
+          </a:p>
+        </p:txBody>
+      </p:sp>
+      <p:sp>
+        <p:nvSpPr>
+          <p:cNvPr id="8" name="Rectangle 7">
+            <a:extLst>
+              <a:ext uri="{FF2B5EF4-FFF2-40B4-BE49-F238E27FC236}">
+                <a16:creationId xmlns:a16="http://schemas.microsoft.com/office/drawing/2014/main" id="{30454A0E-2010-FD39-7059-3230B1400FFC}"/>
+              </a:ext>
+            </a:extLst>
+          </p:cNvPr>
+          <p:cNvSpPr/>
+          <p:nvPr/>
+        </p:nvSpPr>
+        <p:spPr>
+          <a:xfrm>
+            <a:off x="1415853" y="4340941"/>
+            <a:ext cx="1337180" cy="589936"/>
+          </a:xfrm>
+          <a:prstGeom prst="rect">
+            <a:avLst/>
+          </a:prstGeom>
+          <a:noFill/>
+          <a:ln>
+            <a:noFill/>
+          </a:ln>
+        </p:spPr>
+        <p:style>
+          <a:lnRef idx="2">
+            <a:schemeClr val="accent1">
+              <a:shade val="15000"/>
+            </a:schemeClr>
+          </a:lnRef>
+          <a:fillRef idx="1">
+            <a:schemeClr val="accent1"/>
+          </a:fillRef>
+          <a:effectRef idx="0">
+            <a:schemeClr val="accent1"/>
+          </a:effectRef>
+          <a:fontRef idx="minor">
+            <a:schemeClr val="lt1"/>
+          </a:fontRef>
+        </p:style>
+        <p:txBody>
+          <a:bodyPr rtlCol="0" anchor="ctr"/>
+          <a:lstStyle/>
+          <a:p>
+            <a:pPr algn="ctr"/>
+            <a:r>
+              <a:rPr lang="en-GB" sz="1400" dirty="0">
+                <a:solidFill>
+                  <a:schemeClr val="tx1"/>
+                </a:solidFill>
+              </a:rPr>
+              <a:t>Notifications</a:t>
+            </a:r>
+            <a:endParaRPr lang="en-DE" sz="1400" dirty="0">
               <a:solidFill>
                 <a:schemeClr val="tx1"/>
               </a:solidFill>
-              <a:highlight>
-                <a:srgbClr val="00FF00"/>
-              </a:highlight>
             </a:endParaRPr>
           </a:p>
         </p:txBody>
@@ -7476,7 +8661,7 @@
         </p:nvSpPr>
         <p:spPr>
           <a:xfrm>
-            <a:off x="1435510" y="535862"/>
+            <a:off x="1396181" y="491613"/>
             <a:ext cx="6263148" cy="845574"/>
           </a:xfrm>
           <a:prstGeom prst="rect">
@@ -7511,7 +8696,7 @@
                   <a:schemeClr val="tx1"/>
                 </a:solidFill>
               </a:rPr>
-              <a:t>Welcome to Access Platform for Providers (APP)</a:t>
+              <a:t>Access Platform for Providers (APP)</a:t>
             </a:r>
             <a:endParaRPr lang="en-DE" dirty="0">
               <a:solidFill>
@@ -7523,10 +8708,10 @@
       </p:sp>
       <p:sp>
         <p:nvSpPr>
-          <p:cNvPr id="18" name="Rectangle 17">
-            <a:extLst>
-              <a:ext uri="{FF2B5EF4-FFF2-40B4-BE49-F238E27FC236}">
-                <a16:creationId xmlns:a16="http://schemas.microsoft.com/office/drawing/2014/main" id="{1B558F89-C260-579E-D2CD-379561C9C564}"/>
+          <p:cNvPr id="2" name="Oval 1">
+            <a:extLst>
+              <a:ext uri="{FF2B5EF4-FFF2-40B4-BE49-F238E27FC236}">
+                <a16:creationId xmlns:a16="http://schemas.microsoft.com/office/drawing/2014/main" id="{F9340B88-C887-8428-3433-24CAB9ADF8D9}"/>
               </a:ext>
             </a:extLst>
           </p:cNvPr>
@@ -7535,17 +8720,14 @@
         </p:nvSpPr>
         <p:spPr>
           <a:xfrm>
-            <a:off x="2964426" y="2282929"/>
-            <a:ext cx="6263148" cy="2375717"/>
-          </a:xfrm>
-          <a:prstGeom prst="rect">
+            <a:off x="9969910" y="575182"/>
+            <a:ext cx="698090" cy="693179"/>
+          </a:xfrm>
+          <a:prstGeom prst="ellipse">
             <a:avLst/>
           </a:prstGeom>
           <a:solidFill>
-            <a:schemeClr val="accent2">
-              <a:lumMod val="40000"/>
-              <a:lumOff val="60000"/>
-            </a:schemeClr>
+            <a:srgbClr val="FFFF00"/>
           </a:solidFill>
           <a:ln>
             <a:solidFill>
@@ -7580,7 +8762,7 @@
                   <a:schemeClr val="tx1"/>
                 </a:solidFill>
               </a:rPr>
-              <a:t>User Management Services</a:t>
+              <a:t>A2</a:t>
             </a:r>
             <a:endParaRPr lang="en-DE" dirty="0">
               <a:solidFill>
@@ -7590,32 +8772,26 @@
           </a:p>
         </p:txBody>
       </p:sp>
-      <p:sp>
-        <p:nvSpPr>
-          <p:cNvPr id="2" name="Oval 1">
-            <a:extLst>
-              <a:ext uri="{FF2B5EF4-FFF2-40B4-BE49-F238E27FC236}">
-                <a16:creationId xmlns:a16="http://schemas.microsoft.com/office/drawing/2014/main" id="{F9340B88-C887-8428-3433-24CAB9ADF8D9}"/>
-              </a:ext>
-            </a:extLst>
-          </p:cNvPr>
-          <p:cNvSpPr/>
+      <p:cxnSp>
+        <p:nvCxnSpPr>
+          <p:cNvPr id="6" name="Straight Connector 5">
+            <a:extLst>
+              <a:ext uri="{FF2B5EF4-FFF2-40B4-BE49-F238E27FC236}">
+                <a16:creationId xmlns:a16="http://schemas.microsoft.com/office/drawing/2014/main" id="{DA6F9116-6193-4F1E-12E9-9745BFB6EF40}"/>
+              </a:ext>
+            </a:extLst>
+          </p:cNvPr>
+          <p:cNvCxnSpPr/>
           <p:nvPr/>
-        </p:nvSpPr>
-        <p:spPr>
-          <a:xfrm>
-            <a:off x="9969910" y="575182"/>
-            <a:ext cx="698090" cy="693179"/>
-          </a:xfrm>
-          <a:prstGeom prst="ellipse">
-            <a:avLst/>
-          </a:prstGeom>
-          <a:solidFill>
-            <a:schemeClr val="tx1">
-              <a:lumMod val="50000"/>
-              <a:lumOff val="50000"/>
-            </a:schemeClr>
-          </a:solidFill>
+        </p:nvCxnSpPr>
+        <p:spPr>
+          <a:xfrm>
+            <a:off x="2753033" y="1333500"/>
+            <a:ext cx="0" cy="4870655"/>
+          </a:xfrm>
+          <a:prstGeom prst="line">
+            <a:avLst/>
+          </a:prstGeom>
           <a:ln>
             <a:solidFill>
               <a:schemeClr val="tx1"/>
@@ -7623,6 +8799,46 @@
           </a:ln>
         </p:spPr>
         <p:style>
+          <a:lnRef idx="1">
+            <a:schemeClr val="accent1"/>
+          </a:lnRef>
+          <a:fillRef idx="0">
+            <a:schemeClr val="accent1"/>
+          </a:fillRef>
+          <a:effectRef idx="0">
+            <a:schemeClr val="accent1"/>
+          </a:effectRef>
+          <a:fontRef idx="minor">
+            <a:schemeClr val="tx1"/>
+          </a:fontRef>
+        </p:style>
+      </p:cxnSp>
+      <p:sp>
+        <p:nvSpPr>
+          <p:cNvPr id="7" name="Rectangle 6">
+            <a:extLst>
+              <a:ext uri="{FF2B5EF4-FFF2-40B4-BE49-F238E27FC236}">
+                <a16:creationId xmlns:a16="http://schemas.microsoft.com/office/drawing/2014/main" id="{631E89C9-ED74-923F-9737-9C16A46CECB6}"/>
+              </a:ext>
+            </a:extLst>
+          </p:cNvPr>
+          <p:cNvSpPr/>
+          <p:nvPr/>
+        </p:nvSpPr>
+        <p:spPr>
+          <a:xfrm>
+            <a:off x="1406013" y="2113935"/>
+            <a:ext cx="1337180" cy="589936"/>
+          </a:xfrm>
+          <a:prstGeom prst="rect">
+            <a:avLst/>
+          </a:prstGeom>
+          <a:noFill/>
+          <a:ln>
+            <a:noFill/>
+          </a:ln>
+        </p:spPr>
+        <p:style>
           <a:lnRef idx="2">
             <a:schemeClr val="accent1">
               <a:shade val="15000"/>
@@ -7644,12 +8860,130 @@
           <a:p>
             <a:pPr algn="ctr"/>
             <a:r>
+              <a:rPr lang="en-GB" sz="1400" dirty="0">
+                <a:solidFill>
+                  <a:schemeClr val="tx1"/>
+                </a:solidFill>
+              </a:rPr>
+              <a:t>Employee Profile</a:t>
+            </a:r>
+          </a:p>
+        </p:txBody>
+      </p:sp>
+      <p:sp>
+        <p:nvSpPr>
+          <p:cNvPr id="8" name="Rectangle 7">
+            <a:extLst>
+              <a:ext uri="{FF2B5EF4-FFF2-40B4-BE49-F238E27FC236}">
+                <a16:creationId xmlns:a16="http://schemas.microsoft.com/office/drawing/2014/main" id="{30454A0E-2010-FD39-7059-3230B1400FFC}"/>
+              </a:ext>
+            </a:extLst>
+          </p:cNvPr>
+          <p:cNvSpPr/>
+          <p:nvPr/>
+        </p:nvSpPr>
+        <p:spPr>
+          <a:xfrm>
+            <a:off x="1415853" y="4340941"/>
+            <a:ext cx="1337180" cy="589936"/>
+          </a:xfrm>
+          <a:prstGeom prst="rect">
+            <a:avLst/>
+          </a:prstGeom>
+          <a:solidFill>
+            <a:srgbClr val="00B0F0"/>
+          </a:solidFill>
+          <a:ln>
+            <a:noFill/>
+          </a:ln>
+        </p:spPr>
+        <p:style>
+          <a:lnRef idx="2">
+            <a:schemeClr val="accent1">
+              <a:shade val="15000"/>
+            </a:schemeClr>
+          </a:lnRef>
+          <a:fillRef idx="1">
+            <a:schemeClr val="accent1"/>
+          </a:fillRef>
+          <a:effectRef idx="0">
+            <a:schemeClr val="accent1"/>
+          </a:effectRef>
+          <a:fontRef idx="minor">
+            <a:schemeClr val="lt1"/>
+          </a:fontRef>
+        </p:style>
+        <p:txBody>
+          <a:bodyPr rtlCol="0" anchor="ctr"/>
+          <a:lstStyle/>
+          <a:p>
+            <a:pPr algn="ctr"/>
+            <a:r>
+              <a:rPr lang="en-GB" sz="1400" dirty="0">
+                <a:solidFill>
+                  <a:schemeClr val="tx1"/>
+                </a:solidFill>
+              </a:rPr>
+              <a:t>Notifications</a:t>
+            </a:r>
+            <a:endParaRPr lang="en-DE" sz="1400" dirty="0">
+              <a:solidFill>
+                <a:schemeClr val="tx1"/>
+              </a:solidFill>
+            </a:endParaRPr>
+          </a:p>
+        </p:txBody>
+      </p:sp>
+      <p:sp>
+        <p:nvSpPr>
+          <p:cNvPr id="9" name="Rectangle: Rounded Corners 8">
+            <a:extLst>
+              <a:ext uri="{FF2B5EF4-FFF2-40B4-BE49-F238E27FC236}">
+                <a16:creationId xmlns:a16="http://schemas.microsoft.com/office/drawing/2014/main" id="{2EF5C05A-4703-0D34-1EA2-699E3D2B0E35}"/>
+              </a:ext>
+            </a:extLst>
+          </p:cNvPr>
+          <p:cNvSpPr/>
+          <p:nvPr/>
+        </p:nvSpPr>
+        <p:spPr>
+          <a:xfrm>
+            <a:off x="3470786" y="2497393"/>
+            <a:ext cx="6656437" cy="3116825"/>
+          </a:xfrm>
+          <a:prstGeom prst="roundRect">
+            <a:avLst/>
+          </a:prstGeom>
+          <a:noFill/>
+        </p:spPr>
+        <p:style>
+          <a:lnRef idx="2">
+            <a:schemeClr val="accent1">
+              <a:shade val="15000"/>
+            </a:schemeClr>
+          </a:lnRef>
+          <a:fillRef idx="1">
+            <a:schemeClr val="accent1"/>
+          </a:fillRef>
+          <a:effectRef idx="0">
+            <a:schemeClr val="accent1"/>
+          </a:effectRef>
+          <a:fontRef idx="minor">
+            <a:schemeClr val="lt1"/>
+          </a:fontRef>
+        </p:style>
+        <p:txBody>
+          <a:bodyPr rtlCol="0" anchor="ctr"/>
+          <a:lstStyle/>
+          <a:p>
+            <a:pPr algn="ctr"/>
+            <a:r>
               <a:rPr lang="en-GB" dirty="0">
                 <a:solidFill>
                   <a:schemeClr val="tx1"/>
                 </a:solidFill>
               </a:rPr>
-              <a:t>A1</a:t>
+              <a:t>Service Request for Data domain is created. Data engineer of level 1 is required. Max price is set to be 500$.</a:t>
             </a:r>
             <a:endParaRPr lang="en-DE" dirty="0">
               <a:solidFill>
@@ -7659,10 +8993,309 @@
           </a:p>
         </p:txBody>
       </p:sp>
+      <p:sp>
+        <p:nvSpPr>
+          <p:cNvPr id="10" name="Rectangle 9">
+            <a:extLst>
+              <a:ext uri="{FF2B5EF4-FFF2-40B4-BE49-F238E27FC236}">
+                <a16:creationId xmlns:a16="http://schemas.microsoft.com/office/drawing/2014/main" id="{74A25323-CDD7-8149-03AA-2AD788B82A9E}"/>
+              </a:ext>
+            </a:extLst>
+          </p:cNvPr>
+          <p:cNvSpPr/>
+          <p:nvPr/>
+        </p:nvSpPr>
+        <p:spPr>
+          <a:xfrm>
+            <a:off x="3893573" y="5181597"/>
+            <a:ext cx="2625216" cy="432621"/>
+          </a:xfrm>
+          <a:prstGeom prst="rect">
+            <a:avLst/>
+          </a:prstGeom>
+          <a:noFill/>
+        </p:spPr>
+        <p:style>
+          <a:lnRef idx="2">
+            <a:schemeClr val="accent1">
+              <a:shade val="15000"/>
+            </a:schemeClr>
+          </a:lnRef>
+          <a:fillRef idx="1">
+            <a:schemeClr val="accent1"/>
+          </a:fillRef>
+          <a:effectRef idx="0">
+            <a:schemeClr val="accent1"/>
+          </a:effectRef>
+          <a:fontRef idx="minor">
+            <a:schemeClr val="lt1"/>
+          </a:fontRef>
+        </p:style>
+        <p:txBody>
+          <a:bodyPr rtlCol="0" anchor="ctr"/>
+          <a:lstStyle/>
+          <a:p>
+            <a:pPr algn="ctr"/>
+            <a:r>
+              <a:rPr lang="en-GB" dirty="0">
+                <a:solidFill>
+                  <a:schemeClr val="tx1"/>
+                </a:solidFill>
+              </a:rPr>
+              <a:t>Upload employee profile</a:t>
+            </a:r>
+            <a:endParaRPr lang="en-DE" dirty="0">
+              <a:solidFill>
+                <a:schemeClr val="tx1"/>
+              </a:solidFill>
+            </a:endParaRPr>
+          </a:p>
+        </p:txBody>
+      </p:sp>
+      <p:sp>
+        <p:nvSpPr>
+          <p:cNvPr id="11" name="Rectangle 10">
+            <a:extLst>
+              <a:ext uri="{FF2B5EF4-FFF2-40B4-BE49-F238E27FC236}">
+                <a16:creationId xmlns:a16="http://schemas.microsoft.com/office/drawing/2014/main" id="{8CFB2186-05C8-1DD8-BCCE-D0F2AD2267C4}"/>
+              </a:ext>
+            </a:extLst>
+          </p:cNvPr>
+          <p:cNvSpPr/>
+          <p:nvPr/>
+        </p:nvSpPr>
+        <p:spPr>
+          <a:xfrm>
+            <a:off x="7342239" y="5181595"/>
+            <a:ext cx="1823885" cy="432621"/>
+          </a:xfrm>
+          <a:prstGeom prst="rect">
+            <a:avLst/>
+          </a:prstGeom>
+          <a:noFill/>
+        </p:spPr>
+        <p:style>
+          <a:lnRef idx="2">
+            <a:schemeClr val="accent1">
+              <a:shade val="15000"/>
+            </a:schemeClr>
+          </a:lnRef>
+          <a:fillRef idx="1">
+            <a:schemeClr val="accent1"/>
+          </a:fillRef>
+          <a:effectRef idx="0">
+            <a:schemeClr val="accent1"/>
+          </a:effectRef>
+          <a:fontRef idx="minor">
+            <a:schemeClr val="lt1"/>
+          </a:fontRef>
+        </p:style>
+        <p:txBody>
+          <a:bodyPr rtlCol="0" anchor="ctr"/>
+          <a:lstStyle/>
+          <a:p>
+            <a:pPr algn="ctr"/>
+            <a:r>
+              <a:rPr lang="en-GB" dirty="0">
+                <a:solidFill>
+                  <a:schemeClr val="tx1"/>
+                </a:solidFill>
+              </a:rPr>
+              <a:t>Enter Offer Price</a:t>
+            </a:r>
+            <a:endParaRPr lang="en-DE" dirty="0">
+              <a:solidFill>
+                <a:schemeClr val="tx1"/>
+              </a:solidFill>
+            </a:endParaRPr>
+          </a:p>
+        </p:txBody>
+      </p:sp>
+      <p:sp>
+        <p:nvSpPr>
+          <p:cNvPr id="12" name="Rectangle 11">
+            <a:extLst>
+              <a:ext uri="{FF2B5EF4-FFF2-40B4-BE49-F238E27FC236}">
+                <a16:creationId xmlns:a16="http://schemas.microsoft.com/office/drawing/2014/main" id="{B5445F3E-5907-E9D0-12D6-48F38CBA292E}"/>
+              </a:ext>
+            </a:extLst>
+          </p:cNvPr>
+          <p:cNvSpPr/>
+          <p:nvPr/>
+        </p:nvSpPr>
+        <p:spPr>
+          <a:xfrm>
+            <a:off x="9162432" y="5181595"/>
+            <a:ext cx="571505" cy="432621"/>
+          </a:xfrm>
+          <a:prstGeom prst="rect">
+            <a:avLst/>
+          </a:prstGeom>
+          <a:noFill/>
+        </p:spPr>
+        <p:style>
+          <a:lnRef idx="2">
+            <a:schemeClr val="accent1">
+              <a:shade val="15000"/>
+            </a:schemeClr>
+          </a:lnRef>
+          <a:fillRef idx="1">
+            <a:schemeClr val="accent1"/>
+          </a:fillRef>
+          <a:effectRef idx="0">
+            <a:schemeClr val="accent1"/>
+          </a:effectRef>
+          <a:fontRef idx="minor">
+            <a:schemeClr val="lt1"/>
+          </a:fontRef>
+        </p:style>
+        <p:txBody>
+          <a:bodyPr rtlCol="0" anchor="ctr"/>
+          <a:lstStyle/>
+          <a:p>
+            <a:pPr algn="ctr"/>
+            <a:r>
+              <a:rPr lang="en-GB" dirty="0">
+                <a:solidFill>
+                  <a:schemeClr val="tx1"/>
+                </a:solidFill>
+              </a:rPr>
+              <a:t>500</a:t>
+            </a:r>
+            <a:endParaRPr lang="en-DE" dirty="0">
+              <a:solidFill>
+                <a:schemeClr val="tx1"/>
+              </a:solidFill>
+            </a:endParaRPr>
+          </a:p>
+        </p:txBody>
+      </p:sp>
+      <p:sp>
+        <p:nvSpPr>
+          <p:cNvPr id="13" name="Rectangle: Rounded Corners 12">
+            <a:extLst>
+              <a:ext uri="{FF2B5EF4-FFF2-40B4-BE49-F238E27FC236}">
+                <a16:creationId xmlns:a16="http://schemas.microsoft.com/office/drawing/2014/main" id="{B2BACA88-11C1-B46E-9B5D-CFBB2A7B8B78}"/>
+              </a:ext>
+            </a:extLst>
+          </p:cNvPr>
+          <p:cNvSpPr/>
+          <p:nvPr/>
+        </p:nvSpPr>
+        <p:spPr>
+          <a:xfrm>
+            <a:off x="8377084" y="5614216"/>
+            <a:ext cx="1356850" cy="334300"/>
+          </a:xfrm>
+          <a:prstGeom prst="roundRect">
+            <a:avLst/>
+          </a:prstGeom>
+          <a:solidFill>
+            <a:srgbClr val="FFC000"/>
+          </a:solidFill>
+        </p:spPr>
+        <p:style>
+          <a:lnRef idx="2">
+            <a:schemeClr val="accent1">
+              <a:shade val="15000"/>
+            </a:schemeClr>
+          </a:lnRef>
+          <a:fillRef idx="1">
+            <a:schemeClr val="accent1"/>
+          </a:fillRef>
+          <a:effectRef idx="0">
+            <a:schemeClr val="accent1"/>
+          </a:effectRef>
+          <a:fontRef idx="minor">
+            <a:schemeClr val="lt1"/>
+          </a:fontRef>
+        </p:style>
+        <p:txBody>
+          <a:bodyPr rtlCol="0" anchor="ctr"/>
+          <a:lstStyle/>
+          <a:p>
+            <a:pPr algn="ctr"/>
+            <a:r>
+              <a:rPr lang="en-GB" dirty="0">
+                <a:solidFill>
+                  <a:schemeClr val="tx1"/>
+                </a:solidFill>
+              </a:rPr>
+              <a:t>SUBMIT</a:t>
+            </a:r>
+            <a:endParaRPr lang="en-DE" dirty="0">
+              <a:solidFill>
+                <a:schemeClr val="tx1"/>
+              </a:solidFill>
+            </a:endParaRPr>
+          </a:p>
+        </p:txBody>
+      </p:sp>
+      <p:sp>
+        <p:nvSpPr>
+          <p:cNvPr id="14" name="Rectangle: Rounded Corners 13">
+            <a:extLst>
+              <a:ext uri="{FF2B5EF4-FFF2-40B4-BE49-F238E27FC236}">
+                <a16:creationId xmlns:a16="http://schemas.microsoft.com/office/drawing/2014/main" id="{3677DCBB-019A-0DF6-9223-17DF7360C1A7}"/>
+              </a:ext>
+            </a:extLst>
+          </p:cNvPr>
+          <p:cNvSpPr/>
+          <p:nvPr/>
+        </p:nvSpPr>
+        <p:spPr>
+          <a:xfrm>
+            <a:off x="3888660" y="5614216"/>
+            <a:ext cx="1356850" cy="334300"/>
+          </a:xfrm>
+          <a:prstGeom prst="roundRect">
+            <a:avLst/>
+          </a:prstGeom>
+          <a:solidFill>
+            <a:srgbClr val="FF0000"/>
+          </a:solidFill>
+        </p:spPr>
+        <p:style>
+          <a:lnRef idx="2">
+            <a:schemeClr val="accent1">
+              <a:shade val="15000"/>
+            </a:schemeClr>
+          </a:lnRef>
+          <a:fillRef idx="1">
+            <a:schemeClr val="accent1"/>
+          </a:fillRef>
+          <a:effectRef idx="0">
+            <a:schemeClr val="accent1"/>
+          </a:effectRef>
+          <a:fontRef idx="minor">
+            <a:schemeClr val="lt1"/>
+          </a:fontRef>
+        </p:style>
+        <p:txBody>
+          <a:bodyPr rtlCol="0" anchor="ctr"/>
+          <a:lstStyle/>
+          <a:p>
+            <a:pPr algn="ctr"/>
+            <a:r>
+              <a:rPr lang="en-GB" dirty="0">
+                <a:solidFill>
+                  <a:schemeClr val="tx1"/>
+                </a:solidFill>
+              </a:rPr>
+              <a:t>CANCEL</a:t>
+            </a:r>
+            <a:endParaRPr lang="en-DE" dirty="0">
+              <a:solidFill>
+                <a:schemeClr val="tx1"/>
+              </a:solidFill>
+            </a:endParaRPr>
+          </a:p>
+        </p:txBody>
+      </p:sp>
     </p:spTree>
     <p:extLst>
       <p:ext uri="{BB962C8B-B14F-4D97-AF65-F5344CB8AC3E}">
-        <p14:creationId xmlns:p14="http://schemas.microsoft.com/office/powerpoint/2010/main" val="1807393203"/>
+        <p14:creationId xmlns:p14="http://schemas.microsoft.com/office/powerpoint/2010/main" val="2348283325"/>
       </p:ext>
     </p:extLst>
   </p:cSld>
@@ -7759,7 +9392,7 @@
         </p:nvSpPr>
         <p:spPr>
           <a:xfrm>
-            <a:off x="1435510" y="535862"/>
+            <a:off x="1396181" y="491613"/>
             <a:ext cx="6263148" cy="845574"/>
           </a:xfrm>
           <a:prstGeom prst="rect">
@@ -7806,10 +9439,10 @@
       </p:sp>
       <p:sp>
         <p:nvSpPr>
-          <p:cNvPr id="6" name="Rectangle 5">
-            <a:extLst>
-              <a:ext uri="{FF2B5EF4-FFF2-40B4-BE49-F238E27FC236}">
-                <a16:creationId xmlns:a16="http://schemas.microsoft.com/office/drawing/2014/main" id="{CFF12197-8EAE-13FE-E097-0F943C60145E}"/>
+          <p:cNvPr id="2" name="Oval 1">
+            <a:extLst>
+              <a:ext uri="{FF2B5EF4-FFF2-40B4-BE49-F238E27FC236}">
+                <a16:creationId xmlns:a16="http://schemas.microsoft.com/office/drawing/2014/main" id="{F9340B88-C887-8428-3433-24CAB9ADF8D9}"/>
               </a:ext>
             </a:extLst>
           </p:cNvPr>
@@ -7818,79 +9451,14 @@
         </p:nvSpPr>
         <p:spPr>
           <a:xfrm>
-            <a:off x="2910349" y="1678859"/>
-            <a:ext cx="5879690" cy="717755"/>
-          </a:xfrm>
-          <a:prstGeom prst="rect">
-            <a:avLst/>
-          </a:prstGeom>
-          <a:noFill/>
-          <a:ln>
-            <a:noFill/>
-          </a:ln>
-        </p:spPr>
-        <p:style>
-          <a:lnRef idx="2">
-            <a:schemeClr val="accent1">
-              <a:shade val="15000"/>
-            </a:schemeClr>
-          </a:lnRef>
-          <a:fillRef idx="1">
-            <a:schemeClr val="accent1"/>
-          </a:fillRef>
-          <a:effectRef idx="0">
-            <a:schemeClr val="accent1"/>
-          </a:effectRef>
-          <a:fontRef idx="minor">
-            <a:schemeClr val="lt1"/>
-          </a:fontRef>
-        </p:style>
-        <p:txBody>
-          <a:bodyPr rtlCol="0" anchor="ctr"/>
-          <a:lstStyle/>
-          <a:p>
-            <a:pPr algn="ctr"/>
-            <a:r>
-              <a:rPr lang="en-GB" dirty="0">
-                <a:solidFill>
-                  <a:schemeClr val="tx1"/>
-                </a:solidFill>
-              </a:rPr>
-              <a:t>Select User</a:t>
-            </a:r>
-            <a:endParaRPr lang="en-DE" dirty="0">
-              <a:solidFill>
-                <a:schemeClr val="tx1"/>
-              </a:solidFill>
-            </a:endParaRPr>
-          </a:p>
-        </p:txBody>
-      </p:sp>
-      <p:sp>
-        <p:nvSpPr>
-          <p:cNvPr id="18" name="Rectangle 17">
-            <a:extLst>
-              <a:ext uri="{FF2B5EF4-FFF2-40B4-BE49-F238E27FC236}">
-                <a16:creationId xmlns:a16="http://schemas.microsoft.com/office/drawing/2014/main" id="{1B558F89-C260-579E-D2CD-379561C9C564}"/>
-              </a:ext>
-            </a:extLst>
-          </p:cNvPr>
-          <p:cNvSpPr/>
-          <p:nvPr/>
-        </p:nvSpPr>
-        <p:spPr>
-          <a:xfrm>
-            <a:off x="2128684" y="2733369"/>
-            <a:ext cx="2364658" cy="860321"/>
-          </a:xfrm>
-          <a:prstGeom prst="rect">
+            <a:off x="9969910" y="575182"/>
+            <a:ext cx="698090" cy="693179"/>
+          </a:xfrm>
+          <a:prstGeom prst="ellipse">
             <a:avLst/>
           </a:prstGeom>
           <a:solidFill>
-            <a:schemeClr val="accent2">
-              <a:lumMod val="40000"/>
-              <a:lumOff val="60000"/>
-            </a:schemeClr>
+            <a:srgbClr val="FFFF00"/>
           </a:solidFill>
           <a:ln>
             <a:solidFill>
@@ -7935,32 +9503,26 @@
           </a:p>
         </p:txBody>
       </p:sp>
-      <p:sp>
-        <p:nvSpPr>
-          <p:cNvPr id="2" name="Oval 1">
-            <a:extLst>
-              <a:ext uri="{FF2B5EF4-FFF2-40B4-BE49-F238E27FC236}">
-                <a16:creationId xmlns:a16="http://schemas.microsoft.com/office/drawing/2014/main" id="{F9340B88-C887-8428-3433-24CAB9ADF8D9}"/>
-              </a:ext>
-            </a:extLst>
-          </p:cNvPr>
-          <p:cNvSpPr/>
+      <p:cxnSp>
+        <p:nvCxnSpPr>
+          <p:cNvPr id="6" name="Straight Connector 5">
+            <a:extLst>
+              <a:ext uri="{FF2B5EF4-FFF2-40B4-BE49-F238E27FC236}">
+                <a16:creationId xmlns:a16="http://schemas.microsoft.com/office/drawing/2014/main" id="{DA6F9116-6193-4F1E-12E9-9745BFB6EF40}"/>
+              </a:ext>
+            </a:extLst>
+          </p:cNvPr>
+          <p:cNvCxnSpPr/>
           <p:nvPr/>
-        </p:nvSpPr>
-        <p:spPr>
-          <a:xfrm>
-            <a:off x="9969910" y="575182"/>
-            <a:ext cx="698090" cy="693179"/>
-          </a:xfrm>
-          <a:prstGeom prst="ellipse">
-            <a:avLst/>
-          </a:prstGeom>
-          <a:solidFill>
-            <a:schemeClr val="tx1">
-              <a:lumMod val="50000"/>
-              <a:lumOff val="50000"/>
-            </a:schemeClr>
-          </a:solidFill>
+        </p:nvCxnSpPr>
+        <p:spPr>
+          <a:xfrm>
+            <a:off x="2753033" y="1333500"/>
+            <a:ext cx="0" cy="4870655"/>
+          </a:xfrm>
+          <a:prstGeom prst="line">
+            <a:avLst/>
+          </a:prstGeom>
           <a:ln>
             <a:solidFill>
               <a:schemeClr val="tx1"/>
@@ -7968,6 +9530,46 @@
           </a:ln>
         </p:spPr>
         <p:style>
+          <a:lnRef idx="1">
+            <a:schemeClr val="accent1"/>
+          </a:lnRef>
+          <a:fillRef idx="0">
+            <a:schemeClr val="accent1"/>
+          </a:fillRef>
+          <a:effectRef idx="0">
+            <a:schemeClr val="accent1"/>
+          </a:effectRef>
+          <a:fontRef idx="minor">
+            <a:schemeClr val="tx1"/>
+          </a:fontRef>
+        </p:style>
+      </p:cxnSp>
+      <p:sp>
+        <p:nvSpPr>
+          <p:cNvPr id="7" name="Rectangle 6">
+            <a:extLst>
+              <a:ext uri="{FF2B5EF4-FFF2-40B4-BE49-F238E27FC236}">
+                <a16:creationId xmlns:a16="http://schemas.microsoft.com/office/drawing/2014/main" id="{631E89C9-ED74-923F-9737-9C16A46CECB6}"/>
+              </a:ext>
+            </a:extLst>
+          </p:cNvPr>
+          <p:cNvSpPr/>
+          <p:nvPr/>
+        </p:nvSpPr>
+        <p:spPr>
+          <a:xfrm>
+            <a:off x="1406013" y="2113935"/>
+            <a:ext cx="1337180" cy="589936"/>
+          </a:xfrm>
+          <a:prstGeom prst="rect">
+            <a:avLst/>
+          </a:prstGeom>
+          <a:noFill/>
+          <a:ln>
+            <a:noFill/>
+          </a:ln>
+        </p:spPr>
+        <p:style>
           <a:lnRef idx="2">
             <a:schemeClr val="accent1">
               <a:shade val="15000"/>
@@ -7989,13 +9591,123 @@
           <a:p>
             <a:pPr algn="ctr"/>
             <a:r>
-              <a:rPr lang="en-GB" dirty="0">
+              <a:rPr lang="en-GB" sz="1400" dirty="0">
                 <a:solidFill>
                   <a:schemeClr val="tx1"/>
                 </a:solidFill>
               </a:rPr>
-              <a:t>A1</a:t>
-            </a:r>
+              <a:t>Employee Profile</a:t>
+            </a:r>
+          </a:p>
+        </p:txBody>
+      </p:sp>
+      <p:sp>
+        <p:nvSpPr>
+          <p:cNvPr id="8" name="Rectangle 7">
+            <a:extLst>
+              <a:ext uri="{FF2B5EF4-FFF2-40B4-BE49-F238E27FC236}">
+                <a16:creationId xmlns:a16="http://schemas.microsoft.com/office/drawing/2014/main" id="{30454A0E-2010-FD39-7059-3230B1400FFC}"/>
+              </a:ext>
+            </a:extLst>
+          </p:cNvPr>
+          <p:cNvSpPr/>
+          <p:nvPr/>
+        </p:nvSpPr>
+        <p:spPr>
+          <a:xfrm>
+            <a:off x="1415853" y="4340941"/>
+            <a:ext cx="1337180" cy="589936"/>
+          </a:xfrm>
+          <a:prstGeom prst="rect">
+            <a:avLst/>
+          </a:prstGeom>
+          <a:solidFill>
+            <a:srgbClr val="00B0F0"/>
+          </a:solidFill>
+          <a:ln>
+            <a:noFill/>
+          </a:ln>
+        </p:spPr>
+        <p:style>
+          <a:lnRef idx="2">
+            <a:schemeClr val="accent1">
+              <a:shade val="15000"/>
+            </a:schemeClr>
+          </a:lnRef>
+          <a:fillRef idx="1">
+            <a:schemeClr val="accent1"/>
+          </a:fillRef>
+          <a:effectRef idx="0">
+            <a:schemeClr val="accent1"/>
+          </a:effectRef>
+          <a:fontRef idx="minor">
+            <a:schemeClr val="lt1"/>
+          </a:fontRef>
+        </p:style>
+        <p:txBody>
+          <a:bodyPr rtlCol="0" anchor="ctr"/>
+          <a:lstStyle/>
+          <a:p>
+            <a:pPr algn="ctr"/>
+            <a:r>
+              <a:rPr lang="en-GB" sz="1400" dirty="0">
+                <a:solidFill>
+                  <a:schemeClr val="tx1"/>
+                </a:solidFill>
+              </a:rPr>
+              <a:t>Notifications</a:t>
+            </a:r>
+            <a:endParaRPr lang="en-DE" sz="1400" dirty="0">
+              <a:solidFill>
+                <a:schemeClr val="tx1"/>
+              </a:solidFill>
+            </a:endParaRPr>
+          </a:p>
+        </p:txBody>
+      </p:sp>
+      <p:sp>
+        <p:nvSpPr>
+          <p:cNvPr id="9" name="Rectangle: Rounded Corners 8">
+            <a:extLst>
+              <a:ext uri="{FF2B5EF4-FFF2-40B4-BE49-F238E27FC236}">
+                <a16:creationId xmlns:a16="http://schemas.microsoft.com/office/drawing/2014/main" id="{2EF5C05A-4703-0D34-1EA2-699E3D2B0E35}"/>
+              </a:ext>
+            </a:extLst>
+          </p:cNvPr>
+          <p:cNvSpPr/>
+          <p:nvPr/>
+        </p:nvSpPr>
+        <p:spPr>
+          <a:xfrm>
+            <a:off x="3470787" y="2497394"/>
+            <a:ext cx="5161924" cy="2979174"/>
+          </a:xfrm>
+          <a:prstGeom prst="roundRect">
+            <a:avLst/>
+          </a:prstGeom>
+          <a:noFill/>
+        </p:spPr>
+        <p:style>
+          <a:lnRef idx="2">
+            <a:schemeClr val="accent1">
+              <a:shade val="15000"/>
+            </a:schemeClr>
+          </a:lnRef>
+          <a:fillRef idx="1">
+            <a:schemeClr val="accent1"/>
+          </a:fillRef>
+          <a:effectRef idx="0">
+            <a:schemeClr val="accent1"/>
+          </a:effectRef>
+          <a:fontRef idx="minor">
+            <a:schemeClr val="lt1"/>
+          </a:fontRef>
+        </p:style>
+        <p:txBody>
+          <a:bodyPr rtlCol="0" anchor="ctr"/>
+          <a:lstStyle/>
+          <a:p>
+            <a:pPr algn="ctr"/>
             <a:endParaRPr lang="en-DE" dirty="0">
               <a:solidFill>
                 <a:schemeClr val="tx1"/>
@@ -8004,217 +9716,10 @@
           </a:p>
         </p:txBody>
       </p:sp>
-      <p:sp>
-        <p:nvSpPr>
-          <p:cNvPr id="10" name="Rectangle 9">
-            <a:extLst>
-              <a:ext uri="{FF2B5EF4-FFF2-40B4-BE49-F238E27FC236}">
-                <a16:creationId xmlns:a16="http://schemas.microsoft.com/office/drawing/2014/main" id="{118A6B11-659C-1BCF-9F21-720A6DA6F1C2}"/>
-              </a:ext>
-            </a:extLst>
-          </p:cNvPr>
-          <p:cNvSpPr/>
-          <p:nvPr/>
-        </p:nvSpPr>
-        <p:spPr>
-          <a:xfrm>
-            <a:off x="4894006" y="4159045"/>
-            <a:ext cx="2364658" cy="860321"/>
-          </a:xfrm>
-          <a:prstGeom prst="rect">
-            <a:avLst/>
-          </a:prstGeom>
-          <a:solidFill>
-            <a:schemeClr val="accent2">
-              <a:lumMod val="40000"/>
-              <a:lumOff val="60000"/>
-            </a:schemeClr>
-          </a:solidFill>
-          <a:ln>
-            <a:solidFill>
-              <a:schemeClr val="tx1"/>
-            </a:solidFill>
-          </a:ln>
-        </p:spPr>
-        <p:style>
-          <a:lnRef idx="2">
-            <a:schemeClr val="accent1">
-              <a:shade val="15000"/>
-            </a:schemeClr>
-          </a:lnRef>
-          <a:fillRef idx="1">
-            <a:schemeClr val="accent1"/>
-          </a:fillRef>
-          <a:effectRef idx="0">
-            <a:schemeClr val="accent1"/>
-          </a:effectRef>
-          <a:fontRef idx="minor">
-            <a:schemeClr val="lt1"/>
-          </a:fontRef>
-        </p:style>
-        <p:txBody>
-          <a:bodyPr rtlCol="0" anchor="ctr"/>
-          <a:lstStyle/>
-          <a:p>
-            <a:pPr algn="ctr"/>
-            <a:r>
-              <a:rPr lang="en-GB" dirty="0">
-                <a:solidFill>
-                  <a:schemeClr val="tx1"/>
-                </a:solidFill>
-              </a:rPr>
-              <a:t>A5</a:t>
-            </a:r>
-            <a:endParaRPr lang="en-DE" dirty="0">
-              <a:solidFill>
-                <a:schemeClr val="tx1"/>
-              </a:solidFill>
-            </a:endParaRPr>
-          </a:p>
-        </p:txBody>
-      </p:sp>
-      <p:sp>
-        <p:nvSpPr>
-          <p:cNvPr id="11" name="Rectangle 10">
-            <a:extLst>
-              <a:ext uri="{FF2B5EF4-FFF2-40B4-BE49-F238E27FC236}">
-                <a16:creationId xmlns:a16="http://schemas.microsoft.com/office/drawing/2014/main" id="{E9045F7A-480D-E809-FF46-D60E196CF9A8}"/>
-              </a:ext>
-            </a:extLst>
-          </p:cNvPr>
-          <p:cNvSpPr/>
-          <p:nvPr/>
-        </p:nvSpPr>
-        <p:spPr>
-          <a:xfrm>
-            <a:off x="4894006" y="2733369"/>
-            <a:ext cx="2364658" cy="860321"/>
-          </a:xfrm>
-          <a:prstGeom prst="rect">
-            <a:avLst/>
-          </a:prstGeom>
-          <a:solidFill>
-            <a:schemeClr val="accent2">
-              <a:lumMod val="40000"/>
-              <a:lumOff val="60000"/>
-            </a:schemeClr>
-          </a:solidFill>
-          <a:ln>
-            <a:solidFill>
-              <a:schemeClr val="tx1"/>
-            </a:solidFill>
-          </a:ln>
-        </p:spPr>
-        <p:style>
-          <a:lnRef idx="2">
-            <a:schemeClr val="accent1">
-              <a:shade val="15000"/>
-            </a:schemeClr>
-          </a:lnRef>
-          <a:fillRef idx="1">
-            <a:schemeClr val="accent1"/>
-          </a:fillRef>
-          <a:effectRef idx="0">
-            <a:schemeClr val="accent1"/>
-          </a:effectRef>
-          <a:fontRef idx="minor">
-            <a:schemeClr val="lt1"/>
-          </a:fontRef>
-        </p:style>
-        <p:txBody>
-          <a:bodyPr rtlCol="0" anchor="ctr"/>
-          <a:lstStyle/>
-          <a:p>
-            <a:pPr algn="ctr"/>
-            <a:r>
-              <a:rPr lang="en-GB" dirty="0">
-                <a:solidFill>
-                  <a:schemeClr val="tx1"/>
-                </a:solidFill>
-              </a:rPr>
-              <a:t>A3</a:t>
-            </a:r>
-            <a:endParaRPr lang="en-DE" dirty="0">
-              <a:solidFill>
-                <a:schemeClr val="tx1"/>
-              </a:solidFill>
-            </a:endParaRPr>
-          </a:p>
-        </p:txBody>
-      </p:sp>
-      <p:sp>
-        <p:nvSpPr>
-          <p:cNvPr id="12" name="Rectangle 11">
-            <a:extLst>
-              <a:ext uri="{FF2B5EF4-FFF2-40B4-BE49-F238E27FC236}">
-                <a16:creationId xmlns:a16="http://schemas.microsoft.com/office/drawing/2014/main" id="{08C9AE97-7CA6-B25A-BCD6-08F06E2FDA20}"/>
-              </a:ext>
-            </a:extLst>
-          </p:cNvPr>
-          <p:cNvSpPr/>
-          <p:nvPr/>
-        </p:nvSpPr>
-        <p:spPr>
-          <a:xfrm>
-            <a:off x="7509387" y="2710021"/>
-            <a:ext cx="2364658" cy="860321"/>
-          </a:xfrm>
-          <a:prstGeom prst="rect">
-            <a:avLst/>
-          </a:prstGeom>
-          <a:solidFill>
-            <a:schemeClr val="accent2">
-              <a:lumMod val="40000"/>
-              <a:lumOff val="60000"/>
-            </a:schemeClr>
-          </a:solidFill>
-          <a:ln>
-            <a:solidFill>
-              <a:schemeClr val="tx1"/>
-            </a:solidFill>
-          </a:ln>
-        </p:spPr>
-        <p:style>
-          <a:lnRef idx="2">
-            <a:schemeClr val="accent1">
-              <a:shade val="15000"/>
-            </a:schemeClr>
-          </a:lnRef>
-          <a:fillRef idx="1">
-            <a:schemeClr val="accent1"/>
-          </a:fillRef>
-          <a:effectRef idx="0">
-            <a:schemeClr val="accent1"/>
-          </a:effectRef>
-          <a:fontRef idx="minor">
-            <a:schemeClr val="lt1"/>
-          </a:fontRef>
-        </p:style>
-        <p:txBody>
-          <a:bodyPr rtlCol="0" anchor="ctr"/>
-          <a:lstStyle/>
-          <a:p>
-            <a:pPr algn="ctr"/>
-            <a:r>
-              <a:rPr lang="en-GB" dirty="0">
-                <a:solidFill>
-                  <a:schemeClr val="tx1"/>
-                </a:solidFill>
-              </a:rPr>
-              <a:t>A4</a:t>
-            </a:r>
-            <a:endParaRPr lang="en-DE" dirty="0">
-              <a:solidFill>
-                <a:schemeClr val="tx1"/>
-              </a:solidFill>
-            </a:endParaRPr>
-          </a:p>
-        </p:txBody>
-      </p:sp>
     </p:spTree>
     <p:extLst>
       <p:ext uri="{BB962C8B-B14F-4D97-AF65-F5344CB8AC3E}">
-        <p14:creationId xmlns:p14="http://schemas.microsoft.com/office/powerpoint/2010/main" val="1543575077"/>
+        <p14:creationId xmlns:p14="http://schemas.microsoft.com/office/powerpoint/2010/main" val="3672760143"/>
       </p:ext>
     </p:extLst>
   </p:cSld>
@@ -8311,7 +9816,7 @@
         </p:nvSpPr>
         <p:spPr>
           <a:xfrm>
-            <a:off x="1435510" y="535862"/>
+            <a:off x="1396181" y="486701"/>
             <a:ext cx="6263148" cy="845574"/>
           </a:xfrm>
           <a:prstGeom prst="rect">
@@ -8346,7 +9851,7 @@
                   <a:schemeClr val="tx1"/>
                 </a:solidFill>
               </a:rPr>
-              <a:t>Access Platform for Providers (APP)</a:t>
+              <a:t>Welcome to Access Platform for Providers (APP)</a:t>
             </a:r>
             <a:endParaRPr lang="en-DE" dirty="0">
               <a:solidFill>
@@ -8358,10 +9863,10 @@
       </p:sp>
       <p:sp>
         <p:nvSpPr>
-          <p:cNvPr id="2" name="Oval 1">
-            <a:extLst>
-              <a:ext uri="{FF2B5EF4-FFF2-40B4-BE49-F238E27FC236}">
-                <a16:creationId xmlns:a16="http://schemas.microsoft.com/office/drawing/2014/main" id="{F9340B88-C887-8428-3433-24CAB9ADF8D9}"/>
+          <p:cNvPr id="18" name="Rectangle 17">
+            <a:extLst>
+              <a:ext uri="{FF2B5EF4-FFF2-40B4-BE49-F238E27FC236}">
+                <a16:creationId xmlns:a16="http://schemas.microsoft.com/office/drawing/2014/main" id="{1B558F89-C260-579E-D2CD-379561C9C564}"/>
               </a:ext>
             </a:extLst>
           </p:cNvPr>
@@ -8370,16 +9875,16 @@
         </p:nvSpPr>
         <p:spPr>
           <a:xfrm>
-            <a:off x="9969910" y="575182"/>
-            <a:ext cx="698090" cy="693179"/>
-          </a:xfrm>
-          <a:prstGeom prst="ellipse">
+            <a:off x="2964426" y="2282929"/>
+            <a:ext cx="6263148" cy="2375717"/>
+          </a:xfrm>
+          <a:prstGeom prst="rect">
             <a:avLst/>
           </a:prstGeom>
           <a:solidFill>
-            <a:schemeClr val="tx1">
-              <a:lumMod val="50000"/>
-              <a:lumOff val="50000"/>
+            <a:schemeClr val="accent2">
+              <a:lumMod val="40000"/>
+              <a:lumOff val="60000"/>
             </a:schemeClr>
           </a:solidFill>
           <a:ln>
@@ -8415,7 +9920,7 @@
                   <a:schemeClr val="tx1"/>
                 </a:solidFill>
               </a:rPr>
-              <a:t>A1</a:t>
+              <a:t>User Management Services</a:t>
             </a:r>
             <a:endParaRPr lang="en-DE" dirty="0">
               <a:solidFill>
@@ -8427,10 +9932,10 @@
       </p:sp>
       <p:sp>
         <p:nvSpPr>
-          <p:cNvPr id="4" name="Rectangle 3">
-            <a:extLst>
-              <a:ext uri="{FF2B5EF4-FFF2-40B4-BE49-F238E27FC236}">
-                <a16:creationId xmlns:a16="http://schemas.microsoft.com/office/drawing/2014/main" id="{2EEDA58F-D213-577E-1C7F-8EC8032E19BE}"/>
+          <p:cNvPr id="2" name="Oval 1">
+            <a:extLst>
+              <a:ext uri="{FF2B5EF4-FFF2-40B4-BE49-F238E27FC236}">
+                <a16:creationId xmlns:a16="http://schemas.microsoft.com/office/drawing/2014/main" id="{F9340B88-C887-8428-3433-24CAB9ADF8D9}"/>
               </a:ext>
             </a:extLst>
           </p:cNvPr>
@@ -8439,13 +9944,23 @@
         </p:nvSpPr>
         <p:spPr>
           <a:xfrm>
-            <a:off x="1710811" y="2074606"/>
-            <a:ext cx="8770375" cy="3549446"/>
-          </a:xfrm>
-          <a:prstGeom prst="rect">
-            <a:avLst/>
-          </a:prstGeom>
-          <a:noFill/>
+            <a:off x="9969910" y="575182"/>
+            <a:ext cx="698090" cy="693179"/>
+          </a:xfrm>
+          <a:prstGeom prst="ellipse">
+            <a:avLst/>
+          </a:prstGeom>
+          <a:solidFill>
+            <a:schemeClr val="tx1">
+              <a:lumMod val="50000"/>
+              <a:lumOff val="50000"/>
+            </a:schemeClr>
+          </a:solidFill>
+          <a:ln>
+            <a:solidFill>
+              <a:schemeClr val="tx1"/>
+            </a:solidFill>
+          </a:ln>
         </p:spPr>
         <p:style>
           <a:lnRef idx="2">
@@ -8467,204 +9982,27 @@
           <a:bodyPr rtlCol="0" anchor="ctr"/>
           <a:lstStyle/>
           <a:p>
+            <a:pPr algn="ctr"/>
             <a:r>
               <a:rPr lang="en-GB" dirty="0">
                 <a:solidFill>
                   <a:schemeClr val="tx1"/>
                 </a:solidFill>
               </a:rPr>
-              <a:t>Name: A2 -&gt; </a:t>
-            </a:r>
-            <a:r>
-              <a:rPr lang="en-GB" dirty="0">
-                <a:solidFill>
-                  <a:schemeClr val="tx1"/>
-                </a:solidFill>
-                <a:highlight>
-                  <a:srgbClr val="00FF00"/>
-                </a:highlight>
-              </a:rPr>
-              <a:t>can be edit</a:t>
-            </a:r>
-          </a:p>
-          <a:p>
-            <a:endParaRPr lang="en-GB" dirty="0">
+              <a:t>A1</a:t>
+            </a:r>
+            <a:endParaRPr lang="en-DE" dirty="0">
               <a:solidFill>
                 <a:schemeClr val="tx1"/>
               </a:solidFill>
             </a:endParaRPr>
           </a:p>
-          <a:p>
-            <a:r>
-              <a:rPr lang="en-GB" dirty="0">
-                <a:solidFill>
-                  <a:schemeClr val="tx1"/>
-                </a:solidFill>
-              </a:rPr>
-              <a:t>Address: Ordnungsamt 45 -&gt; </a:t>
-            </a:r>
-            <a:r>
-              <a:rPr lang="en-GB" dirty="0">
-                <a:solidFill>
-                  <a:schemeClr val="tx1"/>
-                </a:solidFill>
-                <a:highlight>
-                  <a:srgbClr val="00FF00"/>
-                </a:highlight>
-              </a:rPr>
-              <a:t>can be edit</a:t>
-            </a:r>
-          </a:p>
-          <a:p>
-            <a:endParaRPr lang="en-GB" dirty="0">
-              <a:solidFill>
-                <a:schemeClr val="tx1"/>
-              </a:solidFill>
-            </a:endParaRPr>
-          </a:p>
-          <a:p>
-            <a:r>
-              <a:rPr lang="en-GB" dirty="0">
-                <a:solidFill>
-                  <a:schemeClr val="tx1"/>
-                </a:solidFill>
-              </a:rPr>
-              <a:t>Mobile Number: +49 17676585223 -&gt; </a:t>
-            </a:r>
-            <a:r>
-              <a:rPr lang="en-GB" dirty="0">
-                <a:solidFill>
-                  <a:schemeClr val="tx1"/>
-                </a:solidFill>
-                <a:highlight>
-                  <a:srgbClr val="00FF00"/>
-                </a:highlight>
-              </a:rPr>
-              <a:t>can be edit</a:t>
-            </a:r>
-            <a:endParaRPr lang="en-GB" dirty="0">
-              <a:solidFill>
-                <a:schemeClr val="tx1"/>
-              </a:solidFill>
-            </a:endParaRPr>
-          </a:p>
-          <a:p>
-            <a:endParaRPr lang="en-GB" dirty="0">
-              <a:solidFill>
-                <a:schemeClr val="tx1"/>
-              </a:solidFill>
-            </a:endParaRPr>
-          </a:p>
-          <a:p>
-            <a:r>
-              <a:rPr lang="en-GB" dirty="0">
-                <a:solidFill>
-                  <a:schemeClr val="tx1"/>
-                </a:solidFill>
-              </a:rPr>
-              <a:t>Email ID: </a:t>
-            </a:r>
-            <a:r>
-              <a:rPr lang="en-GB" dirty="0">
-                <a:solidFill>
-                  <a:schemeClr val="tx1"/>
-                </a:solidFill>
-                <a:hlinkClick r:id="rId2"/>
-              </a:rPr>
-              <a:t>a2frankfurt@app.com</a:t>
-            </a:r>
-            <a:r>
-              <a:rPr lang="en-GB" dirty="0">
-                <a:solidFill>
-                  <a:schemeClr val="tx1"/>
-                </a:solidFill>
-              </a:rPr>
-              <a:t> -&gt; </a:t>
-            </a:r>
-            <a:r>
-              <a:rPr lang="en-GB" dirty="0">
-                <a:solidFill>
-                  <a:schemeClr val="tx1"/>
-                </a:solidFill>
-                <a:highlight>
-                  <a:srgbClr val="00FF00"/>
-                </a:highlight>
-              </a:rPr>
-              <a:t>can be edit</a:t>
-            </a:r>
-            <a:endParaRPr lang="en-GB" dirty="0">
-              <a:solidFill>
-                <a:schemeClr val="tx1"/>
-              </a:solidFill>
-            </a:endParaRPr>
-          </a:p>
-          <a:p>
-            <a:endParaRPr lang="en-GB" dirty="0">
-              <a:solidFill>
-                <a:schemeClr val="tx1"/>
-              </a:solidFill>
-            </a:endParaRPr>
-          </a:p>
-          <a:p>
-            <a:r>
-              <a:rPr lang="en-GB" dirty="0">
-                <a:solidFill>
-                  <a:schemeClr val="tx1"/>
-                </a:solidFill>
-              </a:rPr>
-              <a:t>Username: a2berlin123 -&gt; </a:t>
-            </a:r>
-            <a:r>
-              <a:rPr lang="en-GB" dirty="0">
-                <a:solidFill>
-                  <a:schemeClr val="tx1"/>
-                </a:solidFill>
-                <a:highlight>
-                  <a:srgbClr val="00FF00"/>
-                </a:highlight>
-              </a:rPr>
-              <a:t>can’t be edit</a:t>
-            </a:r>
-            <a:endParaRPr lang="en-GB" dirty="0">
-              <a:solidFill>
-                <a:schemeClr val="tx1"/>
-              </a:solidFill>
-            </a:endParaRPr>
-          </a:p>
-          <a:p>
-            <a:endParaRPr lang="en-GB" dirty="0">
-              <a:solidFill>
-                <a:schemeClr val="tx1"/>
-              </a:solidFill>
-            </a:endParaRPr>
-          </a:p>
-          <a:p>
-            <a:r>
-              <a:rPr lang="en-GB" dirty="0">
-                <a:solidFill>
-                  <a:schemeClr val="tx1"/>
-                </a:solidFill>
-              </a:rPr>
-              <a:t>Password: ****** -&gt; </a:t>
-            </a:r>
-            <a:r>
-              <a:rPr lang="en-GB" dirty="0">
-                <a:solidFill>
-                  <a:schemeClr val="tx1"/>
-                </a:solidFill>
-                <a:highlight>
-                  <a:srgbClr val="00FF00"/>
-                </a:highlight>
-              </a:rPr>
-              <a:t>can’t be edit</a:t>
-            </a:r>
-          </a:p>
         </p:txBody>
       </p:sp>
     </p:spTree>
     <p:extLst>
       <p:ext uri="{BB962C8B-B14F-4D97-AF65-F5344CB8AC3E}">
-        <p14:creationId xmlns:p14="http://schemas.microsoft.com/office/powerpoint/2010/main" val="1096277299"/>
+        <p14:creationId xmlns:p14="http://schemas.microsoft.com/office/powerpoint/2010/main" val="1807393203"/>
       </p:ext>
     </p:extLst>
   </p:cSld>
@@ -8967,4 +10305,47 @@
     </a:ext>
   </a:extLst>
 </a:theme>
+</file>
+
+<file path=ppt/theme/themeOverride1.xml><?xml version="1.0" encoding="utf-8"?>
+<a:themeOverride xmlns:a="http://schemas.openxmlformats.org/drawingml/2006/main">
+  <a:clrScheme name="Office">
+    <a:dk1>
+      <a:sysClr val="windowText" lastClr="000000"/>
+    </a:dk1>
+    <a:lt1>
+      <a:sysClr val="window" lastClr="FFFFFF"/>
+    </a:lt1>
+    <a:dk2>
+      <a:srgbClr val="44546A"/>
+    </a:dk2>
+    <a:lt2>
+      <a:srgbClr val="E7E6E6"/>
+    </a:lt2>
+    <a:accent1>
+      <a:srgbClr val="4472C4"/>
+    </a:accent1>
+    <a:accent2>
+      <a:srgbClr val="ED7D31"/>
+    </a:accent2>
+    <a:accent3>
+      <a:srgbClr val="A5A5A5"/>
+    </a:accent3>
+    <a:accent4>
+      <a:srgbClr val="FFC000"/>
+    </a:accent4>
+    <a:accent5>
+      <a:srgbClr val="5B9BD5"/>
+    </a:accent5>
+    <a:accent6>
+      <a:srgbClr val="70AD47"/>
+    </a:accent6>
+    <a:hlink>
+      <a:srgbClr val="0563C1"/>
+    </a:hlink>
+    <a:folHlink>
+      <a:srgbClr val="954F72"/>
+    </a:folHlink>
+  </a:clrScheme>
+</a:themeOverride>
 </file>